--- a/AI/FrostVer2.pptx
+++ b/AI/FrostVer2.pptx
@@ -259,7 +259,7 @@
           <a:p>
             <a:fld id="{5FEBFD95-8CFD-49BE-B999-985DD76DD94F}" type="datetimeFigureOut">
               <a:rPr lang="zh-CN" altLang="en-US" smtClean="0"/>
-              <a:t>2019/5/26</a:t>
+              <a:t>2019/8/2</a:t>
             </a:fld>
             <a:endParaRPr lang="zh-CN" altLang="en-US"/>
           </a:p>
@@ -429,7 +429,7 @@
           <a:p>
             <a:fld id="{5FEBFD95-8CFD-49BE-B999-985DD76DD94F}" type="datetimeFigureOut">
               <a:rPr lang="zh-CN" altLang="en-US" smtClean="0"/>
-              <a:t>2019/5/26</a:t>
+              <a:t>2019/8/2</a:t>
             </a:fld>
             <a:endParaRPr lang="zh-CN" altLang="en-US"/>
           </a:p>
@@ -609,7 +609,7 @@
           <a:p>
             <a:fld id="{5FEBFD95-8CFD-49BE-B999-985DD76DD94F}" type="datetimeFigureOut">
               <a:rPr lang="zh-CN" altLang="en-US" smtClean="0"/>
-              <a:t>2019/5/26</a:t>
+              <a:t>2019/8/2</a:t>
             </a:fld>
             <a:endParaRPr lang="zh-CN" altLang="en-US"/>
           </a:p>
@@ -779,7 +779,7 @@
           <a:p>
             <a:fld id="{5FEBFD95-8CFD-49BE-B999-985DD76DD94F}" type="datetimeFigureOut">
               <a:rPr lang="zh-CN" altLang="en-US" smtClean="0"/>
-              <a:t>2019/5/26</a:t>
+              <a:t>2019/8/2</a:t>
             </a:fld>
             <a:endParaRPr lang="zh-CN" altLang="en-US"/>
           </a:p>
@@ -1025,7 +1025,7 @@
           <a:p>
             <a:fld id="{5FEBFD95-8CFD-49BE-B999-985DD76DD94F}" type="datetimeFigureOut">
               <a:rPr lang="zh-CN" altLang="en-US" smtClean="0"/>
-              <a:t>2019/5/26</a:t>
+              <a:t>2019/8/2</a:t>
             </a:fld>
             <a:endParaRPr lang="zh-CN" altLang="en-US"/>
           </a:p>
@@ -1257,7 +1257,7 @@
           <a:p>
             <a:fld id="{5FEBFD95-8CFD-49BE-B999-985DD76DD94F}" type="datetimeFigureOut">
               <a:rPr lang="zh-CN" altLang="en-US" smtClean="0"/>
-              <a:t>2019/5/26</a:t>
+              <a:t>2019/8/2</a:t>
             </a:fld>
             <a:endParaRPr lang="zh-CN" altLang="en-US"/>
           </a:p>
@@ -1624,7 +1624,7 @@
           <a:p>
             <a:fld id="{5FEBFD95-8CFD-49BE-B999-985DD76DD94F}" type="datetimeFigureOut">
               <a:rPr lang="zh-CN" altLang="en-US" smtClean="0"/>
-              <a:t>2019/5/26</a:t>
+              <a:t>2019/8/2</a:t>
             </a:fld>
             <a:endParaRPr lang="zh-CN" altLang="en-US"/>
           </a:p>
@@ -1742,7 +1742,7 @@
           <a:p>
             <a:fld id="{5FEBFD95-8CFD-49BE-B999-985DD76DD94F}" type="datetimeFigureOut">
               <a:rPr lang="zh-CN" altLang="en-US" smtClean="0"/>
-              <a:t>2019/5/26</a:t>
+              <a:t>2019/8/2</a:t>
             </a:fld>
             <a:endParaRPr lang="zh-CN" altLang="en-US"/>
           </a:p>
@@ -1837,7 +1837,7 @@
           <a:p>
             <a:fld id="{5FEBFD95-8CFD-49BE-B999-985DD76DD94F}" type="datetimeFigureOut">
               <a:rPr lang="zh-CN" altLang="en-US" smtClean="0"/>
-              <a:t>2019/5/26</a:t>
+              <a:t>2019/8/2</a:t>
             </a:fld>
             <a:endParaRPr lang="zh-CN" altLang="en-US"/>
           </a:p>
@@ -2114,7 +2114,7 @@
           <a:p>
             <a:fld id="{5FEBFD95-8CFD-49BE-B999-985DD76DD94F}" type="datetimeFigureOut">
               <a:rPr lang="zh-CN" altLang="en-US" smtClean="0"/>
-              <a:t>2019/5/26</a:t>
+              <a:t>2019/8/2</a:t>
             </a:fld>
             <a:endParaRPr lang="zh-CN" altLang="en-US"/>
           </a:p>
@@ -2367,7 +2367,7 @@
           <a:p>
             <a:fld id="{5FEBFD95-8CFD-49BE-B999-985DD76DD94F}" type="datetimeFigureOut">
               <a:rPr lang="zh-CN" altLang="en-US" smtClean="0"/>
-              <a:t>2019/5/26</a:t>
+              <a:t>2019/8/2</a:t>
             </a:fld>
             <a:endParaRPr lang="zh-CN" altLang="en-US"/>
           </a:p>
@@ -2580,7 +2580,7 @@
           <a:p>
             <a:fld id="{5FEBFD95-8CFD-49BE-B999-985DD76DD94F}" type="datetimeFigureOut">
               <a:rPr lang="zh-CN" altLang="en-US" smtClean="0"/>
-              <a:t>2019/5/26</a:t>
+              <a:t>2019/8/2</a:t>
             </a:fld>
             <a:endParaRPr lang="zh-CN" altLang="en-US"/>
           </a:p>
@@ -3793,564 +3793,6 @@
           </a:p>
         </p:txBody>
       </p:sp>
-      <p:graphicFrame>
-        <p:nvGraphicFramePr>
-          <p:cNvPr id="10" name="Table 9"/>
-          <p:cNvGraphicFramePr>
-            <a:graphicFrameLocks noGrp="1"/>
-          </p:cNvGraphicFramePr>
-          <p:nvPr>
-            <p:extLst>
-              <p:ext uri="{D42A27DB-BD31-4B8C-83A1-F6EECF244321}">
-                <p14:modId xmlns:p14="http://schemas.microsoft.com/office/powerpoint/2010/main" val="2686893060"/>
-              </p:ext>
-            </p:extLst>
-          </p:nvPr>
-        </p:nvGraphicFramePr>
-        <p:xfrm>
-          <a:off x="3683689" y="1070032"/>
-          <a:ext cx="2458725" cy="5016115"/>
-        </p:xfrm>
-        <a:graphic>
-          <a:graphicData uri="http://schemas.openxmlformats.org/drawingml/2006/table">
-            <a:tbl>
-              <a:tblPr firstRow="1" bandRow="1">
-                <a:tableStyleId>{5940675A-B579-460E-94D1-54222C63F5DA}</a:tableStyleId>
-              </a:tblPr>
-              <a:tblGrid>
-                <a:gridCol w="491745">
-                  <a:extLst>
-                    <a:ext uri="{9D8B030D-6E8A-4147-A177-3AD203B41FA5}">
-                      <a16:colId xmlns:a16="http://schemas.microsoft.com/office/drawing/2014/main" val="1641402817"/>
-                    </a:ext>
-                  </a:extLst>
-                </a:gridCol>
-                <a:gridCol w="491745">
-                  <a:extLst>
-                    <a:ext uri="{9D8B030D-6E8A-4147-A177-3AD203B41FA5}">
-                      <a16:colId xmlns:a16="http://schemas.microsoft.com/office/drawing/2014/main" val="3165536729"/>
-                    </a:ext>
-                  </a:extLst>
-                </a:gridCol>
-                <a:gridCol w="491745">
-                  <a:extLst>
-                    <a:ext uri="{9D8B030D-6E8A-4147-A177-3AD203B41FA5}">
-                      <a16:colId xmlns:a16="http://schemas.microsoft.com/office/drawing/2014/main" val="1808853389"/>
-                    </a:ext>
-                  </a:extLst>
-                </a:gridCol>
-                <a:gridCol w="491745">
-                  <a:extLst>
-                    <a:ext uri="{9D8B030D-6E8A-4147-A177-3AD203B41FA5}">
-                      <a16:colId xmlns:a16="http://schemas.microsoft.com/office/drawing/2014/main" val="2202860885"/>
-                    </a:ext>
-                  </a:extLst>
-                </a:gridCol>
-                <a:gridCol w="491745">
-                  <a:extLst>
-                    <a:ext uri="{9D8B030D-6E8A-4147-A177-3AD203B41FA5}">
-                      <a16:colId xmlns:a16="http://schemas.microsoft.com/office/drawing/2014/main" val="1560449329"/>
-                    </a:ext>
-                  </a:extLst>
-                </a:gridCol>
-              </a:tblGrid>
-              <a:tr h="1003223">
-                <a:tc>
-                  <a:txBody>
-                    <a:bodyPr/>
-                    <a:lstStyle/>
-                    <a:p>
-                      <a:r>
-                        <a:rPr lang="en-US" altLang="zh-CN" dirty="0" smtClean="0"/>
-                        <a:t>1</a:t>
-                      </a:r>
-                      <a:endParaRPr lang="zh-CN" altLang="en-US" dirty="0"/>
-                    </a:p>
-                  </a:txBody>
-                  <a:tcPr/>
-                </a:tc>
-                <a:tc>
-                  <a:txBody>
-                    <a:bodyPr/>
-                    <a:lstStyle/>
-                    <a:p>
-                      <a:r>
-                        <a:rPr lang="en-US" altLang="zh-CN" dirty="0" smtClean="0"/>
-                        <a:t>0</a:t>
-                      </a:r>
-                      <a:endParaRPr lang="zh-CN" altLang="en-US" dirty="0"/>
-                    </a:p>
-                  </a:txBody>
-                  <a:tcPr/>
-                </a:tc>
-                <a:tc>
-                  <a:txBody>
-                    <a:bodyPr/>
-                    <a:lstStyle/>
-                    <a:p>
-                      <a:r>
-                        <a:rPr lang="en-US" altLang="zh-CN" dirty="0" smtClean="0"/>
-                        <a:t>0</a:t>
-                      </a:r>
-                      <a:endParaRPr lang="zh-CN" altLang="en-US" dirty="0"/>
-                    </a:p>
-                  </a:txBody>
-                  <a:tcPr/>
-                </a:tc>
-                <a:tc>
-                  <a:txBody>
-                    <a:bodyPr/>
-                    <a:lstStyle/>
-                    <a:p>
-                      <a:r>
-                        <a:rPr lang="en-US" altLang="zh-CN" dirty="0" smtClean="0"/>
-                        <a:t>0</a:t>
-                      </a:r>
-                      <a:endParaRPr lang="zh-CN" altLang="en-US" dirty="0"/>
-                    </a:p>
-                  </a:txBody>
-                  <a:tcPr/>
-                </a:tc>
-                <a:tc>
-                  <a:txBody>
-                    <a:bodyPr/>
-                    <a:lstStyle/>
-                    <a:p>
-                      <a:r>
-                        <a:rPr lang="en-US" altLang="zh-CN" dirty="0" smtClean="0"/>
-                        <a:t>0</a:t>
-                      </a:r>
-                      <a:endParaRPr lang="zh-CN" altLang="en-US" dirty="0"/>
-                    </a:p>
-                  </a:txBody>
-                  <a:tcPr/>
-                </a:tc>
-                <a:extLst>
-                  <a:ext uri="{0D108BD9-81ED-4DB2-BD59-A6C34878D82A}">
-                    <a16:rowId xmlns:a16="http://schemas.microsoft.com/office/drawing/2014/main" val="4214957650"/>
-                  </a:ext>
-                </a:extLst>
-              </a:tr>
-              <a:tr h="1003223">
-                <a:tc>
-                  <a:txBody>
-                    <a:bodyPr/>
-                    <a:lstStyle/>
-                    <a:p>
-                      <a:r>
-                        <a:rPr lang="en-US" altLang="zh-CN" dirty="0" smtClean="0"/>
-                        <a:t>1</a:t>
-                      </a:r>
-                      <a:endParaRPr lang="zh-CN" altLang="en-US" dirty="0"/>
-                    </a:p>
-                  </a:txBody>
-                  <a:tcPr/>
-                </a:tc>
-                <a:tc>
-                  <a:txBody>
-                    <a:bodyPr/>
-                    <a:lstStyle/>
-                    <a:p>
-                      <a:r>
-                        <a:rPr lang="en-US" altLang="zh-CN" dirty="0" smtClean="0"/>
-                        <a:t>0</a:t>
-                      </a:r>
-                      <a:endParaRPr lang="zh-CN" altLang="en-US" dirty="0"/>
-                    </a:p>
-                  </a:txBody>
-                  <a:tcPr/>
-                </a:tc>
-                <a:tc>
-                  <a:txBody>
-                    <a:bodyPr/>
-                    <a:lstStyle/>
-                    <a:p>
-                      <a:r>
-                        <a:rPr lang="en-US" altLang="zh-CN" dirty="0" smtClean="0"/>
-                        <a:t>0</a:t>
-                      </a:r>
-                      <a:endParaRPr lang="zh-CN" altLang="en-US" dirty="0"/>
-                    </a:p>
-                  </a:txBody>
-                  <a:tcPr/>
-                </a:tc>
-                <a:tc>
-                  <a:txBody>
-                    <a:bodyPr/>
-                    <a:lstStyle/>
-                    <a:p>
-                      <a:r>
-                        <a:rPr lang="en-US" altLang="zh-CN" dirty="0" smtClean="0"/>
-                        <a:t>0</a:t>
-                      </a:r>
-                      <a:endParaRPr lang="zh-CN" altLang="en-US" dirty="0"/>
-                    </a:p>
-                  </a:txBody>
-                  <a:tcPr/>
-                </a:tc>
-                <a:tc>
-                  <a:txBody>
-                    <a:bodyPr/>
-                    <a:lstStyle/>
-                    <a:p>
-                      <a:r>
-                        <a:rPr lang="en-US" altLang="zh-CN" dirty="0" smtClean="0"/>
-                        <a:t>1</a:t>
-                      </a:r>
-                      <a:endParaRPr lang="zh-CN" altLang="en-US" dirty="0"/>
-                    </a:p>
-                  </a:txBody>
-                  <a:tcPr/>
-                </a:tc>
-                <a:extLst>
-                  <a:ext uri="{0D108BD9-81ED-4DB2-BD59-A6C34878D82A}">
-                    <a16:rowId xmlns:a16="http://schemas.microsoft.com/office/drawing/2014/main" val="4039626908"/>
-                  </a:ext>
-                </a:extLst>
-              </a:tr>
-              <a:tr h="1003223">
-                <a:tc>
-                  <a:txBody>
-                    <a:bodyPr/>
-                    <a:lstStyle/>
-                    <a:p>
-                      <a:r>
-                        <a:rPr lang="zh-CN" altLang="en-US" dirty="0" smtClean="0"/>
-                        <a:t>。</a:t>
-                      </a:r>
-                      <a:endParaRPr lang="en-US" altLang="zh-CN" dirty="0" smtClean="0"/>
-                    </a:p>
-                    <a:p>
-                      <a:r>
-                        <a:rPr lang="zh-CN" altLang="en-US" dirty="0" smtClean="0"/>
-                        <a:t>。</a:t>
-                      </a:r>
-                      <a:endParaRPr lang="en-US" altLang="zh-CN" dirty="0" smtClean="0"/>
-                    </a:p>
-                    <a:p>
-                      <a:r>
-                        <a:rPr lang="zh-CN" altLang="en-US" dirty="0" smtClean="0"/>
-                        <a:t>。</a:t>
-                      </a:r>
-                      <a:endParaRPr lang="en-US" altLang="zh-CN" dirty="0" smtClean="0"/>
-                    </a:p>
-                  </a:txBody>
-                  <a:tcPr/>
-                </a:tc>
-                <a:tc>
-                  <a:txBody>
-                    <a:bodyPr/>
-                    <a:lstStyle/>
-                    <a:p>
-                      <a:r>
-                        <a:rPr lang="zh-CN" altLang="en-US" dirty="0" smtClean="0"/>
-                        <a:t>。</a:t>
-                      </a:r>
-                      <a:endParaRPr lang="en-US" altLang="zh-CN" dirty="0" smtClean="0"/>
-                    </a:p>
-                    <a:p>
-                      <a:r>
-                        <a:rPr lang="zh-CN" altLang="en-US" dirty="0" smtClean="0"/>
-                        <a:t>。</a:t>
-                      </a:r>
-                      <a:endParaRPr lang="en-US" altLang="zh-CN" dirty="0" smtClean="0"/>
-                    </a:p>
-                    <a:p>
-                      <a:r>
-                        <a:rPr lang="zh-CN" altLang="en-US" dirty="0" smtClean="0"/>
-                        <a:t>。</a:t>
-                      </a:r>
-                      <a:endParaRPr lang="en-US" altLang="zh-CN" dirty="0" smtClean="0"/>
-                    </a:p>
-                  </a:txBody>
-                  <a:tcPr/>
-                </a:tc>
-                <a:tc>
-                  <a:txBody>
-                    <a:bodyPr/>
-                    <a:lstStyle/>
-                    <a:p>
-                      <a:r>
-                        <a:rPr lang="zh-CN" altLang="en-US" dirty="0" smtClean="0"/>
-                        <a:t>。</a:t>
-                      </a:r>
-                      <a:endParaRPr lang="en-US" altLang="zh-CN" dirty="0" smtClean="0"/>
-                    </a:p>
-                    <a:p>
-                      <a:r>
-                        <a:rPr lang="zh-CN" altLang="en-US" dirty="0" smtClean="0"/>
-                        <a:t>。</a:t>
-                      </a:r>
-                      <a:endParaRPr lang="en-US" altLang="zh-CN" dirty="0" smtClean="0"/>
-                    </a:p>
-                    <a:p>
-                      <a:r>
-                        <a:rPr lang="zh-CN" altLang="en-US" dirty="0" smtClean="0"/>
-                        <a:t>。</a:t>
-                      </a:r>
-                      <a:endParaRPr lang="en-US" altLang="zh-CN" dirty="0" smtClean="0"/>
-                    </a:p>
-                  </a:txBody>
-                  <a:tcPr/>
-                </a:tc>
-                <a:tc>
-                  <a:txBody>
-                    <a:bodyPr/>
-                    <a:lstStyle/>
-                    <a:p>
-                      <a:r>
-                        <a:rPr lang="zh-CN" altLang="en-US" dirty="0" smtClean="0"/>
-                        <a:t>。</a:t>
-                      </a:r>
-                      <a:endParaRPr lang="en-US" altLang="zh-CN" dirty="0" smtClean="0"/>
-                    </a:p>
-                    <a:p>
-                      <a:r>
-                        <a:rPr lang="zh-CN" altLang="en-US" dirty="0" smtClean="0"/>
-                        <a:t>。</a:t>
-                      </a:r>
-                      <a:endParaRPr lang="en-US" altLang="zh-CN" dirty="0" smtClean="0"/>
-                    </a:p>
-                    <a:p>
-                      <a:r>
-                        <a:rPr lang="zh-CN" altLang="en-US" dirty="0" smtClean="0"/>
-                        <a:t>。</a:t>
-                      </a:r>
-                      <a:endParaRPr lang="en-US" altLang="zh-CN" dirty="0" smtClean="0"/>
-                    </a:p>
-                  </a:txBody>
-                  <a:tcPr/>
-                </a:tc>
-                <a:tc>
-                  <a:txBody>
-                    <a:bodyPr/>
-                    <a:lstStyle/>
-                    <a:p>
-                      <a:r>
-                        <a:rPr lang="zh-CN" altLang="en-US" dirty="0" smtClean="0"/>
-                        <a:t>。</a:t>
-                      </a:r>
-                      <a:endParaRPr lang="en-US" altLang="zh-CN" dirty="0" smtClean="0"/>
-                    </a:p>
-                    <a:p>
-                      <a:r>
-                        <a:rPr lang="zh-CN" altLang="en-US" dirty="0" smtClean="0"/>
-                        <a:t>。</a:t>
-                      </a:r>
-                      <a:endParaRPr lang="en-US" altLang="zh-CN" dirty="0" smtClean="0"/>
-                    </a:p>
-                    <a:p>
-                      <a:r>
-                        <a:rPr lang="zh-CN" altLang="en-US" dirty="0" smtClean="0"/>
-                        <a:t>。</a:t>
-                      </a:r>
-                      <a:endParaRPr lang="en-US" altLang="zh-CN" dirty="0" smtClean="0"/>
-                    </a:p>
-                  </a:txBody>
-                  <a:tcPr/>
-                </a:tc>
-                <a:extLst>
-                  <a:ext uri="{0D108BD9-81ED-4DB2-BD59-A6C34878D82A}">
-                    <a16:rowId xmlns:a16="http://schemas.microsoft.com/office/drawing/2014/main" val="3174088487"/>
-                  </a:ext>
-                </a:extLst>
-              </a:tr>
-              <a:tr h="1003223">
-                <a:tc>
-                  <a:txBody>
-                    <a:bodyPr/>
-                    <a:lstStyle/>
-                    <a:p>
-                      <a:r>
-                        <a:rPr lang="en-US" altLang="zh-CN" dirty="0" smtClean="0"/>
-                        <a:t>1</a:t>
-                      </a:r>
-                      <a:endParaRPr lang="zh-CN" altLang="en-US" dirty="0"/>
-                    </a:p>
-                  </a:txBody>
-                  <a:tcPr/>
-                </a:tc>
-                <a:tc>
-                  <a:txBody>
-                    <a:bodyPr/>
-                    <a:lstStyle/>
-                    <a:p>
-                      <a:r>
-                        <a:rPr lang="en-US" altLang="zh-CN" dirty="0" smtClean="0"/>
-                        <a:t>1</a:t>
-                      </a:r>
-                      <a:endParaRPr lang="zh-CN" altLang="en-US" dirty="0"/>
-                    </a:p>
-                  </a:txBody>
-                  <a:tcPr/>
-                </a:tc>
-                <a:tc>
-                  <a:txBody>
-                    <a:bodyPr/>
-                    <a:lstStyle/>
-                    <a:p>
-                      <a:r>
-                        <a:rPr lang="en-US" altLang="zh-CN" dirty="0" smtClean="0"/>
-                        <a:t>0</a:t>
-                      </a:r>
-                      <a:endParaRPr lang="zh-CN" altLang="en-US" dirty="0"/>
-                    </a:p>
-                  </a:txBody>
-                  <a:tcPr/>
-                </a:tc>
-                <a:tc>
-                  <a:txBody>
-                    <a:bodyPr/>
-                    <a:lstStyle/>
-                    <a:p>
-                      <a:r>
-                        <a:rPr lang="en-US" altLang="zh-CN" dirty="0" smtClean="0"/>
-                        <a:t>0</a:t>
-                      </a:r>
-                      <a:endParaRPr lang="zh-CN" altLang="en-US" dirty="0"/>
-                    </a:p>
-                  </a:txBody>
-                  <a:tcPr/>
-                </a:tc>
-                <a:tc>
-                  <a:txBody>
-                    <a:bodyPr/>
-                    <a:lstStyle/>
-                    <a:p>
-                      <a:r>
-                        <a:rPr lang="en-US" altLang="zh-CN" dirty="0" smtClean="0"/>
-                        <a:t>0</a:t>
-                      </a:r>
-                      <a:endParaRPr lang="zh-CN" altLang="en-US" dirty="0"/>
-                    </a:p>
-                  </a:txBody>
-                  <a:tcPr/>
-                </a:tc>
-                <a:extLst>
-                  <a:ext uri="{0D108BD9-81ED-4DB2-BD59-A6C34878D82A}">
-                    <a16:rowId xmlns:a16="http://schemas.microsoft.com/office/drawing/2014/main" val="2566960390"/>
-                  </a:ext>
-                </a:extLst>
-              </a:tr>
-              <a:tr h="1003223">
-                <a:tc>
-                  <a:txBody>
-                    <a:bodyPr/>
-                    <a:lstStyle/>
-                    <a:p>
-                      <a:r>
-                        <a:rPr lang="en-US" altLang="zh-CN" dirty="0" smtClean="0"/>
-                        <a:t>0</a:t>
-                      </a:r>
-                      <a:endParaRPr lang="zh-CN" altLang="en-US" dirty="0"/>
-                    </a:p>
-                  </a:txBody>
-                  <a:tcPr/>
-                </a:tc>
-                <a:tc>
-                  <a:txBody>
-                    <a:bodyPr/>
-                    <a:lstStyle/>
-                    <a:p>
-                      <a:r>
-                        <a:rPr lang="en-US" altLang="zh-CN" dirty="0" smtClean="0"/>
-                        <a:t>0</a:t>
-                      </a:r>
-                      <a:endParaRPr lang="zh-CN" altLang="en-US" dirty="0"/>
-                    </a:p>
-                  </a:txBody>
-                  <a:tcPr/>
-                </a:tc>
-                <a:tc>
-                  <a:txBody>
-                    <a:bodyPr/>
-                    <a:lstStyle/>
-                    <a:p>
-                      <a:r>
-                        <a:rPr lang="en-US" altLang="zh-CN" dirty="0" smtClean="0"/>
-                        <a:t>0</a:t>
-                      </a:r>
-                      <a:endParaRPr lang="zh-CN" altLang="en-US" dirty="0"/>
-                    </a:p>
-                  </a:txBody>
-                  <a:tcPr/>
-                </a:tc>
-                <a:tc>
-                  <a:txBody>
-                    <a:bodyPr/>
-                    <a:lstStyle/>
-                    <a:p>
-                      <a:r>
-                        <a:rPr lang="en-US" altLang="zh-CN" dirty="0" smtClean="0"/>
-                        <a:t>0</a:t>
-                      </a:r>
-                      <a:endParaRPr lang="zh-CN" altLang="en-US" dirty="0"/>
-                    </a:p>
-                  </a:txBody>
-                  <a:tcPr/>
-                </a:tc>
-                <a:tc>
-                  <a:txBody>
-                    <a:bodyPr/>
-                    <a:lstStyle/>
-                    <a:p>
-                      <a:r>
-                        <a:rPr lang="en-US" altLang="zh-CN" dirty="0" smtClean="0"/>
-                        <a:t>0</a:t>
-                      </a:r>
-                      <a:endParaRPr lang="zh-CN" altLang="en-US" dirty="0"/>
-                    </a:p>
-                  </a:txBody>
-                  <a:tcPr/>
-                </a:tc>
-                <a:extLst>
-                  <a:ext uri="{0D108BD9-81ED-4DB2-BD59-A6C34878D82A}">
-                    <a16:rowId xmlns:a16="http://schemas.microsoft.com/office/drawing/2014/main" val="982097073"/>
-                  </a:ext>
-                </a:extLst>
-              </a:tr>
-            </a:tbl>
-          </a:graphicData>
-        </a:graphic>
-      </p:graphicFrame>
-      <p:sp>
-        <p:nvSpPr>
-          <p:cNvPr id="12" name="TextBox 11"/>
-          <p:cNvSpPr txBox="1"/>
-          <p:nvPr/>
-        </p:nvSpPr>
-        <p:spPr>
-          <a:xfrm>
-            <a:off x="3855351" y="540836"/>
-            <a:ext cx="2675779" cy="369332"/>
-          </a:xfrm>
-          <a:prstGeom prst="rect">
-            <a:avLst/>
-          </a:prstGeom>
-          <a:noFill/>
-        </p:spPr>
-        <p:txBody>
-          <a:bodyPr wrap="square" rtlCol="0">
-            <a:spAutoFit/>
-          </a:bodyPr>
-          <a:lstStyle/>
-          <a:p>
-            <a:r>
-              <a:rPr lang="zh-CN" altLang="en-US" dirty="0" smtClean="0"/>
-              <a:t>副露 </a:t>
-            </a:r>
-            <a:r>
-              <a:rPr lang="en-US" altLang="zh-CN" dirty="0" smtClean="0"/>
-              <a:t>x4 (</a:t>
-            </a:r>
-            <a:r>
-              <a:rPr lang="zh-CN" altLang="en-US" dirty="0" smtClean="0"/>
-              <a:t>自己和对手）</a:t>
-            </a:r>
-            <a:endParaRPr lang="zh-CN" altLang="en-US" dirty="0"/>
-          </a:p>
-        </p:txBody>
-      </p:sp>
       <p:sp>
         <p:nvSpPr>
           <p:cNvPr id="15" name="TextBox 14"/>
@@ -4359,7 +3801,7 @@
         </p:nvSpPr>
         <p:spPr>
           <a:xfrm>
-            <a:off x="6486407" y="595918"/>
+            <a:off x="3716132" y="629638"/>
             <a:ext cx="3220831" cy="369332"/>
           </a:xfrm>
           <a:prstGeom prst="rect">
@@ -4402,13 +3844,13 @@
           <p:nvPr>
             <p:extLst>
               <p:ext uri="{D42A27DB-BD31-4B8C-83A1-F6EECF244321}">
-                <p14:modId xmlns:p14="http://schemas.microsoft.com/office/powerpoint/2010/main" val="3545633893"/>
+                <p14:modId xmlns:p14="http://schemas.microsoft.com/office/powerpoint/2010/main" val="4260316153"/>
               </p:ext>
             </p:extLst>
           </p:nvPr>
         </p:nvGraphicFramePr>
         <p:xfrm>
-          <a:off x="6451592" y="1070032"/>
+          <a:off x="3681317" y="1103752"/>
           <a:ext cx="2458728" cy="5016115"/>
         </p:xfrm>
         <a:graphic>
@@ -4997,7 +4439,7 @@
         </p:nvCxnSpPr>
         <p:spPr>
           <a:xfrm>
-            <a:off x="6108466" y="540836"/>
+            <a:off x="3338191" y="574556"/>
             <a:ext cx="487210" cy="572481"/>
           </a:xfrm>
           <a:prstGeom prst="straightConnector1">
@@ -5030,7 +4472,7 @@
         </p:nvSpPr>
         <p:spPr>
           <a:xfrm>
-            <a:off x="5376946" y="159174"/>
+            <a:off x="2606671" y="192894"/>
             <a:ext cx="2743200" cy="369332"/>
           </a:xfrm>
           <a:prstGeom prst="rect">
@@ -5400,71 +4842,13 @@
       </p:graphicFrame>
       <p:sp>
         <p:nvSpPr>
-          <p:cNvPr id="21" name="TextBox 20"/>
-          <p:cNvSpPr txBox="1"/>
-          <p:nvPr/>
-        </p:nvSpPr>
-        <p:spPr>
-          <a:xfrm>
-            <a:off x="3581397" y="6141229"/>
-            <a:ext cx="3591098" cy="338554"/>
-          </a:xfrm>
-          <a:prstGeom prst="rect">
-            <a:avLst/>
-          </a:prstGeom>
-          <a:noFill/>
-        </p:spPr>
-        <p:txBody>
-          <a:bodyPr wrap="square" rtlCol="0">
-            <a:spAutoFit/>
-          </a:bodyPr>
-          <a:lstStyle/>
-          <a:p>
-            <a:r>
-              <a:rPr lang="en-US" altLang="zh-CN" sz="1600" dirty="0" smtClean="0"/>
-              <a:t>1</a:t>
-            </a:r>
-            <a:r>
-              <a:rPr lang="zh-CN" altLang="en-US" sz="1600" dirty="0" smtClean="0"/>
-              <a:t>张    </a:t>
-            </a:r>
-            <a:r>
-              <a:rPr lang="en-US" altLang="zh-CN" sz="1600" dirty="0" smtClean="0"/>
-              <a:t>2</a:t>
-            </a:r>
-            <a:r>
-              <a:rPr lang="zh-CN" altLang="en-US" sz="1600" dirty="0" smtClean="0"/>
-              <a:t>张   </a:t>
-            </a:r>
-            <a:r>
-              <a:rPr lang="en-US" altLang="zh-CN" sz="1600" dirty="0" smtClean="0"/>
-              <a:t>3</a:t>
-            </a:r>
-            <a:r>
-              <a:rPr lang="zh-CN" altLang="en-US" sz="1600" dirty="0" smtClean="0"/>
-              <a:t>张   </a:t>
-            </a:r>
-            <a:r>
-              <a:rPr lang="en-US" altLang="zh-CN" sz="1600" dirty="0" smtClean="0"/>
-              <a:t>4</a:t>
-            </a:r>
-            <a:r>
-              <a:rPr lang="zh-CN" altLang="en-US" sz="1600" dirty="0" smtClean="0"/>
-              <a:t>张  宝牌数</a:t>
-            </a:r>
-            <a:endParaRPr lang="zh-CN" altLang="en-US" sz="1600" dirty="0"/>
-          </a:p>
-        </p:txBody>
-      </p:sp>
-      <p:sp>
-        <p:nvSpPr>
           <p:cNvPr id="22" name="TextBox 21"/>
           <p:cNvSpPr txBox="1"/>
           <p:nvPr/>
         </p:nvSpPr>
         <p:spPr>
           <a:xfrm>
-            <a:off x="6392555" y="6107509"/>
+            <a:off x="3622280" y="6141229"/>
             <a:ext cx="3591098" cy="276999"/>
           </a:xfrm>
           <a:prstGeom prst="rect">
@@ -5897,6 +5281,737 @@
               <a:t>悬牌   宝</a:t>
             </a:r>
             <a:endParaRPr lang="en-US" altLang="zh-CN" sz="1600" dirty="0" smtClean="0"/>
+          </a:p>
+        </p:txBody>
+      </p:sp>
+      <p:graphicFrame>
+        <p:nvGraphicFramePr>
+          <p:cNvPr id="24" name="Table 23"/>
+          <p:cNvGraphicFramePr>
+            <a:graphicFrameLocks noGrp="1"/>
+          </p:cNvGraphicFramePr>
+          <p:nvPr>
+            <p:extLst>
+              <p:ext uri="{D42A27DB-BD31-4B8C-83A1-F6EECF244321}">
+                <p14:modId xmlns:p14="http://schemas.microsoft.com/office/powerpoint/2010/main" val="2852464858"/>
+              </p:ext>
+            </p:extLst>
+          </p:nvPr>
+        </p:nvGraphicFramePr>
+        <p:xfrm>
+          <a:off x="6579629" y="1145913"/>
+          <a:ext cx="2353854" cy="5016115"/>
+        </p:xfrm>
+        <a:graphic>
+          <a:graphicData uri="http://schemas.openxmlformats.org/drawingml/2006/table">
+            <a:tbl>
+              <a:tblPr firstRow="1" bandRow="1">
+                <a:tableStyleId>{5940675A-B579-460E-94D1-54222C63F5DA}</a:tableStyleId>
+              </a:tblPr>
+              <a:tblGrid>
+                <a:gridCol w="422331">
+                  <a:extLst>
+                    <a:ext uri="{9D8B030D-6E8A-4147-A177-3AD203B41FA5}">
+                      <a16:colId xmlns:a16="http://schemas.microsoft.com/office/drawing/2014/main" val="1641402817"/>
+                    </a:ext>
+                  </a:extLst>
+                </a:gridCol>
+                <a:gridCol w="422331">
+                  <a:extLst>
+                    <a:ext uri="{9D8B030D-6E8A-4147-A177-3AD203B41FA5}">
+                      <a16:colId xmlns:a16="http://schemas.microsoft.com/office/drawing/2014/main" val="3165536729"/>
+                    </a:ext>
+                  </a:extLst>
+                </a:gridCol>
+                <a:gridCol w="422331">
+                  <a:extLst>
+                    <a:ext uri="{9D8B030D-6E8A-4147-A177-3AD203B41FA5}">
+                      <a16:colId xmlns:a16="http://schemas.microsoft.com/office/drawing/2014/main" val="1808853389"/>
+                    </a:ext>
+                  </a:extLst>
+                </a:gridCol>
+                <a:gridCol w="372880">
+                  <a:extLst>
+                    <a:ext uri="{9D8B030D-6E8A-4147-A177-3AD203B41FA5}">
+                      <a16:colId xmlns:a16="http://schemas.microsoft.com/office/drawing/2014/main" val="2202860885"/>
+                    </a:ext>
+                  </a:extLst>
+                </a:gridCol>
+                <a:gridCol w="381716">
+                  <a:extLst>
+                    <a:ext uri="{9D8B030D-6E8A-4147-A177-3AD203B41FA5}">
+                      <a16:colId xmlns:a16="http://schemas.microsoft.com/office/drawing/2014/main" val="1560449329"/>
+                    </a:ext>
+                  </a:extLst>
+                </a:gridCol>
+                <a:gridCol w="332265">
+                  <a:extLst>
+                    <a:ext uri="{9D8B030D-6E8A-4147-A177-3AD203B41FA5}">
+                      <a16:colId xmlns:a16="http://schemas.microsoft.com/office/drawing/2014/main" val="336326696"/>
+                    </a:ext>
+                  </a:extLst>
+                </a:gridCol>
+              </a:tblGrid>
+              <a:tr h="1003223">
+                <a:tc>
+                  <a:txBody>
+                    <a:bodyPr/>
+                    <a:lstStyle/>
+                    <a:p>
+                      <a:r>
+                        <a:rPr lang="en-US" altLang="zh-CN" dirty="0" smtClean="0"/>
+                        <a:t>1</a:t>
+                      </a:r>
+                      <a:endParaRPr lang="zh-CN" altLang="en-US" dirty="0"/>
+                    </a:p>
+                  </a:txBody>
+                  <a:tcPr/>
+                </a:tc>
+                <a:tc>
+                  <a:txBody>
+                    <a:bodyPr/>
+                    <a:lstStyle/>
+                    <a:p>
+                      <a:r>
+                        <a:rPr lang="en-US" altLang="zh-CN" dirty="0" smtClean="0"/>
+                        <a:t>0</a:t>
+                      </a:r>
+                      <a:endParaRPr lang="zh-CN" altLang="en-US" dirty="0"/>
+                    </a:p>
+                  </a:txBody>
+                  <a:tcPr/>
+                </a:tc>
+                <a:tc>
+                  <a:txBody>
+                    <a:bodyPr/>
+                    <a:lstStyle/>
+                    <a:p>
+                      <a:r>
+                        <a:rPr lang="en-US" altLang="zh-CN" dirty="0" smtClean="0"/>
+                        <a:t>0</a:t>
+                      </a:r>
+                      <a:endParaRPr lang="zh-CN" altLang="en-US" dirty="0"/>
+                    </a:p>
+                  </a:txBody>
+                  <a:tcPr/>
+                </a:tc>
+                <a:tc>
+                  <a:txBody>
+                    <a:bodyPr/>
+                    <a:lstStyle/>
+                    <a:p>
+                      <a:r>
+                        <a:rPr lang="en-US" altLang="zh-CN" dirty="0" smtClean="0"/>
+                        <a:t>0</a:t>
+                      </a:r>
+                      <a:endParaRPr lang="zh-CN" altLang="en-US" dirty="0"/>
+                    </a:p>
+                  </a:txBody>
+                  <a:tcPr/>
+                </a:tc>
+                <a:tc>
+                  <a:txBody>
+                    <a:bodyPr/>
+                    <a:lstStyle/>
+                    <a:p>
+                      <a:r>
+                        <a:rPr lang="en-US" altLang="zh-CN" dirty="0" smtClean="0"/>
+                        <a:t>0</a:t>
+                      </a:r>
+                      <a:endParaRPr lang="zh-CN" altLang="en-US" dirty="0"/>
+                    </a:p>
+                  </a:txBody>
+                  <a:tcPr/>
+                </a:tc>
+                <a:tc>
+                  <a:txBody>
+                    <a:bodyPr/>
+                    <a:lstStyle/>
+                    <a:p>
+                      <a:r>
+                        <a:rPr lang="en-US" altLang="zh-CN" dirty="0" smtClean="0"/>
+                        <a:t>0</a:t>
+                      </a:r>
+                      <a:endParaRPr lang="zh-CN" altLang="en-US" dirty="0"/>
+                    </a:p>
+                  </a:txBody>
+                  <a:tcPr/>
+                </a:tc>
+                <a:extLst>
+                  <a:ext uri="{0D108BD9-81ED-4DB2-BD59-A6C34878D82A}">
+                    <a16:rowId xmlns:a16="http://schemas.microsoft.com/office/drawing/2014/main" val="4214957650"/>
+                  </a:ext>
+                </a:extLst>
+              </a:tr>
+              <a:tr h="1003223">
+                <a:tc>
+                  <a:txBody>
+                    <a:bodyPr/>
+                    <a:lstStyle/>
+                    <a:p>
+                      <a:r>
+                        <a:rPr lang="en-US" altLang="zh-CN" dirty="0" smtClean="0"/>
+                        <a:t>1</a:t>
+                      </a:r>
+                      <a:endParaRPr lang="zh-CN" altLang="en-US" dirty="0"/>
+                    </a:p>
+                  </a:txBody>
+                  <a:tcPr/>
+                </a:tc>
+                <a:tc>
+                  <a:txBody>
+                    <a:bodyPr/>
+                    <a:lstStyle/>
+                    <a:p>
+                      <a:r>
+                        <a:rPr lang="en-US" altLang="zh-CN" dirty="0" smtClean="0"/>
+                        <a:t>0</a:t>
+                      </a:r>
+                      <a:endParaRPr lang="zh-CN" altLang="en-US" dirty="0"/>
+                    </a:p>
+                  </a:txBody>
+                  <a:tcPr/>
+                </a:tc>
+                <a:tc>
+                  <a:txBody>
+                    <a:bodyPr/>
+                    <a:lstStyle/>
+                    <a:p>
+                      <a:r>
+                        <a:rPr lang="en-US" altLang="zh-CN" dirty="0" smtClean="0"/>
+                        <a:t>0</a:t>
+                      </a:r>
+                      <a:endParaRPr lang="zh-CN" altLang="en-US" dirty="0"/>
+                    </a:p>
+                  </a:txBody>
+                  <a:tcPr/>
+                </a:tc>
+                <a:tc>
+                  <a:txBody>
+                    <a:bodyPr/>
+                    <a:lstStyle/>
+                    <a:p>
+                      <a:r>
+                        <a:rPr lang="en-US" altLang="zh-CN" dirty="0" smtClean="0"/>
+                        <a:t>0</a:t>
+                      </a:r>
+                      <a:endParaRPr lang="zh-CN" altLang="en-US" dirty="0"/>
+                    </a:p>
+                  </a:txBody>
+                  <a:tcPr/>
+                </a:tc>
+                <a:tc>
+                  <a:txBody>
+                    <a:bodyPr/>
+                    <a:lstStyle/>
+                    <a:p>
+                      <a:r>
+                        <a:rPr lang="en-US" altLang="zh-CN" dirty="0" smtClean="0"/>
+                        <a:t>1</a:t>
+                      </a:r>
+                      <a:endParaRPr lang="zh-CN" altLang="en-US" dirty="0"/>
+                    </a:p>
+                  </a:txBody>
+                  <a:tcPr/>
+                </a:tc>
+                <a:tc>
+                  <a:txBody>
+                    <a:bodyPr/>
+                    <a:lstStyle/>
+                    <a:p>
+                      <a:r>
+                        <a:rPr lang="en-US" altLang="zh-CN" dirty="0" smtClean="0"/>
+                        <a:t>1</a:t>
+                      </a:r>
+                      <a:endParaRPr lang="zh-CN" altLang="en-US" dirty="0"/>
+                    </a:p>
+                  </a:txBody>
+                  <a:tcPr/>
+                </a:tc>
+                <a:extLst>
+                  <a:ext uri="{0D108BD9-81ED-4DB2-BD59-A6C34878D82A}">
+                    <a16:rowId xmlns:a16="http://schemas.microsoft.com/office/drawing/2014/main" val="4039626908"/>
+                  </a:ext>
+                </a:extLst>
+              </a:tr>
+              <a:tr h="1003223">
+                <a:tc>
+                  <a:txBody>
+                    <a:bodyPr/>
+                    <a:lstStyle/>
+                    <a:p>
+                      <a:r>
+                        <a:rPr lang="zh-CN" altLang="en-US" dirty="0" smtClean="0"/>
+                        <a:t>。</a:t>
+                      </a:r>
+                      <a:endParaRPr lang="en-US" altLang="zh-CN" dirty="0" smtClean="0"/>
+                    </a:p>
+                    <a:p>
+                      <a:r>
+                        <a:rPr lang="zh-CN" altLang="en-US" dirty="0" smtClean="0"/>
+                        <a:t>。</a:t>
+                      </a:r>
+                      <a:endParaRPr lang="en-US" altLang="zh-CN" dirty="0" smtClean="0"/>
+                    </a:p>
+                    <a:p>
+                      <a:r>
+                        <a:rPr lang="zh-CN" altLang="en-US" dirty="0" smtClean="0"/>
+                        <a:t>。</a:t>
+                      </a:r>
+                      <a:endParaRPr lang="en-US" altLang="zh-CN" dirty="0" smtClean="0"/>
+                    </a:p>
+                  </a:txBody>
+                  <a:tcPr/>
+                </a:tc>
+                <a:tc>
+                  <a:txBody>
+                    <a:bodyPr/>
+                    <a:lstStyle/>
+                    <a:p>
+                      <a:r>
+                        <a:rPr lang="zh-CN" altLang="en-US" dirty="0" smtClean="0"/>
+                        <a:t>。</a:t>
+                      </a:r>
+                      <a:endParaRPr lang="en-US" altLang="zh-CN" dirty="0" smtClean="0"/>
+                    </a:p>
+                    <a:p>
+                      <a:r>
+                        <a:rPr lang="zh-CN" altLang="en-US" dirty="0" smtClean="0"/>
+                        <a:t>。</a:t>
+                      </a:r>
+                      <a:endParaRPr lang="en-US" altLang="zh-CN" dirty="0" smtClean="0"/>
+                    </a:p>
+                    <a:p>
+                      <a:r>
+                        <a:rPr lang="zh-CN" altLang="en-US" dirty="0" smtClean="0"/>
+                        <a:t>。</a:t>
+                      </a:r>
+                      <a:endParaRPr lang="en-US" altLang="zh-CN" dirty="0" smtClean="0"/>
+                    </a:p>
+                  </a:txBody>
+                  <a:tcPr/>
+                </a:tc>
+                <a:tc>
+                  <a:txBody>
+                    <a:bodyPr/>
+                    <a:lstStyle/>
+                    <a:p>
+                      <a:r>
+                        <a:rPr lang="zh-CN" altLang="en-US" dirty="0" smtClean="0"/>
+                        <a:t>。</a:t>
+                      </a:r>
+                      <a:endParaRPr lang="en-US" altLang="zh-CN" dirty="0" smtClean="0"/>
+                    </a:p>
+                    <a:p>
+                      <a:r>
+                        <a:rPr lang="zh-CN" altLang="en-US" dirty="0" smtClean="0"/>
+                        <a:t>。</a:t>
+                      </a:r>
+                      <a:endParaRPr lang="en-US" altLang="zh-CN" dirty="0" smtClean="0"/>
+                    </a:p>
+                    <a:p>
+                      <a:r>
+                        <a:rPr lang="zh-CN" altLang="en-US" dirty="0" smtClean="0"/>
+                        <a:t>。</a:t>
+                      </a:r>
+                      <a:endParaRPr lang="en-US" altLang="zh-CN" dirty="0" smtClean="0"/>
+                    </a:p>
+                  </a:txBody>
+                  <a:tcPr/>
+                </a:tc>
+                <a:tc>
+                  <a:txBody>
+                    <a:bodyPr/>
+                    <a:lstStyle/>
+                    <a:p>
+                      <a:r>
+                        <a:rPr lang="zh-CN" altLang="en-US" dirty="0" smtClean="0"/>
+                        <a:t>。</a:t>
+                      </a:r>
+                      <a:endParaRPr lang="en-US" altLang="zh-CN" dirty="0" smtClean="0"/>
+                    </a:p>
+                    <a:p>
+                      <a:r>
+                        <a:rPr lang="zh-CN" altLang="en-US" dirty="0" smtClean="0"/>
+                        <a:t>。</a:t>
+                      </a:r>
+                      <a:endParaRPr lang="en-US" altLang="zh-CN" dirty="0" smtClean="0"/>
+                    </a:p>
+                    <a:p>
+                      <a:r>
+                        <a:rPr lang="zh-CN" altLang="en-US" dirty="0" smtClean="0"/>
+                        <a:t>。</a:t>
+                      </a:r>
+                      <a:endParaRPr lang="en-US" altLang="zh-CN" dirty="0" smtClean="0"/>
+                    </a:p>
+                  </a:txBody>
+                  <a:tcPr/>
+                </a:tc>
+                <a:tc>
+                  <a:txBody>
+                    <a:bodyPr/>
+                    <a:lstStyle/>
+                    <a:p>
+                      <a:r>
+                        <a:rPr lang="zh-CN" altLang="en-US" dirty="0" smtClean="0"/>
+                        <a:t>。</a:t>
+                      </a:r>
+                      <a:endParaRPr lang="en-US" altLang="zh-CN" dirty="0" smtClean="0"/>
+                    </a:p>
+                    <a:p>
+                      <a:r>
+                        <a:rPr lang="zh-CN" altLang="en-US" dirty="0" smtClean="0"/>
+                        <a:t>。</a:t>
+                      </a:r>
+                      <a:endParaRPr lang="en-US" altLang="zh-CN" dirty="0" smtClean="0"/>
+                    </a:p>
+                    <a:p>
+                      <a:r>
+                        <a:rPr lang="zh-CN" altLang="en-US" dirty="0" smtClean="0"/>
+                        <a:t>。</a:t>
+                      </a:r>
+                      <a:endParaRPr lang="en-US" altLang="zh-CN" dirty="0" smtClean="0"/>
+                    </a:p>
+                  </a:txBody>
+                  <a:tcPr/>
+                </a:tc>
+                <a:tc>
+                  <a:txBody>
+                    <a:bodyPr/>
+                    <a:lstStyle/>
+                    <a:p>
+                      <a:r>
+                        <a:rPr lang="zh-CN" altLang="en-US" dirty="0" smtClean="0"/>
+                        <a:t>。</a:t>
+                      </a:r>
+                      <a:endParaRPr lang="en-US" altLang="zh-CN" dirty="0" smtClean="0"/>
+                    </a:p>
+                    <a:p>
+                      <a:r>
+                        <a:rPr lang="zh-CN" altLang="en-US" dirty="0" smtClean="0"/>
+                        <a:t>。</a:t>
+                      </a:r>
+                      <a:endParaRPr lang="en-US" altLang="zh-CN" dirty="0" smtClean="0"/>
+                    </a:p>
+                    <a:p>
+                      <a:r>
+                        <a:rPr lang="zh-CN" altLang="en-US" dirty="0" smtClean="0"/>
+                        <a:t>。</a:t>
+                      </a:r>
+                      <a:endParaRPr lang="en-US" altLang="zh-CN" dirty="0" smtClean="0"/>
+                    </a:p>
+                  </a:txBody>
+                  <a:tcPr/>
+                </a:tc>
+                <a:extLst>
+                  <a:ext uri="{0D108BD9-81ED-4DB2-BD59-A6C34878D82A}">
+                    <a16:rowId xmlns:a16="http://schemas.microsoft.com/office/drawing/2014/main" val="3174088487"/>
+                  </a:ext>
+                </a:extLst>
+              </a:tr>
+              <a:tr h="1003223">
+                <a:tc>
+                  <a:txBody>
+                    <a:bodyPr/>
+                    <a:lstStyle/>
+                    <a:p>
+                      <a:r>
+                        <a:rPr lang="en-US" altLang="zh-CN" dirty="0" smtClean="0"/>
+                        <a:t>1</a:t>
+                      </a:r>
+                      <a:endParaRPr lang="zh-CN" altLang="en-US" dirty="0"/>
+                    </a:p>
+                  </a:txBody>
+                  <a:tcPr/>
+                </a:tc>
+                <a:tc>
+                  <a:txBody>
+                    <a:bodyPr/>
+                    <a:lstStyle/>
+                    <a:p>
+                      <a:r>
+                        <a:rPr lang="en-US" altLang="zh-CN" dirty="0" smtClean="0"/>
+                        <a:t>1</a:t>
+                      </a:r>
+                      <a:endParaRPr lang="zh-CN" altLang="en-US" dirty="0"/>
+                    </a:p>
+                  </a:txBody>
+                  <a:tcPr/>
+                </a:tc>
+                <a:tc>
+                  <a:txBody>
+                    <a:bodyPr/>
+                    <a:lstStyle/>
+                    <a:p>
+                      <a:r>
+                        <a:rPr lang="en-US" altLang="zh-CN" dirty="0" smtClean="0"/>
+                        <a:t>0</a:t>
+                      </a:r>
+                      <a:endParaRPr lang="zh-CN" altLang="en-US" dirty="0"/>
+                    </a:p>
+                  </a:txBody>
+                  <a:tcPr/>
+                </a:tc>
+                <a:tc>
+                  <a:txBody>
+                    <a:bodyPr/>
+                    <a:lstStyle/>
+                    <a:p>
+                      <a:r>
+                        <a:rPr lang="en-US" altLang="zh-CN" dirty="0" smtClean="0"/>
+                        <a:t>0</a:t>
+                      </a:r>
+                      <a:endParaRPr lang="zh-CN" altLang="en-US" dirty="0"/>
+                    </a:p>
+                  </a:txBody>
+                  <a:tcPr/>
+                </a:tc>
+                <a:tc>
+                  <a:txBody>
+                    <a:bodyPr/>
+                    <a:lstStyle/>
+                    <a:p>
+                      <a:r>
+                        <a:rPr lang="en-US" altLang="zh-CN" dirty="0" smtClean="0"/>
+                        <a:t>0</a:t>
+                      </a:r>
+                      <a:endParaRPr lang="zh-CN" altLang="en-US" dirty="0"/>
+                    </a:p>
+                  </a:txBody>
+                  <a:tcPr/>
+                </a:tc>
+                <a:tc>
+                  <a:txBody>
+                    <a:bodyPr/>
+                    <a:lstStyle/>
+                    <a:p>
+                      <a:r>
+                        <a:rPr lang="en-US" altLang="zh-CN" dirty="0" smtClean="0"/>
+                        <a:t>0</a:t>
+                      </a:r>
+                      <a:endParaRPr lang="zh-CN" altLang="en-US" dirty="0"/>
+                    </a:p>
+                  </a:txBody>
+                  <a:tcPr/>
+                </a:tc>
+                <a:extLst>
+                  <a:ext uri="{0D108BD9-81ED-4DB2-BD59-A6C34878D82A}">
+                    <a16:rowId xmlns:a16="http://schemas.microsoft.com/office/drawing/2014/main" val="2566960390"/>
+                  </a:ext>
+                </a:extLst>
+              </a:tr>
+              <a:tr h="1003223">
+                <a:tc>
+                  <a:txBody>
+                    <a:bodyPr/>
+                    <a:lstStyle/>
+                    <a:p>
+                      <a:r>
+                        <a:rPr lang="en-US" altLang="zh-CN" dirty="0" smtClean="0"/>
+                        <a:t>0</a:t>
+                      </a:r>
+                      <a:endParaRPr lang="zh-CN" altLang="en-US" dirty="0"/>
+                    </a:p>
+                  </a:txBody>
+                  <a:tcPr/>
+                </a:tc>
+                <a:tc>
+                  <a:txBody>
+                    <a:bodyPr/>
+                    <a:lstStyle/>
+                    <a:p>
+                      <a:r>
+                        <a:rPr lang="en-US" altLang="zh-CN" dirty="0" smtClean="0"/>
+                        <a:t>0</a:t>
+                      </a:r>
+                      <a:endParaRPr lang="zh-CN" altLang="en-US" dirty="0"/>
+                    </a:p>
+                  </a:txBody>
+                  <a:tcPr/>
+                </a:tc>
+                <a:tc>
+                  <a:txBody>
+                    <a:bodyPr/>
+                    <a:lstStyle/>
+                    <a:p>
+                      <a:r>
+                        <a:rPr lang="en-US" altLang="zh-CN" dirty="0" smtClean="0"/>
+                        <a:t>0</a:t>
+                      </a:r>
+                      <a:endParaRPr lang="zh-CN" altLang="en-US" dirty="0"/>
+                    </a:p>
+                  </a:txBody>
+                  <a:tcPr/>
+                </a:tc>
+                <a:tc>
+                  <a:txBody>
+                    <a:bodyPr/>
+                    <a:lstStyle/>
+                    <a:p>
+                      <a:r>
+                        <a:rPr lang="en-US" altLang="zh-CN" dirty="0" smtClean="0"/>
+                        <a:t>0</a:t>
+                      </a:r>
+                      <a:endParaRPr lang="zh-CN" altLang="en-US" dirty="0"/>
+                    </a:p>
+                  </a:txBody>
+                  <a:tcPr/>
+                </a:tc>
+                <a:tc>
+                  <a:txBody>
+                    <a:bodyPr/>
+                    <a:lstStyle/>
+                    <a:p>
+                      <a:r>
+                        <a:rPr lang="en-US" altLang="zh-CN" dirty="0" smtClean="0"/>
+                        <a:t>0</a:t>
+                      </a:r>
+                      <a:endParaRPr lang="zh-CN" altLang="en-US" dirty="0"/>
+                    </a:p>
+                  </a:txBody>
+                  <a:tcPr/>
+                </a:tc>
+                <a:tc>
+                  <a:txBody>
+                    <a:bodyPr/>
+                    <a:lstStyle/>
+                    <a:p>
+                      <a:r>
+                        <a:rPr lang="en-US" altLang="zh-CN" dirty="0" smtClean="0"/>
+                        <a:t>0</a:t>
+                      </a:r>
+                      <a:endParaRPr lang="zh-CN" altLang="en-US" dirty="0"/>
+                    </a:p>
+                  </a:txBody>
+                  <a:tcPr/>
+                </a:tc>
+                <a:extLst>
+                  <a:ext uri="{0D108BD9-81ED-4DB2-BD59-A6C34878D82A}">
+                    <a16:rowId xmlns:a16="http://schemas.microsoft.com/office/drawing/2014/main" val="982097073"/>
+                  </a:ext>
+                </a:extLst>
+              </a:tr>
+            </a:tbl>
+          </a:graphicData>
+        </a:graphic>
+      </p:graphicFrame>
+      <p:sp>
+        <p:nvSpPr>
+          <p:cNvPr id="27" name="TextBox 26"/>
+          <p:cNvSpPr txBox="1"/>
+          <p:nvPr/>
+        </p:nvSpPr>
+        <p:spPr>
+          <a:xfrm>
+            <a:off x="6751291" y="616717"/>
+            <a:ext cx="2675779" cy="369332"/>
+          </a:xfrm>
+          <a:prstGeom prst="rect">
+            <a:avLst/>
+          </a:prstGeom>
+          <a:noFill/>
+        </p:spPr>
+        <p:txBody>
+          <a:bodyPr wrap="square" rtlCol="0">
+            <a:spAutoFit/>
+          </a:bodyPr>
+          <a:lstStyle/>
+          <a:p>
+            <a:r>
+              <a:rPr lang="zh-CN" altLang="en-US" dirty="0" smtClean="0"/>
+              <a:t>副露 </a:t>
+            </a:r>
+            <a:r>
+              <a:rPr lang="en-US" altLang="zh-CN" dirty="0" smtClean="0"/>
+              <a:t>x4 (</a:t>
+            </a:r>
+            <a:r>
+              <a:rPr lang="zh-CN" altLang="en-US" dirty="0" smtClean="0"/>
+              <a:t>自己和对手）</a:t>
+            </a:r>
+            <a:endParaRPr lang="zh-CN" altLang="en-US" dirty="0"/>
+          </a:p>
+        </p:txBody>
+      </p:sp>
+      <p:sp>
+        <p:nvSpPr>
+          <p:cNvPr id="30" name="TextBox 29"/>
+          <p:cNvSpPr txBox="1"/>
+          <p:nvPr/>
+        </p:nvSpPr>
+        <p:spPr>
+          <a:xfrm>
+            <a:off x="6656003" y="6138039"/>
+            <a:ext cx="3591098" cy="276999"/>
+          </a:xfrm>
+          <a:prstGeom prst="rect">
+            <a:avLst/>
+          </a:prstGeom>
+          <a:noFill/>
+        </p:spPr>
+        <p:txBody>
+          <a:bodyPr wrap="square" rtlCol="0">
+            <a:spAutoFit/>
+          </a:bodyPr>
+          <a:lstStyle/>
+          <a:p>
+            <a:r>
+              <a:rPr lang="en-US" altLang="zh-CN" sz="1200" dirty="0" smtClean="0"/>
+              <a:t>1</a:t>
+            </a:r>
+            <a:r>
+              <a:rPr lang="zh-CN" altLang="en-US" sz="1200" dirty="0" smtClean="0"/>
+              <a:t>张  </a:t>
+            </a:r>
+            <a:r>
+              <a:rPr lang="zh-CN" altLang="en-US" sz="1200" dirty="0" smtClean="0"/>
+              <a:t> </a:t>
+            </a:r>
+            <a:r>
+              <a:rPr lang="en-US" altLang="zh-CN" sz="1200" dirty="0" smtClean="0"/>
+              <a:t>2</a:t>
+            </a:r>
+            <a:r>
+              <a:rPr lang="zh-CN" altLang="en-US" sz="1200" dirty="0" smtClean="0"/>
+              <a:t>张 </a:t>
+            </a:r>
+            <a:r>
+              <a:rPr lang="zh-CN" altLang="en-US" sz="1200" dirty="0" smtClean="0"/>
+              <a:t> </a:t>
+            </a:r>
+            <a:r>
+              <a:rPr lang="en-US" altLang="zh-CN" sz="1200" dirty="0" smtClean="0"/>
+              <a:t>3</a:t>
+            </a:r>
+            <a:r>
+              <a:rPr lang="zh-CN" altLang="en-US" sz="1200" dirty="0" smtClean="0"/>
+              <a:t>张 </a:t>
+            </a:r>
+            <a:r>
+              <a:rPr lang="zh-CN" altLang="en-US" sz="1200" dirty="0" smtClean="0"/>
+              <a:t> </a:t>
+            </a:r>
+            <a:r>
+              <a:rPr lang="en-US" altLang="zh-CN" sz="1200" dirty="0" smtClean="0"/>
+              <a:t>4</a:t>
+            </a:r>
+            <a:r>
+              <a:rPr lang="zh-CN" altLang="en-US" sz="1200" dirty="0" smtClean="0"/>
+              <a:t>张  宝牌</a:t>
+            </a:r>
+            <a:r>
+              <a:rPr lang="zh-CN" altLang="en-US" sz="1200" dirty="0" smtClean="0"/>
+              <a:t>数 </a:t>
+            </a:r>
+            <a:r>
+              <a:rPr lang="zh-CN" altLang="en-US" sz="1200" dirty="0" smtClean="0"/>
+              <a:t>哪张被</a:t>
+            </a:r>
+            <a:r>
+              <a:rPr lang="en-US" altLang="zh-CN" sz="1200" smtClean="0"/>
+              <a:t>chi</a:t>
+            </a:r>
+            <a:endParaRPr lang="zh-CN" altLang="en-US" sz="1200" dirty="0"/>
           </a:p>
         </p:txBody>
       </p:sp>
@@ -6414,11 +6529,7 @@
                     <a:p>
                       <a:r>
                         <a:rPr lang="zh-CN" altLang="en-US" dirty="0" smtClean="0"/>
-                        <a:t>牌山剩</a:t>
-                      </a:r>
-                      <a:r>
-                        <a:rPr lang="zh-CN" altLang="en-US" dirty="0" smtClean="0"/>
-                        <a:t>余牌数</a:t>
+                        <a:t>牌山剩余牌数</a:t>
                       </a:r>
                       <a:endParaRPr lang="zh-CN" altLang="en-US" dirty="0"/>
                     </a:p>
@@ -6663,15 +6774,7 @@
                   <a:schemeClr val="accent5"/>
                 </a:solidFill>
               </a:rPr>
-              <a:t>Vector </a:t>
-            </a:r>
-            <a:r>
-              <a:rPr lang="en-US" altLang="zh-CN" sz="2400" b="1" dirty="0" smtClean="0">
-                <a:solidFill>
-                  <a:schemeClr val="accent5"/>
-                </a:solidFill>
-              </a:rPr>
-              <a:t>Features</a:t>
+              <a:t>Vector Features</a:t>
             </a:r>
             <a:endParaRPr lang="zh-CN" altLang="en-US" sz="2400" b="1" dirty="0">
               <a:solidFill>
@@ -6807,11 +6910,7 @@
             <a:pPr algn="ctr"/>
             <a:r>
               <a:rPr lang="en-US" altLang="zh-CN" sz="2000" dirty="0"/>
-              <a:t>Vector</a:t>
-            </a:r>
-            <a:r>
-              <a:rPr lang="en-US" altLang="zh-CN" sz="2000" dirty="0"/>
-              <a:t> Features</a:t>
+              <a:t>Vector Features</a:t>
             </a:r>
             <a:endParaRPr lang="zh-CN" altLang="en-US" sz="2000" dirty="0"/>
           </a:p>

--- a/AI/FrostVer2.pptx
+++ b/AI/FrostVer2.pptx
@@ -7,9 +7,11 @@
   <p:sldIdLst>
     <p:sldId id="256" r:id="rId2"/>
     <p:sldId id="257" r:id="rId3"/>
-    <p:sldId id="258" r:id="rId4"/>
-    <p:sldId id="260" r:id="rId5"/>
-    <p:sldId id="259" r:id="rId6"/>
+    <p:sldId id="262" r:id="rId4"/>
+    <p:sldId id="261" r:id="rId5"/>
+    <p:sldId id="258" r:id="rId6"/>
+    <p:sldId id="260" r:id="rId7"/>
+    <p:sldId id="259" r:id="rId8"/>
   </p:sldIdLst>
   <p:sldSz cx="12192000" cy="6858000"/>
   <p:notesSz cx="6858000" cy="9144000"/>
@@ -170,7 +172,7 @@
           </a:lstStyle>
           <a:p>
             <a:r>
-              <a:rPr lang="en-US" altLang="zh-CN" smtClean="0"/>
+              <a:rPr lang="en-US" altLang="zh-CN"/>
               <a:t>Click to edit Master title style</a:t>
             </a:r>
             <a:endParaRPr lang="zh-CN" altLang="en-US"/>
@@ -235,7 +237,7 @@
           </a:lstStyle>
           <a:p>
             <a:r>
-              <a:rPr lang="en-US" altLang="zh-CN" smtClean="0"/>
+              <a:rPr lang="en-US" altLang="zh-CN"/>
               <a:t>Click to edit Master subtitle style</a:t>
             </a:r>
             <a:endParaRPr lang="zh-CN" altLang="en-US"/>
@@ -259,7 +261,7 @@
           <a:p>
             <a:fld id="{5FEBFD95-8CFD-49BE-B999-985DD76DD94F}" type="datetimeFigureOut">
               <a:rPr lang="zh-CN" altLang="en-US" smtClean="0"/>
-              <a:t>2019/8/2</a:t>
+              <a:t>2021/7/18</a:t>
             </a:fld>
             <a:endParaRPr lang="zh-CN" altLang="en-US"/>
           </a:p>
@@ -353,7 +355,7 @@
           <a:lstStyle/>
           <a:p>
             <a:r>
-              <a:rPr lang="en-US" altLang="zh-CN" smtClean="0"/>
+              <a:rPr lang="en-US" altLang="zh-CN"/>
               <a:t>Click to edit Master title style</a:t>
             </a:r>
             <a:endParaRPr lang="zh-CN" altLang="en-US"/>
@@ -377,35 +379,35 @@
           <a:p>
             <a:pPr lvl="0"/>
             <a:r>
-              <a:rPr lang="en-US" altLang="zh-CN" smtClean="0"/>
+              <a:rPr lang="en-US" altLang="zh-CN"/>
               <a:t>Edit Master text styles</a:t>
             </a:r>
           </a:p>
           <a:p>
             <a:pPr lvl="1"/>
             <a:r>
-              <a:rPr lang="en-US" altLang="zh-CN" smtClean="0"/>
+              <a:rPr lang="en-US" altLang="zh-CN"/>
               <a:t>Second level</a:t>
             </a:r>
           </a:p>
           <a:p>
             <a:pPr lvl="2"/>
             <a:r>
-              <a:rPr lang="en-US" altLang="zh-CN" smtClean="0"/>
+              <a:rPr lang="en-US" altLang="zh-CN"/>
               <a:t>Third level</a:t>
             </a:r>
           </a:p>
           <a:p>
             <a:pPr lvl="3"/>
             <a:r>
-              <a:rPr lang="en-US" altLang="zh-CN" smtClean="0"/>
+              <a:rPr lang="en-US" altLang="zh-CN"/>
               <a:t>Fourth level</a:t>
             </a:r>
           </a:p>
           <a:p>
             <a:pPr lvl="4"/>
             <a:r>
-              <a:rPr lang="en-US" altLang="zh-CN" smtClean="0"/>
+              <a:rPr lang="en-US" altLang="zh-CN"/>
               <a:t>Fifth level</a:t>
             </a:r>
             <a:endParaRPr lang="zh-CN" altLang="en-US"/>
@@ -429,7 +431,7 @@
           <a:p>
             <a:fld id="{5FEBFD95-8CFD-49BE-B999-985DD76DD94F}" type="datetimeFigureOut">
               <a:rPr lang="zh-CN" altLang="en-US" smtClean="0"/>
-              <a:t>2019/8/2</a:t>
+              <a:t>2021/7/18</a:t>
             </a:fld>
             <a:endParaRPr lang="zh-CN" altLang="en-US"/>
           </a:p>
@@ -528,7 +530,7 @@
           <a:lstStyle/>
           <a:p>
             <a:r>
-              <a:rPr lang="en-US" altLang="zh-CN" smtClean="0"/>
+              <a:rPr lang="en-US" altLang="zh-CN"/>
               <a:t>Click to edit Master title style</a:t>
             </a:r>
             <a:endParaRPr lang="zh-CN" altLang="en-US"/>
@@ -557,35 +559,35 @@
           <a:p>
             <a:pPr lvl="0"/>
             <a:r>
-              <a:rPr lang="en-US" altLang="zh-CN" smtClean="0"/>
+              <a:rPr lang="en-US" altLang="zh-CN"/>
               <a:t>Edit Master text styles</a:t>
             </a:r>
           </a:p>
           <a:p>
             <a:pPr lvl="1"/>
             <a:r>
-              <a:rPr lang="en-US" altLang="zh-CN" smtClean="0"/>
+              <a:rPr lang="en-US" altLang="zh-CN"/>
               <a:t>Second level</a:t>
             </a:r>
           </a:p>
           <a:p>
             <a:pPr lvl="2"/>
             <a:r>
-              <a:rPr lang="en-US" altLang="zh-CN" smtClean="0"/>
+              <a:rPr lang="en-US" altLang="zh-CN"/>
               <a:t>Third level</a:t>
             </a:r>
           </a:p>
           <a:p>
             <a:pPr lvl="3"/>
             <a:r>
-              <a:rPr lang="en-US" altLang="zh-CN" smtClean="0"/>
+              <a:rPr lang="en-US" altLang="zh-CN"/>
               <a:t>Fourth level</a:t>
             </a:r>
           </a:p>
           <a:p>
             <a:pPr lvl="4"/>
             <a:r>
-              <a:rPr lang="en-US" altLang="zh-CN" smtClean="0"/>
+              <a:rPr lang="en-US" altLang="zh-CN"/>
               <a:t>Fifth level</a:t>
             </a:r>
             <a:endParaRPr lang="zh-CN" altLang="en-US"/>
@@ -609,7 +611,7 @@
           <a:p>
             <a:fld id="{5FEBFD95-8CFD-49BE-B999-985DD76DD94F}" type="datetimeFigureOut">
               <a:rPr lang="zh-CN" altLang="en-US" smtClean="0"/>
-              <a:t>2019/8/2</a:t>
+              <a:t>2021/7/18</a:t>
             </a:fld>
             <a:endParaRPr lang="zh-CN" altLang="en-US"/>
           </a:p>
@@ -703,7 +705,7 @@
           <a:lstStyle/>
           <a:p>
             <a:r>
-              <a:rPr lang="en-US" altLang="zh-CN" smtClean="0"/>
+              <a:rPr lang="en-US" altLang="zh-CN"/>
               <a:t>Click to edit Master title style</a:t>
             </a:r>
             <a:endParaRPr lang="zh-CN" altLang="en-US"/>
@@ -727,35 +729,35 @@
           <a:p>
             <a:pPr lvl="0"/>
             <a:r>
-              <a:rPr lang="en-US" altLang="zh-CN" smtClean="0"/>
+              <a:rPr lang="en-US" altLang="zh-CN"/>
               <a:t>Edit Master text styles</a:t>
             </a:r>
           </a:p>
           <a:p>
             <a:pPr lvl="1"/>
             <a:r>
-              <a:rPr lang="en-US" altLang="zh-CN" smtClean="0"/>
+              <a:rPr lang="en-US" altLang="zh-CN"/>
               <a:t>Second level</a:t>
             </a:r>
           </a:p>
           <a:p>
             <a:pPr lvl="2"/>
             <a:r>
-              <a:rPr lang="en-US" altLang="zh-CN" smtClean="0"/>
+              <a:rPr lang="en-US" altLang="zh-CN"/>
               <a:t>Third level</a:t>
             </a:r>
           </a:p>
           <a:p>
             <a:pPr lvl="3"/>
             <a:r>
-              <a:rPr lang="en-US" altLang="zh-CN" smtClean="0"/>
+              <a:rPr lang="en-US" altLang="zh-CN"/>
               <a:t>Fourth level</a:t>
             </a:r>
           </a:p>
           <a:p>
             <a:pPr lvl="4"/>
             <a:r>
-              <a:rPr lang="en-US" altLang="zh-CN" smtClean="0"/>
+              <a:rPr lang="en-US" altLang="zh-CN"/>
               <a:t>Fifth level</a:t>
             </a:r>
             <a:endParaRPr lang="zh-CN" altLang="en-US"/>
@@ -779,7 +781,7 @@
           <a:p>
             <a:fld id="{5FEBFD95-8CFD-49BE-B999-985DD76DD94F}" type="datetimeFigureOut">
               <a:rPr lang="zh-CN" altLang="en-US" smtClean="0"/>
-              <a:t>2019/8/2</a:t>
+              <a:t>2021/7/18</a:t>
             </a:fld>
             <a:endParaRPr lang="zh-CN" altLang="en-US"/>
           </a:p>
@@ -882,7 +884,7 @@
           </a:lstStyle>
           <a:p>
             <a:r>
-              <a:rPr lang="en-US" altLang="zh-CN" smtClean="0"/>
+              <a:rPr lang="en-US" altLang="zh-CN"/>
               <a:t>Click to edit Master title style</a:t>
             </a:r>
             <a:endParaRPr lang="zh-CN" altLang="en-US"/>
@@ -1002,7 +1004,7 @@
           <a:p>
             <a:pPr lvl="0"/>
             <a:r>
-              <a:rPr lang="en-US" altLang="zh-CN" smtClean="0"/>
+              <a:rPr lang="en-US" altLang="zh-CN"/>
               <a:t>Edit Master text styles</a:t>
             </a:r>
           </a:p>
@@ -1025,7 +1027,7 @@
           <a:p>
             <a:fld id="{5FEBFD95-8CFD-49BE-B999-985DD76DD94F}" type="datetimeFigureOut">
               <a:rPr lang="zh-CN" altLang="en-US" smtClean="0"/>
-              <a:t>2019/8/2</a:t>
+              <a:t>2021/7/18</a:t>
             </a:fld>
             <a:endParaRPr lang="zh-CN" altLang="en-US"/>
           </a:p>
@@ -1119,7 +1121,7 @@
           <a:lstStyle/>
           <a:p>
             <a:r>
-              <a:rPr lang="en-US" altLang="zh-CN" smtClean="0"/>
+              <a:rPr lang="en-US" altLang="zh-CN"/>
               <a:t>Click to edit Master title style</a:t>
             </a:r>
             <a:endParaRPr lang="zh-CN" altLang="en-US"/>
@@ -1148,35 +1150,35 @@
           <a:p>
             <a:pPr lvl="0"/>
             <a:r>
-              <a:rPr lang="en-US" altLang="zh-CN" smtClean="0"/>
+              <a:rPr lang="en-US" altLang="zh-CN"/>
               <a:t>Edit Master text styles</a:t>
             </a:r>
           </a:p>
           <a:p>
             <a:pPr lvl="1"/>
             <a:r>
-              <a:rPr lang="en-US" altLang="zh-CN" smtClean="0"/>
+              <a:rPr lang="en-US" altLang="zh-CN"/>
               <a:t>Second level</a:t>
             </a:r>
           </a:p>
           <a:p>
             <a:pPr lvl="2"/>
             <a:r>
-              <a:rPr lang="en-US" altLang="zh-CN" smtClean="0"/>
+              <a:rPr lang="en-US" altLang="zh-CN"/>
               <a:t>Third level</a:t>
             </a:r>
           </a:p>
           <a:p>
             <a:pPr lvl="3"/>
             <a:r>
-              <a:rPr lang="en-US" altLang="zh-CN" smtClean="0"/>
+              <a:rPr lang="en-US" altLang="zh-CN"/>
               <a:t>Fourth level</a:t>
             </a:r>
           </a:p>
           <a:p>
             <a:pPr lvl="4"/>
             <a:r>
-              <a:rPr lang="en-US" altLang="zh-CN" smtClean="0"/>
+              <a:rPr lang="en-US" altLang="zh-CN"/>
               <a:t>Fifth level</a:t>
             </a:r>
             <a:endParaRPr lang="zh-CN" altLang="en-US"/>
@@ -1205,35 +1207,35 @@
           <a:p>
             <a:pPr lvl="0"/>
             <a:r>
-              <a:rPr lang="en-US" altLang="zh-CN" smtClean="0"/>
+              <a:rPr lang="en-US" altLang="zh-CN"/>
               <a:t>Edit Master text styles</a:t>
             </a:r>
           </a:p>
           <a:p>
             <a:pPr lvl="1"/>
             <a:r>
-              <a:rPr lang="en-US" altLang="zh-CN" smtClean="0"/>
+              <a:rPr lang="en-US" altLang="zh-CN"/>
               <a:t>Second level</a:t>
             </a:r>
           </a:p>
           <a:p>
             <a:pPr lvl="2"/>
             <a:r>
-              <a:rPr lang="en-US" altLang="zh-CN" smtClean="0"/>
+              <a:rPr lang="en-US" altLang="zh-CN"/>
               <a:t>Third level</a:t>
             </a:r>
           </a:p>
           <a:p>
             <a:pPr lvl="3"/>
             <a:r>
-              <a:rPr lang="en-US" altLang="zh-CN" smtClean="0"/>
+              <a:rPr lang="en-US" altLang="zh-CN"/>
               <a:t>Fourth level</a:t>
             </a:r>
           </a:p>
           <a:p>
             <a:pPr lvl="4"/>
             <a:r>
-              <a:rPr lang="en-US" altLang="zh-CN" smtClean="0"/>
+              <a:rPr lang="en-US" altLang="zh-CN"/>
               <a:t>Fifth level</a:t>
             </a:r>
             <a:endParaRPr lang="zh-CN" altLang="en-US"/>
@@ -1257,7 +1259,7 @@
           <a:p>
             <a:fld id="{5FEBFD95-8CFD-49BE-B999-985DD76DD94F}" type="datetimeFigureOut">
               <a:rPr lang="zh-CN" altLang="en-US" smtClean="0"/>
-              <a:t>2019/8/2</a:t>
+              <a:t>2021/7/18</a:t>
             </a:fld>
             <a:endParaRPr lang="zh-CN" altLang="en-US"/>
           </a:p>
@@ -1356,7 +1358,7 @@
           <a:lstStyle/>
           <a:p>
             <a:r>
-              <a:rPr lang="en-US" altLang="zh-CN" smtClean="0"/>
+              <a:rPr lang="en-US" altLang="zh-CN"/>
               <a:t>Click to edit Master title style</a:t>
             </a:r>
             <a:endParaRPr lang="zh-CN" altLang="en-US"/>
@@ -1422,7 +1424,7 @@
           <a:p>
             <a:pPr lvl="0"/>
             <a:r>
-              <a:rPr lang="en-US" altLang="zh-CN" smtClean="0"/>
+              <a:rPr lang="en-US" altLang="zh-CN"/>
               <a:t>Edit Master text styles</a:t>
             </a:r>
           </a:p>
@@ -1450,35 +1452,35 @@
           <a:p>
             <a:pPr lvl="0"/>
             <a:r>
-              <a:rPr lang="en-US" altLang="zh-CN" smtClean="0"/>
+              <a:rPr lang="en-US" altLang="zh-CN"/>
               <a:t>Edit Master text styles</a:t>
             </a:r>
           </a:p>
           <a:p>
             <a:pPr lvl="1"/>
             <a:r>
-              <a:rPr lang="en-US" altLang="zh-CN" smtClean="0"/>
+              <a:rPr lang="en-US" altLang="zh-CN"/>
               <a:t>Second level</a:t>
             </a:r>
           </a:p>
           <a:p>
             <a:pPr lvl="2"/>
             <a:r>
-              <a:rPr lang="en-US" altLang="zh-CN" smtClean="0"/>
+              <a:rPr lang="en-US" altLang="zh-CN"/>
               <a:t>Third level</a:t>
             </a:r>
           </a:p>
           <a:p>
             <a:pPr lvl="3"/>
             <a:r>
-              <a:rPr lang="en-US" altLang="zh-CN" smtClean="0"/>
+              <a:rPr lang="en-US" altLang="zh-CN"/>
               <a:t>Fourth level</a:t>
             </a:r>
           </a:p>
           <a:p>
             <a:pPr lvl="4"/>
             <a:r>
-              <a:rPr lang="en-US" altLang="zh-CN" smtClean="0"/>
+              <a:rPr lang="en-US" altLang="zh-CN"/>
               <a:t>Fifth level</a:t>
             </a:r>
             <a:endParaRPr lang="zh-CN" altLang="en-US"/>
@@ -1544,7 +1546,7 @@
           <a:p>
             <a:pPr lvl="0"/>
             <a:r>
-              <a:rPr lang="en-US" altLang="zh-CN" smtClean="0"/>
+              <a:rPr lang="en-US" altLang="zh-CN"/>
               <a:t>Edit Master text styles</a:t>
             </a:r>
           </a:p>
@@ -1572,35 +1574,35 @@
           <a:p>
             <a:pPr lvl="0"/>
             <a:r>
-              <a:rPr lang="en-US" altLang="zh-CN" smtClean="0"/>
+              <a:rPr lang="en-US" altLang="zh-CN"/>
               <a:t>Edit Master text styles</a:t>
             </a:r>
           </a:p>
           <a:p>
             <a:pPr lvl="1"/>
             <a:r>
-              <a:rPr lang="en-US" altLang="zh-CN" smtClean="0"/>
+              <a:rPr lang="en-US" altLang="zh-CN"/>
               <a:t>Second level</a:t>
             </a:r>
           </a:p>
           <a:p>
             <a:pPr lvl="2"/>
             <a:r>
-              <a:rPr lang="en-US" altLang="zh-CN" smtClean="0"/>
+              <a:rPr lang="en-US" altLang="zh-CN"/>
               <a:t>Third level</a:t>
             </a:r>
           </a:p>
           <a:p>
             <a:pPr lvl="3"/>
             <a:r>
-              <a:rPr lang="en-US" altLang="zh-CN" smtClean="0"/>
+              <a:rPr lang="en-US" altLang="zh-CN"/>
               <a:t>Fourth level</a:t>
             </a:r>
           </a:p>
           <a:p>
             <a:pPr lvl="4"/>
             <a:r>
-              <a:rPr lang="en-US" altLang="zh-CN" smtClean="0"/>
+              <a:rPr lang="en-US" altLang="zh-CN"/>
               <a:t>Fifth level</a:t>
             </a:r>
             <a:endParaRPr lang="zh-CN" altLang="en-US"/>
@@ -1624,7 +1626,7 @@
           <a:p>
             <a:fld id="{5FEBFD95-8CFD-49BE-B999-985DD76DD94F}" type="datetimeFigureOut">
               <a:rPr lang="zh-CN" altLang="en-US" smtClean="0"/>
-              <a:t>2019/8/2</a:t>
+              <a:t>2021/7/18</a:t>
             </a:fld>
             <a:endParaRPr lang="zh-CN" altLang="en-US"/>
           </a:p>
@@ -1718,7 +1720,7 @@
           <a:lstStyle/>
           <a:p>
             <a:r>
-              <a:rPr lang="en-US" altLang="zh-CN" smtClean="0"/>
+              <a:rPr lang="en-US" altLang="zh-CN"/>
               <a:t>Click to edit Master title style</a:t>
             </a:r>
             <a:endParaRPr lang="zh-CN" altLang="en-US"/>
@@ -1742,7 +1744,7 @@
           <a:p>
             <a:fld id="{5FEBFD95-8CFD-49BE-B999-985DD76DD94F}" type="datetimeFigureOut">
               <a:rPr lang="zh-CN" altLang="en-US" smtClean="0"/>
-              <a:t>2019/8/2</a:t>
+              <a:t>2021/7/18</a:t>
             </a:fld>
             <a:endParaRPr lang="zh-CN" altLang="en-US"/>
           </a:p>
@@ -1837,7 +1839,7 @@
           <a:p>
             <a:fld id="{5FEBFD95-8CFD-49BE-B999-985DD76DD94F}" type="datetimeFigureOut">
               <a:rPr lang="zh-CN" altLang="en-US" smtClean="0"/>
-              <a:t>2019/8/2</a:t>
+              <a:t>2021/7/18</a:t>
             </a:fld>
             <a:endParaRPr lang="zh-CN" altLang="en-US"/>
           </a:p>
@@ -1940,7 +1942,7 @@
           </a:lstStyle>
           <a:p>
             <a:r>
-              <a:rPr lang="en-US" altLang="zh-CN" smtClean="0"/>
+              <a:rPr lang="en-US" altLang="zh-CN"/>
               <a:t>Click to edit Master title style</a:t>
             </a:r>
             <a:endParaRPr lang="zh-CN" altLang="en-US"/>
@@ -1997,35 +1999,35 @@
           <a:p>
             <a:pPr lvl="0"/>
             <a:r>
-              <a:rPr lang="en-US" altLang="zh-CN" smtClean="0"/>
+              <a:rPr lang="en-US" altLang="zh-CN"/>
               <a:t>Edit Master text styles</a:t>
             </a:r>
           </a:p>
           <a:p>
             <a:pPr lvl="1"/>
             <a:r>
-              <a:rPr lang="en-US" altLang="zh-CN" smtClean="0"/>
+              <a:rPr lang="en-US" altLang="zh-CN"/>
               <a:t>Second level</a:t>
             </a:r>
           </a:p>
           <a:p>
             <a:pPr lvl="2"/>
             <a:r>
-              <a:rPr lang="en-US" altLang="zh-CN" smtClean="0"/>
+              <a:rPr lang="en-US" altLang="zh-CN"/>
               <a:t>Third level</a:t>
             </a:r>
           </a:p>
           <a:p>
             <a:pPr lvl="3"/>
             <a:r>
-              <a:rPr lang="en-US" altLang="zh-CN" smtClean="0"/>
+              <a:rPr lang="en-US" altLang="zh-CN"/>
               <a:t>Fourth level</a:t>
             </a:r>
           </a:p>
           <a:p>
             <a:pPr lvl="4"/>
             <a:r>
-              <a:rPr lang="en-US" altLang="zh-CN" smtClean="0"/>
+              <a:rPr lang="en-US" altLang="zh-CN"/>
               <a:t>Fifth level</a:t>
             </a:r>
             <a:endParaRPr lang="zh-CN" altLang="en-US"/>
@@ -2091,7 +2093,7 @@
           <a:p>
             <a:pPr lvl="0"/>
             <a:r>
-              <a:rPr lang="en-US" altLang="zh-CN" smtClean="0"/>
+              <a:rPr lang="en-US" altLang="zh-CN"/>
               <a:t>Edit Master text styles</a:t>
             </a:r>
           </a:p>
@@ -2114,7 +2116,7 @@
           <a:p>
             <a:fld id="{5FEBFD95-8CFD-49BE-B999-985DD76DD94F}" type="datetimeFigureOut">
               <a:rPr lang="zh-CN" altLang="en-US" smtClean="0"/>
-              <a:t>2019/8/2</a:t>
+              <a:t>2021/7/18</a:t>
             </a:fld>
             <a:endParaRPr lang="zh-CN" altLang="en-US"/>
           </a:p>
@@ -2217,7 +2219,7 @@
           </a:lstStyle>
           <a:p>
             <a:r>
-              <a:rPr lang="en-US" altLang="zh-CN" smtClean="0"/>
+              <a:rPr lang="en-US" altLang="zh-CN"/>
               <a:t>Click to edit Master title style</a:t>
             </a:r>
             <a:endParaRPr lang="zh-CN" altLang="en-US"/>
@@ -2344,7 +2346,7 @@
           <a:p>
             <a:pPr lvl="0"/>
             <a:r>
-              <a:rPr lang="en-US" altLang="zh-CN" smtClean="0"/>
+              <a:rPr lang="en-US" altLang="zh-CN"/>
               <a:t>Edit Master text styles</a:t>
             </a:r>
           </a:p>
@@ -2367,7 +2369,7 @@
           <a:p>
             <a:fld id="{5FEBFD95-8CFD-49BE-B999-985DD76DD94F}" type="datetimeFigureOut">
               <a:rPr lang="zh-CN" altLang="en-US" smtClean="0"/>
-              <a:t>2019/8/2</a:t>
+              <a:t>2021/7/18</a:t>
             </a:fld>
             <a:endParaRPr lang="zh-CN" altLang="en-US"/>
           </a:p>
@@ -2476,7 +2478,7 @@
           <a:lstStyle/>
           <a:p>
             <a:r>
-              <a:rPr lang="en-US" altLang="zh-CN" smtClean="0"/>
+              <a:rPr lang="en-US" altLang="zh-CN"/>
               <a:t>Click to edit Master title style</a:t>
             </a:r>
             <a:endParaRPr lang="zh-CN" altLang="en-US"/>
@@ -2510,35 +2512,35 @@
           <a:p>
             <a:pPr lvl="0"/>
             <a:r>
-              <a:rPr lang="en-US" altLang="zh-CN" smtClean="0"/>
+              <a:rPr lang="en-US" altLang="zh-CN"/>
               <a:t>Edit Master text styles</a:t>
             </a:r>
           </a:p>
           <a:p>
             <a:pPr lvl="1"/>
             <a:r>
-              <a:rPr lang="en-US" altLang="zh-CN" smtClean="0"/>
+              <a:rPr lang="en-US" altLang="zh-CN"/>
               <a:t>Second level</a:t>
             </a:r>
           </a:p>
           <a:p>
             <a:pPr lvl="2"/>
             <a:r>
-              <a:rPr lang="en-US" altLang="zh-CN" smtClean="0"/>
+              <a:rPr lang="en-US" altLang="zh-CN"/>
               <a:t>Third level</a:t>
             </a:r>
           </a:p>
           <a:p>
             <a:pPr lvl="3"/>
             <a:r>
-              <a:rPr lang="en-US" altLang="zh-CN" smtClean="0"/>
+              <a:rPr lang="en-US" altLang="zh-CN"/>
               <a:t>Fourth level</a:t>
             </a:r>
           </a:p>
           <a:p>
             <a:pPr lvl="4"/>
             <a:r>
-              <a:rPr lang="en-US" altLang="zh-CN" smtClean="0"/>
+              <a:rPr lang="en-US" altLang="zh-CN"/>
               <a:t>Fifth level</a:t>
             </a:r>
             <a:endParaRPr lang="zh-CN" altLang="en-US"/>
@@ -2580,7 +2582,7 @@
           <a:p>
             <a:fld id="{5FEBFD95-8CFD-49BE-B999-985DD76DD94F}" type="datetimeFigureOut">
               <a:rPr lang="zh-CN" altLang="en-US" smtClean="0"/>
-              <a:t>2019/8/2</a:t>
+              <a:t>2021/7/18</a:t>
             </a:fld>
             <a:endParaRPr lang="zh-CN" altLang="en-US"/>
           </a:p>
@@ -3001,7 +3003,7 @@
           <a:lstStyle/>
           <a:p>
             <a:r>
-              <a:rPr lang="en-US" altLang="zh-CN" dirty="0" smtClean="0"/>
+              <a:rPr lang="en-US" altLang="zh-CN" dirty="0"/>
               <a:t>Feature used for FrOst Ver2</a:t>
             </a:r>
             <a:endParaRPr lang="zh-CN" altLang="en-US" dirty="0"/>
@@ -3023,7 +3025,7 @@
           <a:bodyPr/>
           <a:lstStyle/>
           <a:p>
-            <a:endParaRPr lang="zh-CN" altLang="en-US"/>
+            <a:endParaRPr lang="zh-CN" altLang="en-US" dirty="0"/>
           </a:p>
         </p:txBody>
       </p:sp>
@@ -3125,7 +3127,7 @@
                     <a:lstStyle/>
                     <a:p>
                       <a:r>
-                        <a:rPr lang="en-US" altLang="zh-CN" dirty="0" smtClean="0"/>
+                        <a:rPr lang="en-US" altLang="zh-CN" dirty="0"/>
                         <a:t>1</a:t>
                       </a:r>
                       <a:endParaRPr lang="zh-CN" altLang="en-US" dirty="0"/>
@@ -3139,7 +3141,7 @@
                     <a:lstStyle/>
                     <a:p>
                       <a:r>
-                        <a:rPr lang="en-US" altLang="zh-CN" dirty="0" smtClean="0"/>
+                        <a:rPr lang="en-US" altLang="zh-CN" dirty="0"/>
                         <a:t>0</a:t>
                       </a:r>
                       <a:endParaRPr lang="zh-CN" altLang="en-US" dirty="0"/>
@@ -3153,7 +3155,7 @@
                     <a:lstStyle/>
                     <a:p>
                       <a:r>
-                        <a:rPr lang="en-US" altLang="zh-CN" dirty="0" smtClean="0"/>
+                        <a:rPr lang="en-US" altLang="zh-CN" dirty="0"/>
                         <a:t>0</a:t>
                       </a:r>
                       <a:endParaRPr lang="zh-CN" altLang="en-US" dirty="0"/>
@@ -3167,7 +3169,7 @@
                     <a:lstStyle/>
                     <a:p>
                       <a:r>
-                        <a:rPr lang="en-US" altLang="zh-CN" dirty="0" smtClean="0"/>
+                        <a:rPr lang="en-US" altLang="zh-CN" dirty="0"/>
                         <a:t>0</a:t>
                       </a:r>
                       <a:endParaRPr lang="zh-CN" altLang="en-US" dirty="0"/>
@@ -3181,7 +3183,7 @@
                     <a:lstStyle/>
                     <a:p>
                       <a:r>
-                        <a:rPr lang="en-US" altLang="zh-CN" dirty="0" smtClean="0"/>
+                        <a:rPr lang="en-US" altLang="zh-CN" dirty="0"/>
                         <a:t>0</a:t>
                       </a:r>
                       <a:endParaRPr lang="zh-CN" altLang="en-US" dirty="0"/>
@@ -3202,7 +3204,7 @@
                     <a:lstStyle/>
                     <a:p>
                       <a:r>
-                        <a:rPr lang="en-US" altLang="zh-CN" dirty="0" smtClean="0"/>
+                        <a:rPr lang="en-US" altLang="zh-CN" dirty="0"/>
                         <a:t>1</a:t>
                       </a:r>
                       <a:endParaRPr lang="zh-CN" altLang="en-US" dirty="0"/>
@@ -3216,7 +3218,7 @@
                     <a:lstStyle/>
                     <a:p>
                       <a:r>
-                        <a:rPr lang="en-US" altLang="zh-CN" dirty="0" smtClean="0"/>
+                        <a:rPr lang="en-US" altLang="zh-CN" dirty="0"/>
                         <a:t>1</a:t>
                       </a:r>
                       <a:endParaRPr lang="zh-CN" altLang="en-US" dirty="0"/>
@@ -3230,7 +3232,7 @@
                     <a:lstStyle/>
                     <a:p>
                       <a:r>
-                        <a:rPr lang="en-US" altLang="zh-CN" dirty="0" smtClean="0"/>
+                        <a:rPr lang="en-US" altLang="zh-CN" dirty="0"/>
                         <a:t>0</a:t>
                       </a:r>
                       <a:endParaRPr lang="zh-CN" altLang="en-US" dirty="0"/>
@@ -3244,7 +3246,7 @@
                     <a:lstStyle/>
                     <a:p>
                       <a:r>
-                        <a:rPr lang="en-US" altLang="zh-CN" dirty="0" smtClean="0"/>
+                        <a:rPr lang="en-US" altLang="zh-CN" dirty="0"/>
                         <a:t>0</a:t>
                       </a:r>
                       <a:endParaRPr lang="zh-CN" altLang="en-US" dirty="0"/>
@@ -3258,7 +3260,7 @@
                     <a:lstStyle/>
                     <a:p>
                       <a:r>
-                        <a:rPr lang="en-US" altLang="zh-CN" dirty="0" smtClean="0"/>
+                        <a:rPr lang="en-US" altLang="zh-CN" dirty="0"/>
                         <a:t>2</a:t>
                       </a:r>
                       <a:endParaRPr lang="zh-CN" altLang="en-US" dirty="0"/>
@@ -3279,136 +3281,136 @@
                     <a:lstStyle/>
                     <a:p>
                       <a:r>
-                        <a:rPr lang="zh-CN" altLang="en-US" dirty="0" smtClean="0"/>
+                        <a:rPr lang="zh-CN" altLang="en-US" dirty="0"/>
                         <a:t>。</a:t>
                       </a:r>
-                      <a:endParaRPr lang="en-US" altLang="zh-CN" dirty="0" smtClean="0"/>
-                    </a:p>
-                    <a:p>
-                      <a:r>
-                        <a:rPr lang="zh-CN" altLang="en-US" dirty="0" smtClean="0"/>
+                      <a:endParaRPr lang="en-US" altLang="zh-CN" dirty="0"/>
+                    </a:p>
+                    <a:p>
+                      <a:r>
+                        <a:rPr lang="zh-CN" altLang="en-US" dirty="0"/>
                         <a:t>。</a:t>
                       </a:r>
-                      <a:endParaRPr lang="en-US" altLang="zh-CN" dirty="0" smtClean="0"/>
-                    </a:p>
-                    <a:p>
-                      <a:r>
-                        <a:rPr lang="zh-CN" altLang="en-US" dirty="0" smtClean="0"/>
+                      <a:endParaRPr lang="en-US" altLang="zh-CN" dirty="0"/>
+                    </a:p>
+                    <a:p>
+                      <a:r>
+                        <a:rPr lang="zh-CN" altLang="en-US" dirty="0"/>
                         <a:t>。</a:t>
                       </a:r>
-                      <a:endParaRPr lang="en-US" altLang="zh-CN" dirty="0" smtClean="0"/>
-                    </a:p>
-                  </a:txBody>
-                  <a:tcPr/>
-                </a:tc>
-                <a:tc>
-                  <a:txBody>
-                    <a:bodyPr/>
-                    <a:lstStyle/>
-                    <a:p>
-                      <a:r>
-                        <a:rPr lang="zh-CN" altLang="en-US" dirty="0" smtClean="0"/>
+                      <a:endParaRPr lang="en-US" altLang="zh-CN" dirty="0"/>
+                    </a:p>
+                  </a:txBody>
+                  <a:tcPr/>
+                </a:tc>
+                <a:tc>
+                  <a:txBody>
+                    <a:bodyPr/>
+                    <a:lstStyle/>
+                    <a:p>
+                      <a:r>
+                        <a:rPr lang="zh-CN" altLang="en-US" dirty="0"/>
                         <a:t>。</a:t>
                       </a:r>
-                      <a:endParaRPr lang="en-US" altLang="zh-CN" dirty="0" smtClean="0"/>
-                    </a:p>
-                    <a:p>
-                      <a:r>
-                        <a:rPr lang="zh-CN" altLang="en-US" dirty="0" smtClean="0"/>
+                      <a:endParaRPr lang="en-US" altLang="zh-CN" dirty="0"/>
+                    </a:p>
+                    <a:p>
+                      <a:r>
+                        <a:rPr lang="zh-CN" altLang="en-US" dirty="0"/>
                         <a:t>。</a:t>
                       </a:r>
-                      <a:endParaRPr lang="en-US" altLang="zh-CN" dirty="0" smtClean="0"/>
-                    </a:p>
-                    <a:p>
-                      <a:r>
-                        <a:rPr lang="zh-CN" altLang="en-US" dirty="0" smtClean="0"/>
+                      <a:endParaRPr lang="en-US" altLang="zh-CN" dirty="0"/>
+                    </a:p>
+                    <a:p>
+                      <a:r>
+                        <a:rPr lang="zh-CN" altLang="en-US" dirty="0"/>
                         <a:t>。</a:t>
                       </a:r>
-                      <a:endParaRPr lang="en-US" altLang="zh-CN" dirty="0" smtClean="0"/>
-                    </a:p>
-                  </a:txBody>
-                  <a:tcPr/>
-                </a:tc>
-                <a:tc>
-                  <a:txBody>
-                    <a:bodyPr/>
-                    <a:lstStyle/>
-                    <a:p>
-                      <a:r>
-                        <a:rPr lang="zh-CN" altLang="en-US" dirty="0" smtClean="0"/>
+                      <a:endParaRPr lang="en-US" altLang="zh-CN" dirty="0"/>
+                    </a:p>
+                  </a:txBody>
+                  <a:tcPr/>
+                </a:tc>
+                <a:tc>
+                  <a:txBody>
+                    <a:bodyPr/>
+                    <a:lstStyle/>
+                    <a:p>
+                      <a:r>
+                        <a:rPr lang="zh-CN" altLang="en-US" dirty="0"/>
                         <a:t>。</a:t>
                       </a:r>
-                      <a:endParaRPr lang="en-US" altLang="zh-CN" dirty="0" smtClean="0"/>
-                    </a:p>
-                    <a:p>
-                      <a:r>
-                        <a:rPr lang="zh-CN" altLang="en-US" dirty="0" smtClean="0"/>
+                      <a:endParaRPr lang="en-US" altLang="zh-CN" dirty="0"/>
+                    </a:p>
+                    <a:p>
+                      <a:r>
+                        <a:rPr lang="zh-CN" altLang="en-US" dirty="0"/>
                         <a:t>。</a:t>
                       </a:r>
-                      <a:endParaRPr lang="en-US" altLang="zh-CN" dirty="0" smtClean="0"/>
-                    </a:p>
-                    <a:p>
-                      <a:r>
-                        <a:rPr lang="zh-CN" altLang="en-US" dirty="0" smtClean="0"/>
+                      <a:endParaRPr lang="en-US" altLang="zh-CN" dirty="0"/>
+                    </a:p>
+                    <a:p>
+                      <a:r>
+                        <a:rPr lang="zh-CN" altLang="en-US" dirty="0"/>
                         <a:t>。</a:t>
                       </a:r>
-                      <a:endParaRPr lang="en-US" altLang="zh-CN" dirty="0" smtClean="0"/>
-                    </a:p>
-                  </a:txBody>
-                  <a:tcPr/>
-                </a:tc>
-                <a:tc>
-                  <a:txBody>
-                    <a:bodyPr/>
-                    <a:lstStyle/>
-                    <a:p>
-                      <a:r>
-                        <a:rPr lang="zh-CN" altLang="en-US" dirty="0" smtClean="0"/>
+                      <a:endParaRPr lang="en-US" altLang="zh-CN" dirty="0"/>
+                    </a:p>
+                  </a:txBody>
+                  <a:tcPr/>
+                </a:tc>
+                <a:tc>
+                  <a:txBody>
+                    <a:bodyPr/>
+                    <a:lstStyle/>
+                    <a:p>
+                      <a:r>
+                        <a:rPr lang="zh-CN" altLang="en-US" dirty="0"/>
                         <a:t>。</a:t>
                       </a:r>
-                      <a:endParaRPr lang="en-US" altLang="zh-CN" dirty="0" smtClean="0"/>
-                    </a:p>
-                    <a:p>
-                      <a:r>
-                        <a:rPr lang="zh-CN" altLang="en-US" dirty="0" smtClean="0"/>
+                      <a:endParaRPr lang="en-US" altLang="zh-CN" dirty="0"/>
+                    </a:p>
+                    <a:p>
+                      <a:r>
+                        <a:rPr lang="zh-CN" altLang="en-US" dirty="0"/>
                         <a:t>。</a:t>
                       </a:r>
-                      <a:endParaRPr lang="en-US" altLang="zh-CN" dirty="0" smtClean="0"/>
-                    </a:p>
-                    <a:p>
-                      <a:r>
-                        <a:rPr lang="zh-CN" altLang="en-US" dirty="0" smtClean="0"/>
+                      <a:endParaRPr lang="en-US" altLang="zh-CN" dirty="0"/>
+                    </a:p>
+                    <a:p>
+                      <a:r>
+                        <a:rPr lang="zh-CN" altLang="en-US" dirty="0"/>
                         <a:t>。</a:t>
                       </a:r>
-                      <a:endParaRPr lang="en-US" altLang="zh-CN" dirty="0" smtClean="0"/>
-                    </a:p>
-                  </a:txBody>
-                  <a:tcPr/>
-                </a:tc>
-                <a:tc>
-                  <a:txBody>
-                    <a:bodyPr/>
-                    <a:lstStyle/>
-                    <a:p>
-                      <a:r>
-                        <a:rPr lang="zh-CN" altLang="en-US" dirty="0" smtClean="0"/>
+                      <a:endParaRPr lang="en-US" altLang="zh-CN" dirty="0"/>
+                    </a:p>
+                  </a:txBody>
+                  <a:tcPr/>
+                </a:tc>
+                <a:tc>
+                  <a:txBody>
+                    <a:bodyPr/>
+                    <a:lstStyle/>
+                    <a:p>
+                      <a:r>
+                        <a:rPr lang="zh-CN" altLang="en-US" dirty="0"/>
                         <a:t>。</a:t>
                       </a:r>
-                      <a:endParaRPr lang="en-US" altLang="zh-CN" dirty="0" smtClean="0"/>
-                    </a:p>
-                    <a:p>
-                      <a:r>
-                        <a:rPr lang="zh-CN" altLang="en-US" dirty="0" smtClean="0"/>
+                      <a:endParaRPr lang="en-US" altLang="zh-CN" dirty="0"/>
+                    </a:p>
+                    <a:p>
+                      <a:r>
+                        <a:rPr lang="zh-CN" altLang="en-US" dirty="0"/>
                         <a:t>。</a:t>
                       </a:r>
-                      <a:endParaRPr lang="en-US" altLang="zh-CN" dirty="0" smtClean="0"/>
-                    </a:p>
-                    <a:p>
-                      <a:r>
-                        <a:rPr lang="zh-CN" altLang="en-US" dirty="0" smtClean="0"/>
+                      <a:endParaRPr lang="en-US" altLang="zh-CN" dirty="0"/>
+                    </a:p>
+                    <a:p>
+                      <a:r>
+                        <a:rPr lang="zh-CN" altLang="en-US" dirty="0"/>
                         <a:t>。</a:t>
                       </a:r>
-                      <a:endParaRPr lang="en-US" altLang="zh-CN" dirty="0" smtClean="0"/>
+                      <a:endParaRPr lang="en-US" altLang="zh-CN" dirty="0"/>
                     </a:p>
                   </a:txBody>
                   <a:tcPr/>
@@ -3426,7 +3428,7 @@
                     <a:lstStyle/>
                     <a:p>
                       <a:r>
-                        <a:rPr lang="en-US" altLang="zh-CN" dirty="0" smtClean="0"/>
+                        <a:rPr lang="en-US" altLang="zh-CN" dirty="0"/>
                         <a:t>1</a:t>
                       </a:r>
                       <a:endParaRPr lang="zh-CN" altLang="en-US" dirty="0"/>
@@ -3440,7 +3442,7 @@
                     <a:lstStyle/>
                     <a:p>
                       <a:r>
-                        <a:rPr lang="en-US" altLang="zh-CN" dirty="0" smtClean="0"/>
+                        <a:rPr lang="en-US" altLang="zh-CN" dirty="0"/>
                         <a:t>1</a:t>
                       </a:r>
                       <a:endParaRPr lang="zh-CN" altLang="en-US" dirty="0"/>
@@ -3454,7 +3456,7 @@
                     <a:lstStyle/>
                     <a:p>
                       <a:r>
-                        <a:rPr lang="en-US" altLang="zh-CN" dirty="0" smtClean="0"/>
+                        <a:rPr lang="en-US" altLang="zh-CN" dirty="0"/>
                         <a:t>0</a:t>
                       </a:r>
                       <a:endParaRPr lang="zh-CN" altLang="en-US" dirty="0"/>
@@ -3468,7 +3470,7 @@
                     <a:lstStyle/>
                     <a:p>
                       <a:r>
-                        <a:rPr lang="en-US" altLang="zh-CN" dirty="0" smtClean="0"/>
+                        <a:rPr lang="en-US" altLang="zh-CN" dirty="0"/>
                         <a:t>0</a:t>
                       </a:r>
                       <a:endParaRPr lang="zh-CN" altLang="en-US" dirty="0"/>
@@ -3482,7 +3484,7 @@
                     <a:lstStyle/>
                     <a:p>
                       <a:r>
-                        <a:rPr lang="en-US" altLang="zh-CN" dirty="0" smtClean="0"/>
+                        <a:rPr lang="en-US" altLang="zh-CN" dirty="0"/>
                         <a:t>0</a:t>
                       </a:r>
                       <a:endParaRPr lang="zh-CN" altLang="en-US" dirty="0"/>
@@ -3503,7 +3505,7 @@
                     <a:lstStyle/>
                     <a:p>
                       <a:r>
-                        <a:rPr lang="en-US" altLang="zh-CN" dirty="0" smtClean="0"/>
+                        <a:rPr lang="en-US" altLang="zh-CN" dirty="0"/>
                         <a:t>0</a:t>
                       </a:r>
                       <a:endParaRPr lang="zh-CN" altLang="en-US" dirty="0"/>
@@ -3517,7 +3519,7 @@
                     <a:lstStyle/>
                     <a:p>
                       <a:r>
-                        <a:rPr lang="en-US" altLang="zh-CN" dirty="0" smtClean="0"/>
+                        <a:rPr lang="en-US" altLang="zh-CN" dirty="0"/>
                         <a:t>0</a:t>
                       </a:r>
                       <a:endParaRPr lang="zh-CN" altLang="en-US" dirty="0"/>
@@ -3531,7 +3533,7 @@
                     <a:lstStyle/>
                     <a:p>
                       <a:r>
-                        <a:rPr lang="en-US" altLang="zh-CN" dirty="0" smtClean="0"/>
+                        <a:rPr lang="en-US" altLang="zh-CN" dirty="0"/>
                         <a:t>0</a:t>
                       </a:r>
                       <a:endParaRPr lang="zh-CN" altLang="en-US" dirty="0"/>
@@ -3545,7 +3547,7 @@
                     <a:lstStyle/>
                     <a:p>
                       <a:r>
-                        <a:rPr lang="en-US" altLang="zh-CN" dirty="0" smtClean="0"/>
+                        <a:rPr lang="en-US" altLang="zh-CN" dirty="0"/>
                         <a:t>0</a:t>
                       </a:r>
                       <a:endParaRPr lang="zh-CN" altLang="en-US" dirty="0"/>
@@ -3559,7 +3561,7 @@
                     <a:lstStyle/>
                     <a:p>
                       <a:r>
-                        <a:rPr lang="en-US" altLang="zh-CN" dirty="0" smtClean="0"/>
+                        <a:rPr lang="en-US" altLang="zh-CN" dirty="0"/>
                         <a:t>0</a:t>
                       </a:r>
                       <a:endParaRPr lang="zh-CN" altLang="en-US" dirty="0"/>
@@ -3600,14 +3602,14 @@
           <a:lstStyle/>
           <a:p>
             <a:r>
-              <a:rPr lang="en-US" altLang="zh-CN" dirty="0" smtClean="0"/>
+              <a:rPr lang="en-US" altLang="zh-CN" dirty="0"/>
               <a:t>1</a:t>
             </a:r>
             <a:r>
-              <a:rPr lang="zh-CN" altLang="en-US" dirty="0" smtClean="0"/>
+              <a:rPr lang="zh-CN" altLang="en-US" dirty="0"/>
               <a:t>万</a:t>
             </a:r>
-            <a:endParaRPr lang="en-US" altLang="zh-CN" dirty="0" smtClean="0"/>
+            <a:endParaRPr lang="en-US" altLang="zh-CN" dirty="0"/>
           </a:p>
         </p:txBody>
       </p:sp>
@@ -3634,14 +3636,14 @@
           <a:lstStyle/>
           <a:p>
             <a:r>
-              <a:rPr lang="en-US" altLang="zh-CN" dirty="0" smtClean="0"/>
+              <a:rPr lang="en-US" altLang="zh-CN" dirty="0"/>
               <a:t>2</a:t>
             </a:r>
             <a:r>
-              <a:rPr lang="zh-CN" altLang="en-US" dirty="0" smtClean="0"/>
+              <a:rPr lang="zh-CN" altLang="en-US" dirty="0"/>
               <a:t>万</a:t>
             </a:r>
-            <a:endParaRPr lang="en-US" altLang="zh-CN" dirty="0" smtClean="0"/>
+            <a:endParaRPr lang="en-US" altLang="zh-CN" dirty="0"/>
           </a:p>
         </p:txBody>
       </p:sp>
@@ -3668,10 +3670,10 @@
           <a:lstStyle/>
           <a:p>
             <a:r>
-              <a:rPr lang="zh-CN" altLang="en-US" dirty="0" smtClean="0"/>
+              <a:rPr lang="zh-CN" altLang="en-US" dirty="0"/>
               <a:t>白</a:t>
             </a:r>
-            <a:endParaRPr lang="en-US" altLang="zh-CN" dirty="0" smtClean="0"/>
+            <a:endParaRPr lang="en-US" altLang="zh-CN" dirty="0"/>
           </a:p>
         </p:txBody>
       </p:sp>
@@ -3698,10 +3700,10 @@
           <a:lstStyle/>
           <a:p>
             <a:r>
-              <a:rPr lang="zh-CN" altLang="en-US" dirty="0" smtClean="0"/>
+              <a:rPr lang="zh-CN" altLang="en-US" dirty="0"/>
               <a:t>白</a:t>
             </a:r>
-            <a:endParaRPr lang="en-US" altLang="zh-CN" dirty="0" smtClean="0"/>
+            <a:endParaRPr lang="en-US" altLang="zh-CN" dirty="0"/>
           </a:p>
         </p:txBody>
       </p:sp>
@@ -3728,38 +3730,37 @@
           <a:lstStyle/>
           <a:p>
             <a:r>
-              <a:rPr lang="en-US" altLang="zh-CN" sz="1600" dirty="0" smtClean="0"/>
+              <a:rPr lang="en-US" altLang="zh-CN" sz="1600" dirty="0"/>
               <a:t>1</a:t>
             </a:r>
             <a:r>
-              <a:rPr lang="zh-CN" altLang="en-US" sz="1600" dirty="0" smtClean="0"/>
+              <a:rPr lang="zh-CN" altLang="en-US" sz="1600" dirty="0"/>
               <a:t>张    </a:t>
             </a:r>
             <a:r>
-              <a:rPr lang="en-US" altLang="zh-CN" sz="1600" dirty="0" smtClean="0"/>
+              <a:rPr lang="en-US" altLang="zh-CN" sz="1600" dirty="0"/>
               <a:t>2</a:t>
             </a:r>
             <a:r>
-              <a:rPr lang="zh-CN" altLang="en-US" sz="1600" dirty="0" smtClean="0"/>
+              <a:rPr lang="zh-CN" altLang="en-US" sz="1600" dirty="0"/>
               <a:t>张   </a:t>
             </a:r>
             <a:r>
-              <a:rPr lang="en-US" altLang="zh-CN" sz="1600" dirty="0" smtClean="0"/>
+              <a:rPr lang="en-US" altLang="zh-CN" sz="1600" dirty="0"/>
               <a:t>3</a:t>
             </a:r>
             <a:r>
-              <a:rPr lang="zh-CN" altLang="en-US" sz="1600" dirty="0" smtClean="0"/>
+              <a:rPr lang="zh-CN" altLang="en-US" sz="1600" dirty="0"/>
               <a:t>张   </a:t>
             </a:r>
             <a:r>
-              <a:rPr lang="en-US" altLang="zh-CN" sz="1600" dirty="0" smtClean="0"/>
+              <a:rPr lang="en-US" altLang="zh-CN" sz="1600" dirty="0"/>
               <a:t>4</a:t>
             </a:r>
             <a:r>
-              <a:rPr lang="zh-CN" altLang="en-US" sz="1600" dirty="0" smtClean="0"/>
+              <a:rPr lang="zh-CN" altLang="en-US" sz="1600" dirty="0"/>
               <a:t>张  宝牌数</a:t>
             </a:r>
-            <a:endParaRPr lang="zh-CN" altLang="en-US" sz="1600" dirty="0"/>
           </a:p>
         </p:txBody>
       </p:sp>
@@ -3786,10 +3787,9 @@
           <a:lstStyle/>
           <a:p>
             <a:r>
-              <a:rPr lang="zh-CN" altLang="en-US" dirty="0" smtClean="0"/>
+              <a:rPr lang="zh-CN" altLang="en-US" dirty="0"/>
               <a:t>手牌</a:t>
             </a:r>
-            <a:endParaRPr lang="zh-CN" altLang="en-US" dirty="0"/>
           </a:p>
         </p:txBody>
       </p:sp>
@@ -3816,7 +3816,7 @@
           <a:lstStyle/>
           <a:p>
             <a:r>
-              <a:rPr lang="zh-CN" altLang="en-US" dirty="0" smtClean="0"/>
+              <a:rPr lang="zh-CN" altLang="en-US" dirty="0"/>
               <a:t>牌河 </a:t>
             </a:r>
             <a:r>
@@ -3825,13 +3825,8 @@
             </a:r>
             <a:r>
               <a:rPr lang="zh-CN" altLang="en-US" dirty="0"/>
-              <a:t>自己和对手</a:t>
-            </a:r>
-            <a:r>
-              <a:rPr lang="zh-CN" altLang="en-US" dirty="0" smtClean="0"/>
-              <a:t>）</a:t>
-            </a:r>
-            <a:endParaRPr lang="zh-CN" altLang="en-US" dirty="0"/>
+              <a:t>自己和对手）</a:t>
+            </a:r>
           </a:p>
         </p:txBody>
       </p:sp>
@@ -3910,7 +3905,7 @@
                     <a:lstStyle/>
                     <a:p>
                       <a:r>
-                        <a:rPr lang="en-US" altLang="zh-CN" dirty="0" smtClean="0"/>
+                        <a:rPr lang="en-US" altLang="zh-CN" dirty="0"/>
                         <a:t>1</a:t>
                       </a:r>
                       <a:endParaRPr lang="zh-CN" altLang="en-US" dirty="0"/>
@@ -3924,7 +3919,7 @@
                     <a:lstStyle/>
                     <a:p>
                       <a:r>
-                        <a:rPr lang="en-US" altLang="zh-CN" dirty="0" smtClean="0"/>
+                        <a:rPr lang="en-US" altLang="zh-CN" dirty="0"/>
                         <a:t>0</a:t>
                       </a:r>
                       <a:endParaRPr lang="zh-CN" altLang="en-US" dirty="0"/>
@@ -3938,7 +3933,7 @@
                     <a:lstStyle/>
                     <a:p>
                       <a:r>
-                        <a:rPr lang="en-US" altLang="zh-CN" dirty="0" smtClean="0"/>
+                        <a:rPr lang="en-US" altLang="zh-CN" dirty="0"/>
                         <a:t>0</a:t>
                       </a:r>
                       <a:endParaRPr lang="zh-CN" altLang="en-US" dirty="0"/>
@@ -3952,7 +3947,7 @@
                     <a:lstStyle/>
                     <a:p>
                       <a:r>
-                        <a:rPr lang="en-US" altLang="zh-CN" dirty="0" smtClean="0"/>
+                        <a:rPr lang="en-US" altLang="zh-CN" dirty="0"/>
                         <a:t>0</a:t>
                       </a:r>
                       <a:endParaRPr lang="zh-CN" altLang="en-US" dirty="0"/>
@@ -3966,7 +3961,7 @@
                     <a:lstStyle/>
                     <a:p>
                       <a:r>
-                        <a:rPr lang="en-US" altLang="zh-CN" dirty="0" smtClean="0"/>
+                        <a:rPr lang="en-US" altLang="zh-CN" dirty="0"/>
                         <a:t>0</a:t>
                       </a:r>
                       <a:endParaRPr lang="zh-CN" altLang="en-US" dirty="0"/>
@@ -3980,7 +3975,7 @@
                     <a:lstStyle/>
                     <a:p>
                       <a:r>
-                        <a:rPr lang="en-US" altLang="zh-CN" dirty="0" smtClean="0"/>
+                        <a:rPr lang="en-US" altLang="zh-CN" dirty="0"/>
                         <a:t>0</a:t>
                       </a:r>
                       <a:endParaRPr lang="zh-CN" altLang="en-US" dirty="0"/>
@@ -4001,7 +3996,7 @@
                     <a:lstStyle/>
                     <a:p>
                       <a:r>
-                        <a:rPr lang="en-US" altLang="zh-CN" dirty="0" smtClean="0"/>
+                        <a:rPr lang="en-US" altLang="zh-CN" dirty="0"/>
                         <a:t>1</a:t>
                       </a:r>
                       <a:endParaRPr lang="zh-CN" altLang="en-US" dirty="0"/>
@@ -4015,7 +4010,7 @@
                     <a:lstStyle/>
                     <a:p>
                       <a:r>
-                        <a:rPr lang="en-US" altLang="zh-CN" dirty="0" smtClean="0"/>
+                        <a:rPr lang="en-US" altLang="zh-CN" dirty="0"/>
                         <a:t>0</a:t>
                       </a:r>
                       <a:endParaRPr lang="zh-CN" altLang="en-US" dirty="0"/>
@@ -4029,7 +4024,7 @@
                     <a:lstStyle/>
                     <a:p>
                       <a:r>
-                        <a:rPr lang="en-US" altLang="zh-CN" dirty="0" smtClean="0"/>
+                        <a:rPr lang="en-US" altLang="zh-CN" dirty="0"/>
                         <a:t>0</a:t>
                       </a:r>
                       <a:endParaRPr lang="zh-CN" altLang="en-US" dirty="0"/>
@@ -4043,7 +4038,7 @@
                     <a:lstStyle/>
                     <a:p>
                       <a:r>
-                        <a:rPr lang="en-US" altLang="zh-CN" dirty="0" smtClean="0"/>
+                        <a:rPr lang="en-US" altLang="zh-CN" dirty="0"/>
                         <a:t>0</a:t>
                       </a:r>
                       <a:endParaRPr lang="zh-CN" altLang="en-US" dirty="0"/>
@@ -4057,7 +4052,7 @@
                     <a:lstStyle/>
                     <a:p>
                       <a:r>
-                        <a:rPr lang="en-US" altLang="zh-CN" dirty="0" smtClean="0"/>
+                        <a:rPr lang="en-US" altLang="zh-CN" dirty="0"/>
                         <a:t>1</a:t>
                       </a:r>
                       <a:endParaRPr lang="zh-CN" altLang="en-US" dirty="0"/>
@@ -4071,7 +4066,7 @@
                     <a:lstStyle/>
                     <a:p>
                       <a:r>
-                        <a:rPr lang="en-US" altLang="zh-CN" dirty="0" smtClean="0"/>
+                        <a:rPr lang="en-US" altLang="zh-CN" dirty="0"/>
                         <a:t>0</a:t>
                       </a:r>
                       <a:endParaRPr lang="zh-CN" altLang="en-US" dirty="0"/>
@@ -4092,147 +4087,147 @@
                     <a:lstStyle/>
                     <a:p>
                       <a:r>
-                        <a:rPr lang="zh-CN" altLang="en-US" dirty="0" smtClean="0"/>
+                        <a:rPr lang="zh-CN" altLang="en-US" dirty="0"/>
                         <a:t>。</a:t>
                       </a:r>
-                      <a:endParaRPr lang="en-US" altLang="zh-CN" dirty="0" smtClean="0"/>
-                    </a:p>
-                    <a:p>
-                      <a:r>
-                        <a:rPr lang="zh-CN" altLang="en-US" dirty="0" smtClean="0"/>
+                      <a:endParaRPr lang="en-US" altLang="zh-CN" dirty="0"/>
+                    </a:p>
+                    <a:p>
+                      <a:r>
+                        <a:rPr lang="zh-CN" altLang="en-US" dirty="0"/>
                         <a:t>。</a:t>
                       </a:r>
-                      <a:endParaRPr lang="en-US" altLang="zh-CN" dirty="0" smtClean="0"/>
-                    </a:p>
-                    <a:p>
-                      <a:r>
-                        <a:rPr lang="zh-CN" altLang="en-US" dirty="0" smtClean="0"/>
+                      <a:endParaRPr lang="en-US" altLang="zh-CN" dirty="0"/>
+                    </a:p>
+                    <a:p>
+                      <a:r>
+                        <a:rPr lang="zh-CN" altLang="en-US" dirty="0"/>
                         <a:t>。</a:t>
                       </a:r>
-                      <a:endParaRPr lang="en-US" altLang="zh-CN" dirty="0" smtClean="0"/>
-                    </a:p>
-                  </a:txBody>
-                  <a:tcPr/>
-                </a:tc>
-                <a:tc>
-                  <a:txBody>
-                    <a:bodyPr/>
-                    <a:lstStyle/>
-                    <a:p>
-                      <a:r>
-                        <a:rPr lang="zh-CN" altLang="en-US" dirty="0" smtClean="0"/>
+                      <a:endParaRPr lang="en-US" altLang="zh-CN" dirty="0"/>
+                    </a:p>
+                  </a:txBody>
+                  <a:tcPr/>
+                </a:tc>
+                <a:tc>
+                  <a:txBody>
+                    <a:bodyPr/>
+                    <a:lstStyle/>
+                    <a:p>
+                      <a:r>
+                        <a:rPr lang="zh-CN" altLang="en-US" dirty="0"/>
                         <a:t>。</a:t>
                       </a:r>
-                      <a:endParaRPr lang="en-US" altLang="zh-CN" dirty="0" smtClean="0"/>
-                    </a:p>
-                    <a:p>
-                      <a:r>
-                        <a:rPr lang="zh-CN" altLang="en-US" dirty="0" smtClean="0"/>
+                      <a:endParaRPr lang="en-US" altLang="zh-CN" dirty="0"/>
+                    </a:p>
+                    <a:p>
+                      <a:r>
+                        <a:rPr lang="zh-CN" altLang="en-US" dirty="0"/>
                         <a:t>。</a:t>
                       </a:r>
-                      <a:endParaRPr lang="en-US" altLang="zh-CN" dirty="0" smtClean="0"/>
-                    </a:p>
-                    <a:p>
-                      <a:r>
-                        <a:rPr lang="zh-CN" altLang="en-US" dirty="0" smtClean="0"/>
+                      <a:endParaRPr lang="en-US" altLang="zh-CN" dirty="0"/>
+                    </a:p>
+                    <a:p>
+                      <a:r>
+                        <a:rPr lang="zh-CN" altLang="en-US" dirty="0"/>
                         <a:t>。</a:t>
                       </a:r>
-                      <a:endParaRPr lang="en-US" altLang="zh-CN" dirty="0" smtClean="0"/>
-                    </a:p>
-                  </a:txBody>
-                  <a:tcPr/>
-                </a:tc>
-                <a:tc>
-                  <a:txBody>
-                    <a:bodyPr/>
-                    <a:lstStyle/>
-                    <a:p>
-                      <a:r>
-                        <a:rPr lang="zh-CN" altLang="en-US" dirty="0" smtClean="0"/>
+                      <a:endParaRPr lang="en-US" altLang="zh-CN" dirty="0"/>
+                    </a:p>
+                  </a:txBody>
+                  <a:tcPr/>
+                </a:tc>
+                <a:tc>
+                  <a:txBody>
+                    <a:bodyPr/>
+                    <a:lstStyle/>
+                    <a:p>
+                      <a:r>
+                        <a:rPr lang="zh-CN" altLang="en-US" dirty="0"/>
                         <a:t>。</a:t>
                       </a:r>
-                      <a:endParaRPr lang="en-US" altLang="zh-CN" dirty="0" smtClean="0"/>
-                    </a:p>
-                    <a:p>
-                      <a:r>
-                        <a:rPr lang="zh-CN" altLang="en-US" dirty="0" smtClean="0"/>
+                      <a:endParaRPr lang="en-US" altLang="zh-CN" dirty="0"/>
+                    </a:p>
+                    <a:p>
+                      <a:r>
+                        <a:rPr lang="zh-CN" altLang="en-US" dirty="0"/>
                         <a:t>。</a:t>
                       </a:r>
-                      <a:endParaRPr lang="en-US" altLang="zh-CN" dirty="0" smtClean="0"/>
-                    </a:p>
-                    <a:p>
-                      <a:r>
-                        <a:rPr lang="zh-CN" altLang="en-US" dirty="0" smtClean="0"/>
+                      <a:endParaRPr lang="en-US" altLang="zh-CN" dirty="0"/>
+                    </a:p>
+                    <a:p>
+                      <a:r>
+                        <a:rPr lang="zh-CN" altLang="en-US" dirty="0"/>
                         <a:t>。</a:t>
                       </a:r>
-                      <a:endParaRPr lang="en-US" altLang="zh-CN" dirty="0" smtClean="0"/>
-                    </a:p>
-                  </a:txBody>
-                  <a:tcPr/>
-                </a:tc>
-                <a:tc>
-                  <a:txBody>
-                    <a:bodyPr/>
-                    <a:lstStyle/>
-                    <a:p>
-                      <a:r>
-                        <a:rPr lang="zh-CN" altLang="en-US" dirty="0" smtClean="0"/>
+                      <a:endParaRPr lang="en-US" altLang="zh-CN" dirty="0"/>
+                    </a:p>
+                  </a:txBody>
+                  <a:tcPr/>
+                </a:tc>
+                <a:tc>
+                  <a:txBody>
+                    <a:bodyPr/>
+                    <a:lstStyle/>
+                    <a:p>
+                      <a:r>
+                        <a:rPr lang="zh-CN" altLang="en-US" dirty="0"/>
                         <a:t>。</a:t>
                       </a:r>
-                      <a:endParaRPr lang="en-US" altLang="zh-CN" dirty="0" smtClean="0"/>
-                    </a:p>
-                    <a:p>
-                      <a:r>
-                        <a:rPr lang="zh-CN" altLang="en-US" dirty="0" smtClean="0"/>
+                      <a:endParaRPr lang="en-US" altLang="zh-CN" dirty="0"/>
+                    </a:p>
+                    <a:p>
+                      <a:r>
+                        <a:rPr lang="zh-CN" altLang="en-US" dirty="0"/>
                         <a:t>。</a:t>
                       </a:r>
-                      <a:endParaRPr lang="en-US" altLang="zh-CN" dirty="0" smtClean="0"/>
-                    </a:p>
-                    <a:p>
-                      <a:r>
-                        <a:rPr lang="zh-CN" altLang="en-US" dirty="0" smtClean="0"/>
+                      <a:endParaRPr lang="en-US" altLang="zh-CN" dirty="0"/>
+                    </a:p>
+                    <a:p>
+                      <a:r>
+                        <a:rPr lang="zh-CN" altLang="en-US" dirty="0"/>
                         <a:t>。</a:t>
                       </a:r>
-                      <a:endParaRPr lang="en-US" altLang="zh-CN" dirty="0" smtClean="0"/>
-                    </a:p>
-                  </a:txBody>
-                  <a:tcPr/>
-                </a:tc>
-                <a:tc>
-                  <a:txBody>
-                    <a:bodyPr/>
-                    <a:lstStyle/>
-                    <a:p>
-                      <a:r>
-                        <a:rPr lang="zh-CN" altLang="en-US" dirty="0" smtClean="0"/>
+                      <a:endParaRPr lang="en-US" altLang="zh-CN" dirty="0"/>
+                    </a:p>
+                  </a:txBody>
+                  <a:tcPr/>
+                </a:tc>
+                <a:tc>
+                  <a:txBody>
+                    <a:bodyPr/>
+                    <a:lstStyle/>
+                    <a:p>
+                      <a:r>
+                        <a:rPr lang="zh-CN" altLang="en-US" dirty="0"/>
                         <a:t>。</a:t>
                       </a:r>
-                      <a:endParaRPr lang="en-US" altLang="zh-CN" dirty="0" smtClean="0"/>
-                    </a:p>
-                    <a:p>
-                      <a:r>
-                        <a:rPr lang="zh-CN" altLang="en-US" dirty="0" smtClean="0"/>
+                      <a:endParaRPr lang="en-US" altLang="zh-CN" dirty="0"/>
+                    </a:p>
+                    <a:p>
+                      <a:r>
+                        <a:rPr lang="zh-CN" altLang="en-US" dirty="0"/>
                         <a:t>。</a:t>
                       </a:r>
-                      <a:endParaRPr lang="en-US" altLang="zh-CN" dirty="0" smtClean="0"/>
-                    </a:p>
-                    <a:p>
-                      <a:r>
-                        <a:rPr lang="zh-CN" altLang="en-US" dirty="0" smtClean="0"/>
+                      <a:endParaRPr lang="en-US" altLang="zh-CN" dirty="0"/>
+                    </a:p>
+                    <a:p>
+                      <a:r>
+                        <a:rPr lang="zh-CN" altLang="en-US" dirty="0"/>
                         <a:t>。</a:t>
                       </a:r>
-                      <a:endParaRPr lang="en-US" altLang="zh-CN" dirty="0" smtClean="0"/>
-                    </a:p>
-                  </a:txBody>
-                  <a:tcPr/>
-                </a:tc>
-                <a:tc>
-                  <a:txBody>
-                    <a:bodyPr/>
-                    <a:lstStyle/>
-                    <a:p>
-                      <a:r>
-                        <a:rPr lang="en-US" altLang="zh-CN" dirty="0" smtClean="0"/>
+                      <a:endParaRPr lang="en-US" altLang="zh-CN" dirty="0"/>
+                    </a:p>
+                  </a:txBody>
+                  <a:tcPr/>
+                </a:tc>
+                <a:tc>
+                  <a:txBody>
+                    <a:bodyPr/>
+                    <a:lstStyle/>
+                    <a:p>
+                      <a:r>
+                        <a:rPr lang="en-US" altLang="zh-CN" dirty="0"/>
                         <a:t>0</a:t>
                       </a:r>
                     </a:p>
@@ -4252,7 +4247,7 @@
                     <a:lstStyle/>
                     <a:p>
                       <a:r>
-                        <a:rPr lang="en-US" altLang="zh-CN" dirty="0" smtClean="0"/>
+                        <a:rPr lang="en-US" altLang="zh-CN" dirty="0"/>
                         <a:t>0</a:t>
                       </a:r>
                       <a:endParaRPr lang="zh-CN" altLang="en-US" dirty="0"/>
@@ -4266,7 +4261,7 @@
                     <a:lstStyle/>
                     <a:p>
                       <a:r>
-                        <a:rPr lang="en-US" altLang="zh-CN" dirty="0" smtClean="0"/>
+                        <a:rPr lang="en-US" altLang="zh-CN" dirty="0"/>
                         <a:t>0</a:t>
                       </a:r>
                       <a:endParaRPr lang="zh-CN" altLang="en-US" dirty="0"/>
@@ -4280,7 +4275,7 @@
                     <a:lstStyle/>
                     <a:p>
                       <a:r>
-                        <a:rPr lang="en-US" altLang="zh-CN" dirty="0" smtClean="0"/>
+                        <a:rPr lang="en-US" altLang="zh-CN" dirty="0"/>
                         <a:t>0</a:t>
                       </a:r>
                       <a:endParaRPr lang="zh-CN" altLang="en-US" dirty="0"/>
@@ -4294,7 +4289,7 @@
                     <a:lstStyle/>
                     <a:p>
                       <a:r>
-                        <a:rPr lang="en-US" altLang="zh-CN" dirty="0" smtClean="0"/>
+                        <a:rPr lang="en-US" altLang="zh-CN" dirty="0"/>
                         <a:t>0</a:t>
                       </a:r>
                       <a:endParaRPr lang="zh-CN" altLang="en-US" dirty="0"/>
@@ -4308,7 +4303,7 @@
                     <a:lstStyle/>
                     <a:p>
                       <a:r>
-                        <a:rPr lang="en-US" altLang="zh-CN" dirty="0" smtClean="0"/>
+                        <a:rPr lang="en-US" altLang="zh-CN" dirty="0"/>
                         <a:t>0</a:t>
                       </a:r>
                       <a:endParaRPr lang="zh-CN" altLang="en-US" dirty="0"/>
@@ -4322,7 +4317,7 @@
                     <a:lstStyle/>
                     <a:p>
                       <a:r>
-                        <a:rPr lang="en-US" altLang="zh-CN" dirty="0" smtClean="0"/>
+                        <a:rPr lang="en-US" altLang="zh-CN" dirty="0"/>
                         <a:t>0</a:t>
                       </a:r>
                       <a:endParaRPr lang="zh-CN" altLang="en-US" dirty="0"/>
@@ -4343,7 +4338,7 @@
                     <a:lstStyle/>
                     <a:p>
                       <a:r>
-                        <a:rPr lang="en-US" altLang="zh-CN" dirty="0" smtClean="0"/>
+                        <a:rPr lang="en-US" altLang="zh-CN" dirty="0"/>
                         <a:t>1</a:t>
                       </a:r>
                       <a:endParaRPr lang="zh-CN" altLang="en-US" dirty="0"/>
@@ -4357,7 +4352,7 @@
                     <a:lstStyle/>
                     <a:p>
                       <a:r>
-                        <a:rPr lang="en-US" altLang="zh-CN" dirty="0" smtClean="0"/>
+                        <a:rPr lang="en-US" altLang="zh-CN" dirty="0"/>
                         <a:t>0</a:t>
                       </a:r>
                       <a:endParaRPr lang="zh-CN" altLang="en-US" dirty="0"/>
@@ -4371,7 +4366,7 @@
                     <a:lstStyle/>
                     <a:p>
                       <a:r>
-                        <a:rPr lang="en-US" altLang="zh-CN" dirty="0" smtClean="0"/>
+                        <a:rPr lang="en-US" altLang="zh-CN" dirty="0"/>
                         <a:t>0</a:t>
                       </a:r>
                       <a:endParaRPr lang="zh-CN" altLang="en-US" dirty="0"/>
@@ -4385,7 +4380,7 @@
                     <a:lstStyle/>
                     <a:p>
                       <a:r>
-                        <a:rPr lang="en-US" altLang="zh-CN" dirty="0" smtClean="0"/>
+                        <a:rPr lang="en-US" altLang="zh-CN" dirty="0"/>
                         <a:t>0</a:t>
                       </a:r>
                       <a:endParaRPr lang="zh-CN" altLang="en-US" dirty="0"/>
@@ -4399,7 +4394,7 @@
                     <a:lstStyle/>
                     <a:p>
                       <a:r>
-                        <a:rPr lang="en-US" altLang="zh-CN" dirty="0" smtClean="0"/>
+                        <a:rPr lang="en-US" altLang="zh-CN" dirty="0"/>
                         <a:t>0</a:t>
                       </a:r>
                       <a:endParaRPr lang="zh-CN" altLang="en-US" dirty="0"/>
@@ -4413,7 +4408,7 @@
                     <a:lstStyle/>
                     <a:p>
                       <a:r>
-                        <a:rPr lang="en-US" altLang="zh-CN" dirty="0" smtClean="0"/>
+                        <a:rPr lang="en-US" altLang="zh-CN" dirty="0"/>
                         <a:t>1</a:t>
                       </a:r>
                       <a:endParaRPr lang="zh-CN" altLang="en-US" dirty="0"/>
@@ -4487,18 +4482,13 @@
           <a:lstStyle/>
           <a:p>
             <a:r>
-              <a:rPr lang="zh-CN" altLang="en-US" dirty="0" smtClean="0">
+              <a:rPr lang="zh-CN" altLang="en-US" dirty="0">
                 <a:solidFill>
                   <a:schemeClr val="accent1"/>
                 </a:solidFill>
               </a:rPr>
               <a:t>宝牌指示牌算在牌河里</a:t>
             </a:r>
-            <a:endParaRPr lang="zh-CN" altLang="en-US" dirty="0">
-              <a:solidFill>
-                <a:schemeClr val="accent1"/>
-              </a:solidFill>
-            </a:endParaRPr>
           </a:p>
         </p:txBody>
       </p:sp>
@@ -4511,14 +4501,14 @@
           <p:nvPr>
             <p:extLst>
               <p:ext uri="{D42A27DB-BD31-4B8C-83A1-F6EECF244321}">
-                <p14:modId xmlns:p14="http://schemas.microsoft.com/office/powerpoint/2010/main" val="3721506190"/>
+                <p14:modId xmlns:p14="http://schemas.microsoft.com/office/powerpoint/2010/main" val="277279293"/>
               </p:ext>
             </p:extLst>
           </p:nvPr>
         </p:nvGraphicFramePr>
         <p:xfrm>
-          <a:off x="10398441" y="1070032"/>
-          <a:ext cx="1712421" cy="5016115"/>
+          <a:off x="10410738" y="1070032"/>
+          <a:ext cx="1700124" cy="5016115"/>
         </p:xfrm>
         <a:graphic>
           <a:graphicData uri="http://schemas.openxmlformats.org/drawingml/2006/table">
@@ -4527,7 +4517,7 @@
                 <a:tableStyleId>{5940675A-B579-460E-94D1-54222C63F5DA}</a:tableStyleId>
               </a:tblPr>
               <a:tblGrid>
-                <a:gridCol w="570807">
+                <a:gridCol w="558510">
                   <a:extLst>
                     <a:ext uri="{9D8B030D-6E8A-4147-A177-3AD203B41FA5}">
                       <a16:colId xmlns:a16="http://schemas.microsoft.com/office/drawing/2014/main" val="2277985719"/>
@@ -4556,21 +4546,7 @@
                     <a:lstStyle/>
                     <a:p>
                       <a:r>
-                        <a:rPr lang="en-US" altLang="zh-CN" dirty="0" smtClean="0"/>
-                        <a:t>1</a:t>
-                      </a:r>
-                      <a:endParaRPr lang="zh-CN" altLang="en-US" dirty="0"/>
-                    </a:p>
-                  </a:txBody>
-                  <a:tcPr/>
-                </a:tc>
-                <a:tc>
-                  <a:txBody>
-                    <a:bodyPr/>
-                    <a:lstStyle/>
-                    <a:p>
-                      <a:r>
-                        <a:rPr lang="en-US" altLang="zh-CN" dirty="0" smtClean="0"/>
+                        <a:rPr lang="en-US" altLang="zh-CN" dirty="0"/>
                         <a:t>0</a:t>
                       </a:r>
                       <a:endParaRPr lang="zh-CN" altLang="en-US" dirty="0"/>
@@ -4584,7 +4560,21 @@
                     <a:lstStyle/>
                     <a:p>
                       <a:r>
-                        <a:rPr lang="en-US" altLang="zh-CN" dirty="0" smtClean="0"/>
+                        <a:rPr lang="en-US" altLang="zh-CN" dirty="0"/>
+                        <a:t>0</a:t>
+                      </a:r>
+                      <a:endParaRPr lang="zh-CN" altLang="en-US" dirty="0"/>
+                    </a:p>
+                  </a:txBody>
+                  <a:tcPr/>
+                </a:tc>
+                <a:tc>
+                  <a:txBody>
+                    <a:bodyPr/>
+                    <a:lstStyle/>
+                    <a:p>
+                      <a:r>
+                        <a:rPr lang="en-US" altLang="zh-CN" dirty="0"/>
                         <a:t>0</a:t>
                       </a:r>
                       <a:endParaRPr lang="zh-CN" altLang="en-US" dirty="0"/>
@@ -4605,7 +4595,21 @@
                     <a:lstStyle/>
                     <a:p>
                       <a:r>
-                        <a:rPr lang="en-US" altLang="zh-CN" dirty="0" smtClean="0"/>
+                        <a:rPr lang="en-US" altLang="zh-CN" dirty="0"/>
+                        <a:t>1</a:t>
+                      </a:r>
+                      <a:endParaRPr lang="zh-CN" altLang="en-US" dirty="0"/>
+                    </a:p>
+                  </a:txBody>
+                  <a:tcPr/>
+                </a:tc>
+                <a:tc>
+                  <a:txBody>
+                    <a:bodyPr/>
+                    <a:lstStyle/>
+                    <a:p>
+                      <a:r>
+                        <a:rPr lang="en-US" altLang="zh-CN" dirty="0"/>
                         <a:t>0</a:t>
                       </a:r>
                       <a:endParaRPr lang="zh-CN" altLang="en-US" dirty="0"/>
@@ -4619,21 +4623,7 @@
                     <a:lstStyle/>
                     <a:p>
                       <a:r>
-                        <a:rPr lang="en-US" altLang="zh-CN" dirty="0" smtClean="0"/>
-                        <a:t>0</a:t>
-                      </a:r>
-                      <a:endParaRPr lang="zh-CN" altLang="en-US" dirty="0"/>
-                    </a:p>
-                  </a:txBody>
-                  <a:tcPr/>
-                </a:tc>
-                <a:tc>
-                  <a:txBody>
-                    <a:bodyPr/>
-                    <a:lstStyle/>
-                    <a:p>
-                      <a:r>
-                        <a:rPr lang="en-US" altLang="zh-CN" dirty="0" smtClean="0"/>
+                        <a:rPr lang="en-US" altLang="zh-CN" dirty="0"/>
                         <a:t>0</a:t>
                       </a:r>
                       <a:endParaRPr lang="zh-CN" altLang="en-US" dirty="0"/>
@@ -4654,80 +4644,80 @@
                     <a:lstStyle/>
                     <a:p>
                       <a:r>
-                        <a:rPr lang="zh-CN" altLang="en-US" dirty="0" smtClean="0"/>
+                        <a:rPr lang="zh-CN" altLang="en-US" dirty="0"/>
                         <a:t>。</a:t>
                       </a:r>
-                      <a:endParaRPr lang="en-US" altLang="zh-CN" dirty="0" smtClean="0"/>
-                    </a:p>
-                    <a:p>
-                      <a:r>
-                        <a:rPr lang="zh-CN" altLang="en-US" dirty="0" smtClean="0"/>
+                      <a:endParaRPr lang="en-US" altLang="zh-CN" dirty="0"/>
+                    </a:p>
+                    <a:p>
+                      <a:r>
+                        <a:rPr lang="zh-CN" altLang="en-US" dirty="0"/>
                         <a:t>。</a:t>
                       </a:r>
-                      <a:endParaRPr lang="en-US" altLang="zh-CN" dirty="0" smtClean="0"/>
-                    </a:p>
-                    <a:p>
-                      <a:r>
-                        <a:rPr lang="zh-CN" altLang="en-US" dirty="0" smtClean="0"/>
+                      <a:endParaRPr lang="en-US" altLang="zh-CN" dirty="0"/>
+                    </a:p>
+                    <a:p>
+                      <a:r>
+                        <a:rPr lang="zh-CN" altLang="en-US" dirty="0"/>
                         <a:t>。</a:t>
                       </a:r>
-                      <a:endParaRPr lang="en-US" altLang="zh-CN" dirty="0" smtClean="0"/>
-                    </a:p>
-                  </a:txBody>
-                  <a:tcPr/>
-                </a:tc>
-                <a:tc>
-                  <a:txBody>
-                    <a:bodyPr/>
-                    <a:lstStyle/>
-                    <a:p>
-                      <a:r>
-                        <a:rPr lang="zh-CN" altLang="en-US" dirty="0" smtClean="0"/>
+                      <a:endParaRPr lang="en-US" altLang="zh-CN" dirty="0"/>
+                    </a:p>
+                  </a:txBody>
+                  <a:tcPr/>
+                </a:tc>
+                <a:tc>
+                  <a:txBody>
+                    <a:bodyPr/>
+                    <a:lstStyle/>
+                    <a:p>
+                      <a:r>
+                        <a:rPr lang="zh-CN" altLang="en-US" dirty="0"/>
                         <a:t>。</a:t>
                       </a:r>
-                      <a:endParaRPr lang="en-US" altLang="zh-CN" dirty="0" smtClean="0"/>
-                    </a:p>
-                    <a:p>
-                      <a:r>
-                        <a:rPr lang="zh-CN" altLang="en-US" dirty="0" smtClean="0"/>
+                      <a:endParaRPr lang="en-US" altLang="zh-CN" dirty="0"/>
+                    </a:p>
+                    <a:p>
+                      <a:r>
+                        <a:rPr lang="zh-CN" altLang="en-US" dirty="0"/>
                         <a:t>。</a:t>
                       </a:r>
-                      <a:endParaRPr lang="en-US" altLang="zh-CN" dirty="0" smtClean="0"/>
-                    </a:p>
-                    <a:p>
-                      <a:r>
-                        <a:rPr lang="zh-CN" altLang="en-US" dirty="0" smtClean="0"/>
+                      <a:endParaRPr lang="en-US" altLang="zh-CN" dirty="0"/>
+                    </a:p>
+                    <a:p>
+                      <a:r>
+                        <a:rPr lang="zh-CN" altLang="en-US" dirty="0"/>
                         <a:t>。</a:t>
                       </a:r>
-                      <a:endParaRPr lang="en-US" altLang="zh-CN" dirty="0" smtClean="0"/>
-                    </a:p>
-                  </a:txBody>
-                  <a:tcPr/>
-                </a:tc>
-                <a:tc>
-                  <a:txBody>
-                    <a:bodyPr/>
-                    <a:lstStyle/>
-                    <a:p>
-                      <a:r>
-                        <a:rPr lang="zh-CN" altLang="en-US" dirty="0" smtClean="0"/>
+                      <a:endParaRPr lang="en-US" altLang="zh-CN" dirty="0"/>
+                    </a:p>
+                  </a:txBody>
+                  <a:tcPr/>
+                </a:tc>
+                <a:tc>
+                  <a:txBody>
+                    <a:bodyPr/>
+                    <a:lstStyle/>
+                    <a:p>
+                      <a:r>
+                        <a:rPr lang="zh-CN" altLang="en-US" dirty="0"/>
                         <a:t>。</a:t>
                       </a:r>
-                      <a:endParaRPr lang="en-US" altLang="zh-CN" dirty="0" smtClean="0"/>
-                    </a:p>
-                    <a:p>
-                      <a:r>
-                        <a:rPr lang="zh-CN" altLang="en-US" dirty="0" smtClean="0"/>
+                      <a:endParaRPr lang="en-US" altLang="zh-CN" dirty="0"/>
+                    </a:p>
+                    <a:p>
+                      <a:r>
+                        <a:rPr lang="zh-CN" altLang="en-US" dirty="0"/>
                         <a:t>。</a:t>
                       </a:r>
-                      <a:endParaRPr lang="en-US" altLang="zh-CN" dirty="0" smtClean="0"/>
-                    </a:p>
-                    <a:p>
-                      <a:r>
-                        <a:rPr lang="zh-CN" altLang="en-US" dirty="0" smtClean="0"/>
+                      <a:endParaRPr lang="en-US" altLang="zh-CN" dirty="0"/>
+                    </a:p>
+                    <a:p>
+                      <a:r>
+                        <a:rPr lang="zh-CN" altLang="en-US" dirty="0"/>
                         <a:t>。</a:t>
                       </a:r>
-                      <a:endParaRPr lang="en-US" altLang="zh-CN" dirty="0" smtClean="0"/>
+                      <a:endParaRPr lang="en-US" altLang="zh-CN" dirty="0"/>
                     </a:p>
                   </a:txBody>
                   <a:tcPr/>
@@ -4745,7 +4735,7 @@
                     <a:lstStyle/>
                     <a:p>
                       <a:r>
-                        <a:rPr lang="en-US" altLang="zh-CN" dirty="0" smtClean="0"/>
+                        <a:rPr lang="en-US" altLang="zh-CN" dirty="0"/>
                         <a:t>0</a:t>
                       </a:r>
                       <a:endParaRPr lang="zh-CN" altLang="en-US" dirty="0"/>
@@ -4759,7 +4749,7 @@
                     <a:lstStyle/>
                     <a:p>
                       <a:r>
-                        <a:rPr lang="en-US" altLang="zh-CN" dirty="0" smtClean="0"/>
+                        <a:rPr lang="en-US" altLang="zh-CN" dirty="0"/>
                         <a:t>0</a:t>
                       </a:r>
                       <a:endParaRPr lang="zh-CN" altLang="en-US" dirty="0"/>
@@ -4773,7 +4763,7 @@
                     <a:lstStyle/>
                     <a:p>
                       <a:r>
-                        <a:rPr lang="en-US" altLang="zh-CN" dirty="0" smtClean="0"/>
+                        <a:rPr lang="en-US" altLang="zh-CN" dirty="0"/>
                         <a:t>0</a:t>
                       </a:r>
                       <a:endParaRPr lang="zh-CN" altLang="en-US" dirty="0"/>
@@ -4794,7 +4784,7 @@
                     <a:lstStyle/>
                     <a:p>
                       <a:r>
-                        <a:rPr lang="en-US" altLang="zh-CN" dirty="0" smtClean="0"/>
+                        <a:rPr lang="en-US" altLang="zh-CN" dirty="0"/>
                         <a:t>0</a:t>
                       </a:r>
                       <a:endParaRPr lang="zh-CN" altLang="en-US" dirty="0"/>
@@ -4808,7 +4798,7 @@
                     <a:lstStyle/>
                     <a:p>
                       <a:r>
-                        <a:rPr lang="en-US" altLang="zh-CN" dirty="0" smtClean="0"/>
+                        <a:rPr lang="en-US" altLang="zh-CN" dirty="0"/>
                         <a:t>0</a:t>
                       </a:r>
                       <a:endParaRPr lang="zh-CN" altLang="en-US" dirty="0"/>
@@ -4822,7 +4812,7 @@
                     <a:lstStyle/>
                     <a:p>
                       <a:r>
-                        <a:rPr lang="en-US" altLang="zh-CN" dirty="0" smtClean="0"/>
+                        <a:rPr lang="en-US" altLang="zh-CN" dirty="0"/>
                         <a:t>0</a:t>
                       </a:r>
                       <a:endParaRPr lang="zh-CN" altLang="en-US" dirty="0"/>
@@ -4863,38 +4853,37 @@
           <a:lstStyle/>
           <a:p>
             <a:r>
-              <a:rPr lang="en-US" altLang="zh-CN" sz="1200" dirty="0" smtClean="0"/>
+              <a:rPr lang="en-US" altLang="zh-CN" sz="1200" dirty="0"/>
               <a:t>1</a:t>
             </a:r>
             <a:r>
-              <a:rPr lang="zh-CN" altLang="en-US" sz="1200" dirty="0" smtClean="0"/>
+              <a:rPr lang="zh-CN" altLang="en-US" sz="1200" dirty="0"/>
               <a:t>张    </a:t>
             </a:r>
             <a:r>
-              <a:rPr lang="en-US" altLang="zh-CN" sz="1200" dirty="0" smtClean="0"/>
+              <a:rPr lang="en-US" altLang="zh-CN" sz="1200" dirty="0"/>
               <a:t>2</a:t>
             </a:r>
             <a:r>
-              <a:rPr lang="zh-CN" altLang="en-US" sz="1200" dirty="0" smtClean="0"/>
+              <a:rPr lang="zh-CN" altLang="en-US" sz="1200" dirty="0"/>
               <a:t>张   </a:t>
             </a:r>
             <a:r>
-              <a:rPr lang="en-US" altLang="zh-CN" sz="1200" dirty="0" smtClean="0"/>
+              <a:rPr lang="en-US" altLang="zh-CN" sz="1200" dirty="0"/>
               <a:t>3</a:t>
             </a:r>
             <a:r>
-              <a:rPr lang="zh-CN" altLang="en-US" sz="1200" dirty="0" smtClean="0"/>
+              <a:rPr lang="zh-CN" altLang="en-US" sz="1200" dirty="0"/>
               <a:t>张      </a:t>
             </a:r>
             <a:r>
-              <a:rPr lang="en-US" altLang="zh-CN" sz="1200" dirty="0" smtClean="0"/>
+              <a:rPr lang="en-US" altLang="zh-CN" sz="1200" dirty="0"/>
               <a:t>4</a:t>
             </a:r>
             <a:r>
-              <a:rPr lang="zh-CN" altLang="en-US" sz="1200" dirty="0" smtClean="0"/>
+              <a:rPr lang="zh-CN" altLang="en-US" sz="1200" dirty="0"/>
               <a:t>张   宝牌数  是否手切</a:t>
             </a:r>
-            <a:endParaRPr lang="zh-CN" altLang="en-US" sz="1200" dirty="0"/>
           </a:p>
         </p:txBody>
       </p:sp>
@@ -4906,8 +4895,8 @@
         </p:nvSpPr>
         <p:spPr>
           <a:xfrm>
-            <a:off x="10398441" y="6143301"/>
-            <a:ext cx="1869282" cy="584775"/>
+            <a:off x="10385740" y="6119867"/>
+            <a:ext cx="1869282" cy="338554"/>
           </a:xfrm>
           <a:prstGeom prst="rect">
             <a:avLst/>
@@ -4921,17 +4910,10 @@
           <a:lstStyle/>
           <a:p>
             <a:r>
-              <a:rPr lang="zh-CN" altLang="en-US" sz="1600" dirty="0" smtClean="0"/>
-              <a:t>宝牌   场风  自风</a:t>
-            </a:r>
-            <a:endParaRPr lang="en-US" altLang="zh-CN" sz="1600" dirty="0" smtClean="0"/>
-          </a:p>
-          <a:p>
-            <a:r>
-              <a:rPr lang="zh-CN" altLang="en-US" sz="1600" dirty="0" smtClean="0"/>
-              <a:t>指示牌</a:t>
-            </a:r>
-            <a:endParaRPr lang="zh-CN" altLang="en-US" sz="1600" dirty="0"/>
+              <a:rPr lang="zh-CN" altLang="en-US" sz="1600" dirty="0"/>
+              <a:t>宝牌数 场风  自风</a:t>
+            </a:r>
+            <a:endParaRPr lang="en-US" altLang="zh-CN" sz="1600" dirty="0"/>
           </a:p>
         </p:txBody>
       </p:sp>
@@ -4992,7 +4974,7 @@
           <a:lstStyle/>
           <a:p>
             <a:r>
-              <a:rPr lang="en-US" altLang="zh-CN" dirty="0" smtClean="0">
+              <a:rPr lang="en-US" altLang="zh-CN" dirty="0">
                 <a:solidFill>
                   <a:schemeClr val="accent1"/>
                 </a:solidFill>
@@ -5054,7 +5036,7 @@
                     <a:lstStyle/>
                     <a:p>
                       <a:r>
-                        <a:rPr lang="en-US" altLang="zh-CN" dirty="0" smtClean="0"/>
+                        <a:rPr lang="en-US" altLang="zh-CN" dirty="0"/>
                         <a:t>0</a:t>
                       </a:r>
                       <a:endParaRPr lang="zh-CN" altLang="en-US" dirty="0"/>
@@ -5068,7 +5050,7 @@
                     <a:lstStyle/>
                     <a:p>
                       <a:r>
-                        <a:rPr lang="en-US" altLang="zh-CN" dirty="0" smtClean="0"/>
+                        <a:rPr lang="en-US" altLang="zh-CN" dirty="0"/>
                         <a:t>0</a:t>
                       </a:r>
                       <a:endParaRPr lang="zh-CN" altLang="en-US" dirty="0"/>
@@ -5089,7 +5071,7 @@
                     <a:lstStyle/>
                     <a:p>
                       <a:r>
-                        <a:rPr lang="en-US" altLang="zh-CN" dirty="0" smtClean="0"/>
+                        <a:rPr lang="en-US" altLang="zh-CN" dirty="0"/>
                         <a:t>0</a:t>
                       </a:r>
                       <a:endParaRPr lang="zh-CN" altLang="en-US" dirty="0"/>
@@ -5103,7 +5085,7 @@
                     <a:lstStyle/>
                     <a:p>
                       <a:r>
-                        <a:rPr lang="en-US" altLang="zh-CN" dirty="0" smtClean="0"/>
+                        <a:rPr lang="en-US" altLang="zh-CN" dirty="0"/>
                         <a:t>0</a:t>
                       </a:r>
                       <a:endParaRPr lang="zh-CN" altLang="en-US" dirty="0"/>
@@ -5124,52 +5106,52 @@
                     <a:lstStyle/>
                     <a:p>
                       <a:r>
-                        <a:rPr lang="zh-CN" altLang="en-US" dirty="0" smtClean="0"/>
+                        <a:rPr lang="zh-CN" altLang="en-US" dirty="0"/>
                         <a:t>。</a:t>
                       </a:r>
-                      <a:endParaRPr lang="en-US" altLang="zh-CN" dirty="0" smtClean="0"/>
-                    </a:p>
-                    <a:p>
-                      <a:r>
-                        <a:rPr lang="zh-CN" altLang="en-US" dirty="0" smtClean="0"/>
+                      <a:endParaRPr lang="en-US" altLang="zh-CN" dirty="0"/>
+                    </a:p>
+                    <a:p>
+                      <a:r>
+                        <a:rPr lang="zh-CN" altLang="en-US" dirty="0"/>
                         <a:t>。</a:t>
                       </a:r>
-                      <a:endParaRPr lang="en-US" altLang="zh-CN" dirty="0" smtClean="0"/>
-                    </a:p>
-                    <a:p>
-                      <a:r>
-                        <a:rPr lang="zh-CN" altLang="en-US" dirty="0" smtClean="0"/>
+                      <a:endParaRPr lang="en-US" altLang="zh-CN" dirty="0"/>
+                    </a:p>
+                    <a:p>
+                      <a:r>
+                        <a:rPr lang="zh-CN" altLang="en-US" dirty="0"/>
                         <a:t>。</a:t>
                       </a:r>
-                      <a:endParaRPr lang="en-US" altLang="zh-CN" dirty="0" smtClean="0"/>
-                    </a:p>
-                  </a:txBody>
-                  <a:tcPr/>
-                </a:tc>
-                <a:tc>
-                  <a:txBody>
-                    <a:bodyPr/>
-                    <a:lstStyle/>
-                    <a:p>
-                      <a:r>
-                        <a:rPr lang="zh-CN" altLang="en-US" dirty="0" smtClean="0"/>
+                      <a:endParaRPr lang="en-US" altLang="zh-CN" dirty="0"/>
+                    </a:p>
+                  </a:txBody>
+                  <a:tcPr/>
+                </a:tc>
+                <a:tc>
+                  <a:txBody>
+                    <a:bodyPr/>
+                    <a:lstStyle/>
+                    <a:p>
+                      <a:r>
+                        <a:rPr lang="zh-CN" altLang="en-US" dirty="0"/>
                         <a:t>。</a:t>
                       </a:r>
-                      <a:endParaRPr lang="en-US" altLang="zh-CN" dirty="0" smtClean="0"/>
-                    </a:p>
-                    <a:p>
-                      <a:r>
-                        <a:rPr lang="zh-CN" altLang="en-US" dirty="0" smtClean="0"/>
+                      <a:endParaRPr lang="en-US" altLang="zh-CN" dirty="0"/>
+                    </a:p>
+                    <a:p>
+                      <a:r>
+                        <a:rPr lang="zh-CN" altLang="en-US" dirty="0"/>
                         <a:t>。</a:t>
                       </a:r>
-                      <a:endParaRPr lang="en-US" altLang="zh-CN" dirty="0" smtClean="0"/>
-                    </a:p>
-                    <a:p>
-                      <a:r>
-                        <a:rPr lang="zh-CN" altLang="en-US" dirty="0" smtClean="0"/>
+                      <a:endParaRPr lang="en-US" altLang="zh-CN" dirty="0"/>
+                    </a:p>
+                    <a:p>
+                      <a:r>
+                        <a:rPr lang="zh-CN" altLang="en-US" dirty="0"/>
                         <a:t>。</a:t>
                       </a:r>
-                      <a:endParaRPr lang="en-US" altLang="zh-CN" dirty="0" smtClean="0"/>
+                      <a:endParaRPr lang="en-US" altLang="zh-CN" dirty="0"/>
                     </a:p>
                   </a:txBody>
                   <a:tcPr/>
@@ -5187,7 +5169,7 @@
                     <a:lstStyle/>
                     <a:p>
                       <a:r>
-                        <a:rPr lang="en-US" altLang="zh-CN" dirty="0" smtClean="0"/>
+                        <a:rPr lang="en-US" altLang="zh-CN" dirty="0"/>
                         <a:t>0</a:t>
                       </a:r>
                       <a:endParaRPr lang="zh-CN" altLang="en-US" dirty="0"/>
@@ -5201,7 +5183,7 @@
                     <a:lstStyle/>
                     <a:p>
                       <a:r>
-                        <a:rPr lang="en-US" altLang="zh-CN" dirty="0" smtClean="0"/>
+                        <a:rPr lang="en-US" altLang="zh-CN" dirty="0"/>
                         <a:t>0</a:t>
                       </a:r>
                       <a:endParaRPr lang="zh-CN" altLang="en-US" dirty="0"/>
@@ -5222,7 +5204,7 @@
                     <a:lstStyle/>
                     <a:p>
                       <a:r>
-                        <a:rPr lang="en-US" altLang="zh-CN" dirty="0" smtClean="0"/>
+                        <a:rPr lang="en-US" altLang="zh-CN" dirty="0"/>
                         <a:t>0</a:t>
                       </a:r>
                       <a:endParaRPr lang="zh-CN" altLang="en-US" dirty="0"/>
@@ -5236,7 +5218,7 @@
                     <a:lstStyle/>
                     <a:p>
                       <a:r>
-                        <a:rPr lang="en-US" altLang="zh-CN" dirty="0" smtClean="0"/>
+                        <a:rPr lang="en-US" altLang="zh-CN" dirty="0"/>
                         <a:t>0</a:t>
                       </a:r>
                       <a:endParaRPr lang="zh-CN" altLang="en-US" dirty="0"/>
@@ -5262,8 +5244,8 @@
         </p:nvSpPr>
         <p:spPr>
           <a:xfrm>
-            <a:off x="9236164" y="6141229"/>
-            <a:ext cx="1869282" cy="338554"/>
+            <a:off x="9183602" y="6116677"/>
+            <a:ext cx="1317072" cy="338554"/>
           </a:xfrm>
           <a:prstGeom prst="rect">
             <a:avLst/>
@@ -5277,10 +5259,10 @@
           <a:lstStyle/>
           <a:p>
             <a:r>
-              <a:rPr lang="zh-CN" altLang="en-US" sz="1600" dirty="0" smtClean="0"/>
-              <a:t>悬牌   宝</a:t>
-            </a:r>
-            <a:endParaRPr lang="en-US" altLang="zh-CN" sz="1600" dirty="0" smtClean="0"/>
+              <a:rPr lang="zh-CN" altLang="en-US" sz="1600" dirty="0"/>
+              <a:t>打牌  立直</a:t>
+            </a:r>
+            <a:endParaRPr lang="en-US" altLang="zh-CN" sz="1600" dirty="0"/>
           </a:p>
         </p:txBody>
       </p:sp>
@@ -5359,7 +5341,7 @@
                     <a:lstStyle/>
                     <a:p>
                       <a:r>
-                        <a:rPr lang="en-US" altLang="zh-CN" dirty="0" smtClean="0"/>
+                        <a:rPr lang="en-US" altLang="zh-CN" dirty="0"/>
                         <a:t>1</a:t>
                       </a:r>
                       <a:endParaRPr lang="zh-CN" altLang="en-US" dirty="0"/>
@@ -5373,7 +5355,7 @@
                     <a:lstStyle/>
                     <a:p>
                       <a:r>
-                        <a:rPr lang="en-US" altLang="zh-CN" dirty="0" smtClean="0"/>
+                        <a:rPr lang="en-US" altLang="zh-CN" dirty="0"/>
                         <a:t>0</a:t>
                       </a:r>
                       <a:endParaRPr lang="zh-CN" altLang="en-US" dirty="0"/>
@@ -5387,7 +5369,7 @@
                     <a:lstStyle/>
                     <a:p>
                       <a:r>
-                        <a:rPr lang="en-US" altLang="zh-CN" dirty="0" smtClean="0"/>
+                        <a:rPr lang="en-US" altLang="zh-CN" dirty="0"/>
                         <a:t>0</a:t>
                       </a:r>
                       <a:endParaRPr lang="zh-CN" altLang="en-US" dirty="0"/>
@@ -5401,7 +5383,7 @@
                     <a:lstStyle/>
                     <a:p>
                       <a:r>
-                        <a:rPr lang="en-US" altLang="zh-CN" dirty="0" smtClean="0"/>
+                        <a:rPr lang="en-US" altLang="zh-CN" dirty="0"/>
                         <a:t>0</a:t>
                       </a:r>
                       <a:endParaRPr lang="zh-CN" altLang="en-US" dirty="0"/>
@@ -5415,7 +5397,7 @@
                     <a:lstStyle/>
                     <a:p>
                       <a:r>
-                        <a:rPr lang="en-US" altLang="zh-CN" dirty="0" smtClean="0"/>
+                        <a:rPr lang="en-US" altLang="zh-CN" dirty="0"/>
                         <a:t>0</a:t>
                       </a:r>
                       <a:endParaRPr lang="zh-CN" altLang="en-US" dirty="0"/>
@@ -5429,7 +5411,7 @@
                     <a:lstStyle/>
                     <a:p>
                       <a:r>
-                        <a:rPr lang="en-US" altLang="zh-CN" dirty="0" smtClean="0"/>
+                        <a:rPr lang="en-US" altLang="zh-CN" dirty="0"/>
                         <a:t>0</a:t>
                       </a:r>
                       <a:endParaRPr lang="zh-CN" altLang="en-US" dirty="0"/>
@@ -5450,7 +5432,7 @@
                     <a:lstStyle/>
                     <a:p>
                       <a:r>
-                        <a:rPr lang="en-US" altLang="zh-CN" dirty="0" smtClean="0"/>
+                        <a:rPr lang="en-US" altLang="zh-CN" dirty="0"/>
                         <a:t>1</a:t>
                       </a:r>
                       <a:endParaRPr lang="zh-CN" altLang="en-US" dirty="0"/>
@@ -5464,7 +5446,7 @@
                     <a:lstStyle/>
                     <a:p>
                       <a:r>
-                        <a:rPr lang="en-US" altLang="zh-CN" dirty="0" smtClean="0"/>
+                        <a:rPr lang="en-US" altLang="zh-CN" dirty="0"/>
                         <a:t>0</a:t>
                       </a:r>
                       <a:endParaRPr lang="zh-CN" altLang="en-US" dirty="0"/>
@@ -5478,7 +5460,7 @@
                     <a:lstStyle/>
                     <a:p>
                       <a:r>
-                        <a:rPr lang="en-US" altLang="zh-CN" dirty="0" smtClean="0"/>
+                        <a:rPr lang="en-US" altLang="zh-CN" dirty="0"/>
                         <a:t>0</a:t>
                       </a:r>
                       <a:endParaRPr lang="zh-CN" altLang="en-US" dirty="0"/>
@@ -5492,7 +5474,7 @@
                     <a:lstStyle/>
                     <a:p>
                       <a:r>
-                        <a:rPr lang="en-US" altLang="zh-CN" dirty="0" smtClean="0"/>
+                        <a:rPr lang="en-US" altLang="zh-CN" dirty="0"/>
                         <a:t>0</a:t>
                       </a:r>
                       <a:endParaRPr lang="zh-CN" altLang="en-US" dirty="0"/>
@@ -5506,7 +5488,7 @@
                     <a:lstStyle/>
                     <a:p>
                       <a:r>
-                        <a:rPr lang="en-US" altLang="zh-CN" dirty="0" smtClean="0"/>
+                        <a:rPr lang="en-US" altLang="zh-CN" dirty="0"/>
                         <a:t>1</a:t>
                       </a:r>
                       <a:endParaRPr lang="zh-CN" altLang="en-US" dirty="0"/>
@@ -5520,7 +5502,7 @@
                     <a:lstStyle/>
                     <a:p>
                       <a:r>
-                        <a:rPr lang="en-US" altLang="zh-CN" dirty="0" smtClean="0"/>
+                        <a:rPr lang="en-US" altLang="zh-CN" dirty="0"/>
                         <a:t>1</a:t>
                       </a:r>
                       <a:endParaRPr lang="zh-CN" altLang="en-US" dirty="0"/>
@@ -5541,164 +5523,164 @@
                     <a:lstStyle/>
                     <a:p>
                       <a:r>
-                        <a:rPr lang="zh-CN" altLang="en-US" dirty="0" smtClean="0"/>
+                        <a:rPr lang="zh-CN" altLang="en-US" dirty="0"/>
                         <a:t>。</a:t>
                       </a:r>
-                      <a:endParaRPr lang="en-US" altLang="zh-CN" dirty="0" smtClean="0"/>
-                    </a:p>
-                    <a:p>
-                      <a:r>
-                        <a:rPr lang="zh-CN" altLang="en-US" dirty="0" smtClean="0"/>
+                      <a:endParaRPr lang="en-US" altLang="zh-CN" dirty="0"/>
+                    </a:p>
+                    <a:p>
+                      <a:r>
+                        <a:rPr lang="zh-CN" altLang="en-US" dirty="0"/>
                         <a:t>。</a:t>
                       </a:r>
-                      <a:endParaRPr lang="en-US" altLang="zh-CN" dirty="0" smtClean="0"/>
-                    </a:p>
-                    <a:p>
-                      <a:r>
-                        <a:rPr lang="zh-CN" altLang="en-US" dirty="0" smtClean="0"/>
+                      <a:endParaRPr lang="en-US" altLang="zh-CN" dirty="0"/>
+                    </a:p>
+                    <a:p>
+                      <a:r>
+                        <a:rPr lang="zh-CN" altLang="en-US" dirty="0"/>
                         <a:t>。</a:t>
                       </a:r>
-                      <a:endParaRPr lang="en-US" altLang="zh-CN" dirty="0" smtClean="0"/>
-                    </a:p>
-                  </a:txBody>
-                  <a:tcPr/>
-                </a:tc>
-                <a:tc>
-                  <a:txBody>
-                    <a:bodyPr/>
-                    <a:lstStyle/>
-                    <a:p>
-                      <a:r>
-                        <a:rPr lang="zh-CN" altLang="en-US" dirty="0" smtClean="0"/>
+                      <a:endParaRPr lang="en-US" altLang="zh-CN" dirty="0"/>
+                    </a:p>
+                  </a:txBody>
+                  <a:tcPr/>
+                </a:tc>
+                <a:tc>
+                  <a:txBody>
+                    <a:bodyPr/>
+                    <a:lstStyle/>
+                    <a:p>
+                      <a:r>
+                        <a:rPr lang="zh-CN" altLang="en-US" dirty="0"/>
                         <a:t>。</a:t>
                       </a:r>
-                      <a:endParaRPr lang="en-US" altLang="zh-CN" dirty="0" smtClean="0"/>
-                    </a:p>
-                    <a:p>
-                      <a:r>
-                        <a:rPr lang="zh-CN" altLang="en-US" dirty="0" smtClean="0"/>
+                      <a:endParaRPr lang="en-US" altLang="zh-CN" dirty="0"/>
+                    </a:p>
+                    <a:p>
+                      <a:r>
+                        <a:rPr lang="zh-CN" altLang="en-US" dirty="0"/>
                         <a:t>。</a:t>
                       </a:r>
-                      <a:endParaRPr lang="en-US" altLang="zh-CN" dirty="0" smtClean="0"/>
-                    </a:p>
-                    <a:p>
-                      <a:r>
-                        <a:rPr lang="zh-CN" altLang="en-US" dirty="0" smtClean="0"/>
+                      <a:endParaRPr lang="en-US" altLang="zh-CN" dirty="0"/>
+                    </a:p>
+                    <a:p>
+                      <a:r>
+                        <a:rPr lang="zh-CN" altLang="en-US" dirty="0"/>
                         <a:t>。</a:t>
                       </a:r>
-                      <a:endParaRPr lang="en-US" altLang="zh-CN" dirty="0" smtClean="0"/>
-                    </a:p>
-                  </a:txBody>
-                  <a:tcPr/>
-                </a:tc>
-                <a:tc>
-                  <a:txBody>
-                    <a:bodyPr/>
-                    <a:lstStyle/>
-                    <a:p>
-                      <a:r>
-                        <a:rPr lang="zh-CN" altLang="en-US" dirty="0" smtClean="0"/>
+                      <a:endParaRPr lang="en-US" altLang="zh-CN" dirty="0"/>
+                    </a:p>
+                  </a:txBody>
+                  <a:tcPr/>
+                </a:tc>
+                <a:tc>
+                  <a:txBody>
+                    <a:bodyPr/>
+                    <a:lstStyle/>
+                    <a:p>
+                      <a:r>
+                        <a:rPr lang="zh-CN" altLang="en-US" dirty="0"/>
                         <a:t>。</a:t>
                       </a:r>
-                      <a:endParaRPr lang="en-US" altLang="zh-CN" dirty="0" smtClean="0"/>
-                    </a:p>
-                    <a:p>
-                      <a:r>
-                        <a:rPr lang="zh-CN" altLang="en-US" dirty="0" smtClean="0"/>
+                      <a:endParaRPr lang="en-US" altLang="zh-CN" dirty="0"/>
+                    </a:p>
+                    <a:p>
+                      <a:r>
+                        <a:rPr lang="zh-CN" altLang="en-US" dirty="0"/>
                         <a:t>。</a:t>
                       </a:r>
-                      <a:endParaRPr lang="en-US" altLang="zh-CN" dirty="0" smtClean="0"/>
-                    </a:p>
-                    <a:p>
-                      <a:r>
-                        <a:rPr lang="zh-CN" altLang="en-US" dirty="0" smtClean="0"/>
+                      <a:endParaRPr lang="en-US" altLang="zh-CN" dirty="0"/>
+                    </a:p>
+                    <a:p>
+                      <a:r>
+                        <a:rPr lang="zh-CN" altLang="en-US" dirty="0"/>
                         <a:t>。</a:t>
                       </a:r>
-                      <a:endParaRPr lang="en-US" altLang="zh-CN" dirty="0" smtClean="0"/>
-                    </a:p>
-                  </a:txBody>
-                  <a:tcPr/>
-                </a:tc>
-                <a:tc>
-                  <a:txBody>
-                    <a:bodyPr/>
-                    <a:lstStyle/>
-                    <a:p>
-                      <a:r>
-                        <a:rPr lang="zh-CN" altLang="en-US" dirty="0" smtClean="0"/>
+                      <a:endParaRPr lang="en-US" altLang="zh-CN" dirty="0"/>
+                    </a:p>
+                  </a:txBody>
+                  <a:tcPr/>
+                </a:tc>
+                <a:tc>
+                  <a:txBody>
+                    <a:bodyPr/>
+                    <a:lstStyle/>
+                    <a:p>
+                      <a:r>
+                        <a:rPr lang="zh-CN" altLang="en-US" dirty="0"/>
                         <a:t>。</a:t>
                       </a:r>
-                      <a:endParaRPr lang="en-US" altLang="zh-CN" dirty="0" smtClean="0"/>
-                    </a:p>
-                    <a:p>
-                      <a:r>
-                        <a:rPr lang="zh-CN" altLang="en-US" dirty="0" smtClean="0"/>
+                      <a:endParaRPr lang="en-US" altLang="zh-CN" dirty="0"/>
+                    </a:p>
+                    <a:p>
+                      <a:r>
+                        <a:rPr lang="zh-CN" altLang="en-US" dirty="0"/>
                         <a:t>。</a:t>
                       </a:r>
-                      <a:endParaRPr lang="en-US" altLang="zh-CN" dirty="0" smtClean="0"/>
-                    </a:p>
-                    <a:p>
-                      <a:r>
-                        <a:rPr lang="zh-CN" altLang="en-US" dirty="0" smtClean="0"/>
+                      <a:endParaRPr lang="en-US" altLang="zh-CN" dirty="0"/>
+                    </a:p>
+                    <a:p>
+                      <a:r>
+                        <a:rPr lang="zh-CN" altLang="en-US" dirty="0"/>
                         <a:t>。</a:t>
                       </a:r>
-                      <a:endParaRPr lang="en-US" altLang="zh-CN" dirty="0" smtClean="0"/>
-                    </a:p>
-                  </a:txBody>
-                  <a:tcPr/>
-                </a:tc>
-                <a:tc>
-                  <a:txBody>
-                    <a:bodyPr/>
-                    <a:lstStyle/>
-                    <a:p>
-                      <a:r>
-                        <a:rPr lang="zh-CN" altLang="en-US" dirty="0" smtClean="0"/>
+                      <a:endParaRPr lang="en-US" altLang="zh-CN" dirty="0"/>
+                    </a:p>
+                  </a:txBody>
+                  <a:tcPr/>
+                </a:tc>
+                <a:tc>
+                  <a:txBody>
+                    <a:bodyPr/>
+                    <a:lstStyle/>
+                    <a:p>
+                      <a:r>
+                        <a:rPr lang="zh-CN" altLang="en-US" dirty="0"/>
                         <a:t>。</a:t>
                       </a:r>
-                      <a:endParaRPr lang="en-US" altLang="zh-CN" dirty="0" smtClean="0"/>
-                    </a:p>
-                    <a:p>
-                      <a:r>
-                        <a:rPr lang="zh-CN" altLang="en-US" dirty="0" smtClean="0"/>
+                      <a:endParaRPr lang="en-US" altLang="zh-CN" dirty="0"/>
+                    </a:p>
+                    <a:p>
+                      <a:r>
+                        <a:rPr lang="zh-CN" altLang="en-US" dirty="0"/>
                         <a:t>。</a:t>
                       </a:r>
-                      <a:endParaRPr lang="en-US" altLang="zh-CN" dirty="0" smtClean="0"/>
-                    </a:p>
-                    <a:p>
-                      <a:r>
-                        <a:rPr lang="zh-CN" altLang="en-US" dirty="0" smtClean="0"/>
+                      <a:endParaRPr lang="en-US" altLang="zh-CN" dirty="0"/>
+                    </a:p>
+                    <a:p>
+                      <a:r>
+                        <a:rPr lang="zh-CN" altLang="en-US" dirty="0"/>
                         <a:t>。</a:t>
                       </a:r>
-                      <a:endParaRPr lang="en-US" altLang="zh-CN" dirty="0" smtClean="0"/>
-                    </a:p>
-                  </a:txBody>
-                  <a:tcPr/>
-                </a:tc>
-                <a:tc>
-                  <a:txBody>
-                    <a:bodyPr/>
-                    <a:lstStyle/>
-                    <a:p>
-                      <a:r>
-                        <a:rPr lang="zh-CN" altLang="en-US" dirty="0" smtClean="0"/>
+                      <a:endParaRPr lang="en-US" altLang="zh-CN" dirty="0"/>
+                    </a:p>
+                  </a:txBody>
+                  <a:tcPr/>
+                </a:tc>
+                <a:tc>
+                  <a:txBody>
+                    <a:bodyPr/>
+                    <a:lstStyle/>
+                    <a:p>
+                      <a:r>
+                        <a:rPr lang="zh-CN" altLang="en-US" dirty="0"/>
                         <a:t>。</a:t>
                       </a:r>
-                      <a:endParaRPr lang="en-US" altLang="zh-CN" dirty="0" smtClean="0"/>
-                    </a:p>
-                    <a:p>
-                      <a:r>
-                        <a:rPr lang="zh-CN" altLang="en-US" dirty="0" smtClean="0"/>
+                      <a:endParaRPr lang="en-US" altLang="zh-CN" dirty="0"/>
+                    </a:p>
+                    <a:p>
+                      <a:r>
+                        <a:rPr lang="zh-CN" altLang="en-US" dirty="0"/>
                         <a:t>。</a:t>
                       </a:r>
-                      <a:endParaRPr lang="en-US" altLang="zh-CN" dirty="0" smtClean="0"/>
-                    </a:p>
-                    <a:p>
-                      <a:r>
-                        <a:rPr lang="zh-CN" altLang="en-US" dirty="0" smtClean="0"/>
+                      <a:endParaRPr lang="en-US" altLang="zh-CN" dirty="0"/>
+                    </a:p>
+                    <a:p>
+                      <a:r>
+                        <a:rPr lang="zh-CN" altLang="en-US" dirty="0"/>
                         <a:t>。</a:t>
                       </a:r>
-                      <a:endParaRPr lang="en-US" altLang="zh-CN" dirty="0" smtClean="0"/>
+                      <a:endParaRPr lang="en-US" altLang="zh-CN" dirty="0"/>
                     </a:p>
                   </a:txBody>
                   <a:tcPr/>
@@ -5716,7 +5698,7 @@
                     <a:lstStyle/>
                     <a:p>
                       <a:r>
-                        <a:rPr lang="en-US" altLang="zh-CN" dirty="0" smtClean="0"/>
+                        <a:rPr lang="en-US" altLang="zh-CN" dirty="0"/>
                         <a:t>1</a:t>
                       </a:r>
                       <a:endParaRPr lang="zh-CN" altLang="en-US" dirty="0"/>
@@ -5730,7 +5712,7 @@
                     <a:lstStyle/>
                     <a:p>
                       <a:r>
-                        <a:rPr lang="en-US" altLang="zh-CN" dirty="0" smtClean="0"/>
+                        <a:rPr lang="en-US" altLang="zh-CN" dirty="0"/>
                         <a:t>1</a:t>
                       </a:r>
                       <a:endParaRPr lang="zh-CN" altLang="en-US" dirty="0"/>
@@ -5744,7 +5726,7 @@
                     <a:lstStyle/>
                     <a:p>
                       <a:r>
-                        <a:rPr lang="en-US" altLang="zh-CN" dirty="0" smtClean="0"/>
+                        <a:rPr lang="en-US" altLang="zh-CN" dirty="0"/>
                         <a:t>0</a:t>
                       </a:r>
                       <a:endParaRPr lang="zh-CN" altLang="en-US" dirty="0"/>
@@ -5758,7 +5740,7 @@
                     <a:lstStyle/>
                     <a:p>
                       <a:r>
-                        <a:rPr lang="en-US" altLang="zh-CN" dirty="0" smtClean="0"/>
+                        <a:rPr lang="en-US" altLang="zh-CN" dirty="0"/>
                         <a:t>0</a:t>
                       </a:r>
                       <a:endParaRPr lang="zh-CN" altLang="en-US" dirty="0"/>
@@ -5772,7 +5754,7 @@
                     <a:lstStyle/>
                     <a:p>
                       <a:r>
-                        <a:rPr lang="en-US" altLang="zh-CN" dirty="0" smtClean="0"/>
+                        <a:rPr lang="en-US" altLang="zh-CN" dirty="0"/>
                         <a:t>0</a:t>
                       </a:r>
                       <a:endParaRPr lang="zh-CN" altLang="en-US" dirty="0"/>
@@ -5786,7 +5768,7 @@
                     <a:lstStyle/>
                     <a:p>
                       <a:r>
-                        <a:rPr lang="en-US" altLang="zh-CN" dirty="0" smtClean="0"/>
+                        <a:rPr lang="en-US" altLang="zh-CN" dirty="0"/>
                         <a:t>0</a:t>
                       </a:r>
                       <a:endParaRPr lang="zh-CN" altLang="en-US" dirty="0"/>
@@ -5807,7 +5789,7 @@
                     <a:lstStyle/>
                     <a:p>
                       <a:r>
-                        <a:rPr lang="en-US" altLang="zh-CN" dirty="0" smtClean="0"/>
+                        <a:rPr lang="en-US" altLang="zh-CN" dirty="0"/>
                         <a:t>0</a:t>
                       </a:r>
                       <a:endParaRPr lang="zh-CN" altLang="en-US" dirty="0"/>
@@ -5821,7 +5803,7 @@
                     <a:lstStyle/>
                     <a:p>
                       <a:r>
-                        <a:rPr lang="en-US" altLang="zh-CN" dirty="0" smtClean="0"/>
+                        <a:rPr lang="en-US" altLang="zh-CN" dirty="0"/>
                         <a:t>0</a:t>
                       </a:r>
                       <a:endParaRPr lang="zh-CN" altLang="en-US" dirty="0"/>
@@ -5835,7 +5817,7 @@
                     <a:lstStyle/>
                     <a:p>
                       <a:r>
-                        <a:rPr lang="en-US" altLang="zh-CN" dirty="0" smtClean="0"/>
+                        <a:rPr lang="en-US" altLang="zh-CN" dirty="0"/>
                         <a:t>0</a:t>
                       </a:r>
                       <a:endParaRPr lang="zh-CN" altLang="en-US" dirty="0"/>
@@ -5849,7 +5831,7 @@
                     <a:lstStyle/>
                     <a:p>
                       <a:r>
-                        <a:rPr lang="en-US" altLang="zh-CN" dirty="0" smtClean="0"/>
+                        <a:rPr lang="en-US" altLang="zh-CN" dirty="0"/>
                         <a:t>0</a:t>
                       </a:r>
                       <a:endParaRPr lang="zh-CN" altLang="en-US" dirty="0"/>
@@ -5863,7 +5845,7 @@
                     <a:lstStyle/>
                     <a:p>
                       <a:r>
-                        <a:rPr lang="en-US" altLang="zh-CN" dirty="0" smtClean="0"/>
+                        <a:rPr lang="en-US" altLang="zh-CN" dirty="0"/>
                         <a:t>0</a:t>
                       </a:r>
                       <a:endParaRPr lang="zh-CN" altLang="en-US" dirty="0"/>
@@ -5877,7 +5859,7 @@
                     <a:lstStyle/>
                     <a:p>
                       <a:r>
-                        <a:rPr lang="en-US" altLang="zh-CN" dirty="0" smtClean="0"/>
+                        <a:rPr lang="en-US" altLang="zh-CN" dirty="0"/>
                         <a:t>0</a:t>
                       </a:r>
                       <a:endParaRPr lang="zh-CN" altLang="en-US" dirty="0"/>
@@ -5918,18 +5900,17 @@
           <a:lstStyle/>
           <a:p>
             <a:r>
-              <a:rPr lang="zh-CN" altLang="en-US" dirty="0" smtClean="0"/>
+              <a:rPr lang="zh-CN" altLang="en-US" dirty="0"/>
               <a:t>副露 </a:t>
             </a:r>
             <a:r>
-              <a:rPr lang="en-US" altLang="zh-CN" dirty="0" smtClean="0"/>
+              <a:rPr lang="en-US" altLang="zh-CN" dirty="0"/>
               <a:t>x4 (</a:t>
             </a:r>
             <a:r>
-              <a:rPr lang="zh-CN" altLang="en-US" dirty="0" smtClean="0"/>
+              <a:rPr lang="zh-CN" altLang="en-US" dirty="0"/>
               <a:t>自己和对手）</a:t>
             </a:r>
-            <a:endParaRPr lang="zh-CN" altLang="en-US" dirty="0"/>
           </a:p>
         </p:txBody>
       </p:sp>
@@ -5942,7 +5923,7 @@
         <p:spPr>
           <a:xfrm>
             <a:off x="6656003" y="6138039"/>
-            <a:ext cx="3591098" cy="276999"/>
+            <a:ext cx="2675779" cy="276999"/>
           </a:xfrm>
           <a:prstGeom prst="rect">
             <a:avLst/>
@@ -5956,62 +5937,37 @@
           <a:lstStyle/>
           <a:p>
             <a:r>
-              <a:rPr lang="en-US" altLang="zh-CN" sz="1200" dirty="0" smtClean="0"/>
+              <a:rPr lang="en-US" altLang="zh-CN" sz="1200" dirty="0"/>
               <a:t>1</a:t>
             </a:r>
             <a:r>
-              <a:rPr lang="zh-CN" altLang="en-US" sz="1200" dirty="0" smtClean="0"/>
+              <a:rPr lang="zh-CN" altLang="en-US" sz="1200" dirty="0"/>
+              <a:t>张   </a:t>
+            </a:r>
+            <a:r>
+              <a:rPr lang="en-US" altLang="zh-CN" sz="1200" dirty="0"/>
+              <a:t>2</a:t>
+            </a:r>
+            <a:r>
+              <a:rPr lang="zh-CN" altLang="en-US" sz="1200" dirty="0"/>
               <a:t>张  </a:t>
             </a:r>
             <a:r>
-              <a:rPr lang="zh-CN" altLang="en-US" sz="1200" dirty="0" smtClean="0"/>
-              <a:t> </a:t>
-            </a:r>
-            <a:r>
-              <a:rPr lang="en-US" altLang="zh-CN" sz="1200" dirty="0" smtClean="0"/>
-              <a:t>2</a:t>
-            </a:r>
-            <a:r>
-              <a:rPr lang="zh-CN" altLang="en-US" sz="1200" dirty="0" smtClean="0"/>
-              <a:t>张 </a:t>
-            </a:r>
-            <a:r>
-              <a:rPr lang="zh-CN" altLang="en-US" sz="1200" dirty="0" smtClean="0"/>
-              <a:t> </a:t>
-            </a:r>
-            <a:r>
-              <a:rPr lang="en-US" altLang="zh-CN" sz="1200" dirty="0" smtClean="0"/>
+              <a:rPr lang="en-US" altLang="zh-CN" sz="1200" dirty="0"/>
               <a:t>3</a:t>
             </a:r>
             <a:r>
-              <a:rPr lang="zh-CN" altLang="en-US" sz="1200" dirty="0" smtClean="0"/>
-              <a:t>张 </a:t>
-            </a:r>
-            <a:r>
-              <a:rPr lang="zh-CN" altLang="en-US" sz="1200" dirty="0" smtClean="0"/>
-              <a:t> </a:t>
-            </a:r>
-            <a:r>
-              <a:rPr lang="en-US" altLang="zh-CN" sz="1200" dirty="0" smtClean="0"/>
+              <a:rPr lang="zh-CN" altLang="en-US" sz="1200" dirty="0"/>
+              <a:t>张  </a:t>
+            </a:r>
+            <a:r>
+              <a:rPr lang="en-US" altLang="zh-CN" sz="1200" dirty="0"/>
               <a:t>4</a:t>
             </a:r>
             <a:r>
-              <a:rPr lang="zh-CN" altLang="en-US" sz="1200" dirty="0" smtClean="0"/>
-              <a:t>张  宝牌</a:t>
-            </a:r>
-            <a:r>
-              <a:rPr lang="zh-CN" altLang="en-US" sz="1200" dirty="0" smtClean="0"/>
-              <a:t>数 </a:t>
-            </a:r>
-            <a:r>
-              <a:rPr lang="zh-CN" altLang="en-US" sz="1200" dirty="0" smtClean="0"/>
-              <a:t>哪张被</a:t>
-            </a:r>
-            <a:r>
-              <a:rPr lang="en-US" altLang="zh-CN" sz="1200" smtClean="0"/>
-              <a:t>chi</a:t>
-            </a:r>
-            <a:endParaRPr lang="zh-CN" altLang="en-US" sz="1200" dirty="0"/>
+              <a:rPr lang="zh-CN" altLang="en-US" sz="1200" dirty="0"/>
+              <a:t>张  宝牌数 哪张被鸣</a:t>
+            </a:r>
           </a:p>
         </p:txBody>
       </p:sp>
@@ -6029,6 +5985,141 @@
 </file>
 
 <file path=ppt/slides/slide3.xml><?xml version="1.0" encoding="utf-8"?>
+<p:sld xmlns:a="http://schemas.openxmlformats.org/drawingml/2006/main" xmlns:r="http://schemas.openxmlformats.org/officeDocument/2006/relationships" xmlns:p="http://schemas.openxmlformats.org/presentationml/2006/main">
+  <p:cSld>
+    <p:spTree>
+      <p:nvGrpSpPr>
+        <p:cNvPr id="1" name=""/>
+        <p:cNvGrpSpPr/>
+        <p:nvPr/>
+      </p:nvGrpSpPr>
+      <p:grpSpPr>
+        <a:xfrm>
+          <a:off x="0" y="0"/>
+          <a:ext cx="0" cy="0"/>
+          <a:chOff x="0" y="0"/>
+          <a:chExt cx="0" cy="0"/>
+        </a:xfrm>
+      </p:grpSpPr>
+      <p:sp>
+        <p:nvSpPr>
+          <p:cNvPr id="2" name="标题 1">
+            <a:extLst>
+              <a:ext uri="{FF2B5EF4-FFF2-40B4-BE49-F238E27FC236}">
+                <a16:creationId xmlns:a16="http://schemas.microsoft.com/office/drawing/2014/main" id="{4771CFD8-D5BD-47E2-9D0B-FF25AAC7529F}"/>
+              </a:ext>
+            </a:extLst>
+          </p:cNvPr>
+          <p:cNvSpPr>
+            <a:spLocks noGrp="1"/>
+          </p:cNvSpPr>
+          <p:nvPr>
+            <p:ph type="title"/>
+          </p:nvPr>
+        </p:nvSpPr>
+        <p:spPr/>
+        <p:txBody>
+          <a:bodyPr/>
+          <a:lstStyle/>
+          <a:p>
+            <a:r>
+              <a:rPr lang="zh-CN" altLang="en-US" dirty="0"/>
+              <a:t>没包含的信息</a:t>
+            </a:r>
+          </a:p>
+        </p:txBody>
+      </p:sp>
+      <p:sp>
+        <p:nvSpPr>
+          <p:cNvPr id="3" name="内容占位符 2">
+            <a:extLst>
+              <a:ext uri="{FF2B5EF4-FFF2-40B4-BE49-F238E27FC236}">
+                <a16:creationId xmlns:a16="http://schemas.microsoft.com/office/drawing/2014/main" id="{3E8F07AA-133D-4D21-9A94-5CB49969801D}"/>
+              </a:ext>
+            </a:extLst>
+          </p:cNvPr>
+          <p:cNvSpPr>
+            <a:spLocks noGrp="1"/>
+          </p:cNvSpPr>
+          <p:nvPr>
+            <p:ph idx="1"/>
+          </p:nvPr>
+        </p:nvSpPr>
+        <p:spPr/>
+        <p:txBody>
+          <a:bodyPr/>
+          <a:lstStyle/>
+          <a:p>
+            <a:r>
+              <a:rPr lang="zh-CN" altLang="en-US" dirty="0"/>
+              <a:t>立直</a:t>
+            </a:r>
+            <a:endParaRPr lang="en-US" altLang="zh-CN" dirty="0"/>
+          </a:p>
+          <a:p>
+            <a:r>
+              <a:rPr lang="zh-CN" altLang="en-US" dirty="0"/>
+              <a:t>庄家</a:t>
+            </a:r>
+            <a:endParaRPr lang="en-US" altLang="zh-CN" dirty="0"/>
+          </a:p>
+          <a:p>
+            <a:r>
+              <a:rPr lang="zh-CN" altLang="en-US" dirty="0"/>
+              <a:t>场</a:t>
+            </a:r>
+            <a:r>
+              <a:rPr lang="zh-CN" altLang="en-US"/>
+              <a:t>上的点棒</a:t>
+            </a:r>
+            <a:endParaRPr lang="zh-CN" altLang="en-US" dirty="0"/>
+          </a:p>
+        </p:txBody>
+      </p:sp>
+    </p:spTree>
+    <p:extLst>
+      <p:ext uri="{BB962C8B-B14F-4D97-AF65-F5344CB8AC3E}">
+        <p14:creationId xmlns:p14="http://schemas.microsoft.com/office/powerpoint/2010/main" val="3530545353"/>
+      </p:ext>
+    </p:extLst>
+  </p:cSld>
+  <p:clrMapOvr>
+    <a:masterClrMapping/>
+  </p:clrMapOvr>
+</p:sld>
+</file>
+
+<file path=ppt/slides/slide4.xml><?xml version="1.0" encoding="utf-8"?>
+<p:sld xmlns:a="http://schemas.openxmlformats.org/drawingml/2006/main" xmlns:r="http://schemas.openxmlformats.org/officeDocument/2006/relationships" xmlns:p="http://schemas.openxmlformats.org/presentationml/2006/main">
+  <p:cSld>
+    <p:spTree>
+      <p:nvGrpSpPr>
+        <p:cNvPr id="1" name=""/>
+        <p:cNvGrpSpPr/>
+        <p:nvPr/>
+      </p:nvGrpSpPr>
+      <p:grpSpPr>
+        <a:xfrm>
+          <a:off x="0" y="0"/>
+          <a:ext cx="0" cy="0"/>
+          <a:chOff x="0" y="0"/>
+          <a:chExt cx="0" cy="0"/>
+        </a:xfrm>
+      </p:grpSpPr>
+    </p:spTree>
+    <p:extLst>
+      <p:ext uri="{BB962C8B-B14F-4D97-AF65-F5344CB8AC3E}">
+        <p14:creationId xmlns:p14="http://schemas.microsoft.com/office/powerpoint/2010/main" val="4273926949"/>
+      </p:ext>
+    </p:extLst>
+  </p:cSld>
+  <p:clrMapOvr>
+    <a:masterClrMapping/>
+  </p:clrMapOvr>
+</p:sld>
+</file>
+
+<file path=ppt/slides/slide5.xml><?xml version="1.0" encoding="utf-8"?>
 <p:sld xmlns:a="http://schemas.openxmlformats.org/drawingml/2006/main" xmlns:r="http://schemas.openxmlformats.org/officeDocument/2006/relationships" xmlns:p="http://schemas.openxmlformats.org/presentationml/2006/main">
   <p:cSld>
     <p:spTree>
@@ -6099,7 +6190,7 @@
                     <a:lstStyle/>
                     <a:p>
                       <a:r>
-                        <a:rPr lang="en-US" altLang="zh-CN" dirty="0" smtClean="0"/>
+                        <a:rPr lang="en-US" altLang="zh-CN" dirty="0"/>
                         <a:t>Description</a:t>
                       </a:r>
                       <a:endParaRPr lang="zh-CN" altLang="en-US" dirty="0"/>
@@ -6113,7 +6204,7 @@
                     <a:lstStyle/>
                     <a:p>
                       <a:r>
-                        <a:rPr lang="en-US" altLang="zh-CN" dirty="0" smtClean="0"/>
+                        <a:rPr lang="en-US" altLang="zh-CN" dirty="0"/>
                         <a:t>Size</a:t>
                       </a:r>
                       <a:endParaRPr lang="zh-CN" altLang="en-US" dirty="0"/>
@@ -6127,7 +6218,7 @@
                     <a:lstStyle/>
                     <a:p>
                       <a:r>
-                        <a:rPr lang="en-US" altLang="zh-CN" dirty="0" smtClean="0"/>
+                        <a:rPr lang="en-US" altLang="zh-CN" dirty="0"/>
                         <a:t>Value</a:t>
                       </a:r>
                       <a:endParaRPr lang="zh-CN" altLang="en-US" dirty="0"/>
@@ -6148,21 +6239,20 @@
                     <a:lstStyle/>
                     <a:p>
                       <a:r>
-                        <a:rPr lang="zh-CN" altLang="en-US" dirty="0" smtClean="0"/>
+                        <a:rPr lang="zh-CN" altLang="en-US" dirty="0"/>
                         <a:t>立直</a:t>
                       </a:r>
-                      <a:endParaRPr lang="zh-CN" altLang="en-US" dirty="0"/>
-                    </a:p>
-                  </a:txBody>
-                  <a:tcPr/>
-                </a:tc>
-                <a:tc>
-                  <a:txBody>
-                    <a:bodyPr/>
-                    <a:lstStyle/>
-                    <a:p>
-                      <a:r>
-                        <a:rPr lang="en-US" altLang="zh-CN" dirty="0" smtClean="0"/>
+                    </a:p>
+                  </a:txBody>
+                  <a:tcPr/>
+                </a:tc>
+                <a:tc>
+                  <a:txBody>
+                    <a:bodyPr/>
+                    <a:lstStyle/>
+                    <a:p>
+                      <a:r>
+                        <a:rPr lang="en-US" altLang="zh-CN" dirty="0"/>
                         <a:t>4</a:t>
                       </a:r>
                       <a:endParaRPr lang="zh-CN" altLang="en-US" dirty="0"/>
@@ -6176,11 +6266,11 @@
                     <a:lstStyle/>
                     <a:p>
                       <a:r>
-                        <a:rPr lang="en-US" altLang="zh-CN" dirty="0" smtClean="0"/>
+                        <a:rPr lang="en-US" altLang="zh-CN" dirty="0"/>
                         <a:t>0 or</a:t>
                       </a:r>
                       <a:r>
-                        <a:rPr lang="en-US" altLang="zh-CN" baseline="0" dirty="0" smtClean="0"/>
+                        <a:rPr lang="en-US" altLang="zh-CN" baseline="0" dirty="0"/>
                         <a:t> 1</a:t>
                       </a:r>
                       <a:endParaRPr lang="zh-CN" altLang="en-US" dirty="0"/>
@@ -6201,21 +6291,20 @@
                     <a:lstStyle/>
                     <a:p>
                       <a:r>
-                        <a:rPr lang="zh-CN" altLang="en-US" dirty="0" smtClean="0"/>
+                        <a:rPr lang="zh-CN" altLang="en-US" dirty="0"/>
                         <a:t>双立直</a:t>
                       </a:r>
-                      <a:endParaRPr lang="zh-CN" altLang="en-US" dirty="0"/>
-                    </a:p>
-                  </a:txBody>
-                  <a:tcPr/>
-                </a:tc>
-                <a:tc>
-                  <a:txBody>
-                    <a:bodyPr/>
-                    <a:lstStyle/>
-                    <a:p>
-                      <a:r>
-                        <a:rPr lang="en-US" altLang="zh-CN" dirty="0" smtClean="0"/>
+                    </a:p>
+                  </a:txBody>
+                  <a:tcPr/>
+                </a:tc>
+                <a:tc>
+                  <a:txBody>
+                    <a:bodyPr/>
+                    <a:lstStyle/>
+                    <a:p>
+                      <a:r>
+                        <a:rPr lang="en-US" altLang="zh-CN" dirty="0"/>
                         <a:t>4</a:t>
                       </a:r>
                       <a:endParaRPr lang="zh-CN" altLang="en-US" dirty="0"/>
@@ -6246,14 +6335,14 @@
                         <a:defRPr/>
                       </a:pPr>
                       <a:r>
-                        <a:rPr lang="en-US" altLang="zh-CN" dirty="0" smtClean="0"/>
+                        <a:rPr lang="en-US" altLang="zh-CN" dirty="0"/>
                         <a:t>0 or</a:t>
                       </a:r>
                       <a:r>
-                        <a:rPr lang="en-US" altLang="zh-CN" baseline="0" dirty="0" smtClean="0"/>
+                        <a:rPr lang="en-US" altLang="zh-CN" baseline="0" dirty="0"/>
                         <a:t> 1</a:t>
                       </a:r>
-                      <a:endParaRPr lang="zh-CN" altLang="en-US" dirty="0" smtClean="0"/>
+                      <a:endParaRPr lang="zh-CN" altLang="en-US" dirty="0"/>
                     </a:p>
                   </a:txBody>
                   <a:tcPr/>
@@ -6271,7 +6360,7 @@
                     <a:lstStyle/>
                     <a:p>
                       <a:r>
-                        <a:rPr lang="ja-JP" altLang="en-US" dirty="0" smtClean="0"/>
+                        <a:rPr lang="ja-JP" altLang="en-US" dirty="0"/>
                         <a:t>一発</a:t>
                       </a:r>
                       <a:endParaRPr lang="zh-CN" altLang="en-US" dirty="0"/>
@@ -6285,7 +6374,7 @@
                     <a:lstStyle/>
                     <a:p>
                       <a:r>
-                        <a:rPr lang="en-US" altLang="zh-CN" dirty="0" smtClean="0"/>
+                        <a:rPr lang="en-US" altLang="zh-CN" dirty="0"/>
                         <a:t>4</a:t>
                       </a:r>
                       <a:endParaRPr lang="zh-CN" altLang="en-US" dirty="0"/>
@@ -6299,7 +6388,7 @@
                     <a:lstStyle/>
                     <a:p>
                       <a:r>
-                        <a:rPr lang="en-US" altLang="zh-CN" dirty="0" smtClean="0"/>
+                        <a:rPr lang="en-US" altLang="zh-CN" dirty="0"/>
                         <a:t>0 or 1</a:t>
                       </a:r>
                       <a:endParaRPr lang="zh-CN" altLang="en-US" dirty="0"/>
@@ -6320,21 +6409,20 @@
                     <a:lstStyle/>
                     <a:p>
                       <a:r>
-                        <a:rPr lang="zh-CN" altLang="en-US" dirty="0" smtClean="0"/>
+                        <a:rPr lang="zh-CN" altLang="en-US" dirty="0"/>
                         <a:t>庄家</a:t>
                       </a:r>
-                      <a:endParaRPr lang="zh-CN" altLang="en-US" dirty="0"/>
-                    </a:p>
-                  </a:txBody>
-                  <a:tcPr/>
-                </a:tc>
-                <a:tc>
-                  <a:txBody>
-                    <a:bodyPr/>
-                    <a:lstStyle/>
-                    <a:p>
-                      <a:r>
-                        <a:rPr lang="en-US" altLang="zh-CN" dirty="0" smtClean="0"/>
+                    </a:p>
+                  </a:txBody>
+                  <a:tcPr/>
+                </a:tc>
+                <a:tc>
+                  <a:txBody>
+                    <a:bodyPr/>
+                    <a:lstStyle/>
+                    <a:p>
+                      <a:r>
+                        <a:rPr lang="en-US" altLang="zh-CN" dirty="0"/>
                         <a:t>4</a:t>
                       </a:r>
                       <a:endParaRPr lang="zh-CN" altLang="en-US" dirty="0"/>
@@ -6348,11 +6436,11 @@
                     <a:lstStyle/>
                     <a:p>
                       <a:r>
-                        <a:rPr lang="en-US" altLang="zh-CN" dirty="0" smtClean="0"/>
+                        <a:rPr lang="en-US" altLang="zh-CN" dirty="0"/>
                         <a:t>0</a:t>
                       </a:r>
                       <a:r>
-                        <a:rPr lang="en-US" altLang="zh-CN" baseline="0" dirty="0" smtClean="0"/>
+                        <a:rPr lang="en-US" altLang="zh-CN" baseline="0" dirty="0"/>
                         <a:t> or 1</a:t>
                       </a:r>
                       <a:endParaRPr lang="zh-CN" altLang="en-US" dirty="0"/>
@@ -6373,21 +6461,20 @@
                     <a:lstStyle/>
                     <a:p>
                       <a:r>
-                        <a:rPr lang="zh-CN" altLang="en-US" dirty="0" smtClean="0"/>
+                        <a:rPr lang="zh-CN" altLang="en-US" dirty="0"/>
                         <a:t>门清</a:t>
                       </a:r>
-                      <a:endParaRPr lang="zh-CN" altLang="en-US" dirty="0"/>
-                    </a:p>
-                  </a:txBody>
-                  <a:tcPr/>
-                </a:tc>
-                <a:tc>
-                  <a:txBody>
-                    <a:bodyPr/>
-                    <a:lstStyle/>
-                    <a:p>
-                      <a:r>
-                        <a:rPr lang="en-US" altLang="zh-CN" dirty="0" smtClean="0"/>
+                    </a:p>
+                  </a:txBody>
+                  <a:tcPr/>
+                </a:tc>
+                <a:tc>
+                  <a:txBody>
+                    <a:bodyPr/>
+                    <a:lstStyle/>
+                    <a:p>
+                      <a:r>
+                        <a:rPr lang="en-US" altLang="zh-CN" dirty="0"/>
                         <a:t>4</a:t>
                       </a:r>
                       <a:endParaRPr lang="zh-CN" altLang="en-US" dirty="0"/>
@@ -6401,7 +6488,7 @@
                     <a:lstStyle/>
                     <a:p>
                       <a:r>
-                        <a:rPr lang="en-US" altLang="zh-CN" dirty="0" smtClean="0"/>
+                        <a:rPr lang="en-US" altLang="zh-CN" dirty="0"/>
                         <a:t>0 or 1</a:t>
                       </a:r>
                       <a:endParaRPr lang="zh-CN" altLang="en-US" dirty="0"/>
@@ -6422,21 +6509,20 @@
                     <a:lstStyle/>
                     <a:p>
                       <a:r>
-                        <a:rPr lang="zh-CN" altLang="en-US" dirty="0" smtClean="0"/>
+                        <a:rPr lang="zh-CN" altLang="en-US" dirty="0"/>
                         <a:t>各家手牌数</a:t>
                       </a:r>
-                      <a:endParaRPr lang="zh-CN" altLang="en-US" dirty="0"/>
-                    </a:p>
-                  </a:txBody>
-                  <a:tcPr/>
-                </a:tc>
-                <a:tc>
-                  <a:txBody>
-                    <a:bodyPr/>
-                    <a:lstStyle/>
-                    <a:p>
-                      <a:r>
-                        <a:rPr lang="en-US" altLang="zh-CN" dirty="0" smtClean="0"/>
+                    </a:p>
+                  </a:txBody>
+                  <a:tcPr/>
+                </a:tc>
+                <a:tc>
+                  <a:txBody>
+                    <a:bodyPr/>
+                    <a:lstStyle/>
+                    <a:p>
+                      <a:r>
+                        <a:rPr lang="en-US" altLang="zh-CN" dirty="0"/>
                         <a:t>4</a:t>
                       </a:r>
                       <a:endParaRPr lang="zh-CN" altLang="en-US" dirty="0"/>
@@ -6450,11 +6536,11 @@
                     <a:lstStyle/>
                     <a:p>
                       <a:r>
-                        <a:rPr lang="zh-CN" altLang="en-US" dirty="0" smtClean="0"/>
+                        <a:rPr lang="zh-CN" altLang="en-US" dirty="0"/>
                         <a:t>手牌数</a:t>
                       </a:r>
                       <a:r>
-                        <a:rPr lang="en-US" altLang="zh-CN" dirty="0" smtClean="0"/>
+                        <a:rPr lang="en-US" altLang="zh-CN" dirty="0"/>
                         <a:t>/13</a:t>
                       </a:r>
                       <a:endParaRPr lang="zh-CN" altLang="en-US" dirty="0"/>
@@ -6475,21 +6561,20 @@
                     <a:lstStyle/>
                     <a:p>
                       <a:r>
-                        <a:rPr lang="zh-CN" altLang="en-US" dirty="0" smtClean="0"/>
+                        <a:rPr lang="zh-CN" altLang="en-US" dirty="0"/>
                         <a:t>巡数</a:t>
                       </a:r>
-                      <a:endParaRPr lang="zh-CN" altLang="en-US" dirty="0"/>
-                    </a:p>
-                  </a:txBody>
-                  <a:tcPr/>
-                </a:tc>
-                <a:tc>
-                  <a:txBody>
-                    <a:bodyPr/>
-                    <a:lstStyle/>
-                    <a:p>
-                      <a:r>
-                        <a:rPr lang="en-US" altLang="zh-CN" dirty="0" smtClean="0"/>
+                    </a:p>
+                  </a:txBody>
+                  <a:tcPr/>
+                </a:tc>
+                <a:tc>
+                  <a:txBody>
+                    <a:bodyPr/>
+                    <a:lstStyle/>
+                    <a:p>
+                      <a:r>
+                        <a:rPr lang="en-US" altLang="zh-CN" dirty="0"/>
                         <a:t>1</a:t>
                       </a:r>
                       <a:endParaRPr lang="zh-CN" altLang="en-US" dirty="0"/>
@@ -6503,11 +6588,11 @@
                     <a:lstStyle/>
                     <a:p>
                       <a:r>
-                        <a:rPr lang="zh-CN" altLang="en-US" dirty="0" smtClean="0"/>
+                        <a:rPr lang="zh-CN" altLang="en-US" dirty="0"/>
                         <a:t>巡数</a:t>
                       </a:r>
                       <a:r>
-                        <a:rPr lang="en-US" altLang="zh-CN" dirty="0" smtClean="0"/>
+                        <a:rPr lang="en-US" altLang="zh-CN" dirty="0"/>
                         <a:t>/18</a:t>
                       </a:r>
                       <a:endParaRPr lang="zh-CN" altLang="en-US" dirty="0"/>
@@ -6528,21 +6613,20 @@
                     <a:lstStyle/>
                     <a:p>
                       <a:r>
-                        <a:rPr lang="zh-CN" altLang="en-US" dirty="0" smtClean="0"/>
+                        <a:rPr lang="zh-CN" altLang="en-US" dirty="0"/>
                         <a:t>牌山剩余牌数</a:t>
                       </a:r>
-                      <a:endParaRPr lang="zh-CN" altLang="en-US" dirty="0"/>
-                    </a:p>
-                  </a:txBody>
-                  <a:tcPr/>
-                </a:tc>
-                <a:tc>
-                  <a:txBody>
-                    <a:bodyPr/>
-                    <a:lstStyle/>
-                    <a:p>
-                      <a:r>
-                        <a:rPr lang="en-US" altLang="zh-CN" dirty="0" smtClean="0"/>
+                    </a:p>
+                  </a:txBody>
+                  <a:tcPr/>
+                </a:tc>
+                <a:tc>
+                  <a:txBody>
+                    <a:bodyPr/>
+                    <a:lstStyle/>
+                    <a:p>
+                      <a:r>
+                        <a:rPr lang="en-US" altLang="zh-CN" dirty="0"/>
                         <a:t>1</a:t>
                       </a:r>
                       <a:endParaRPr lang="zh-CN" altLang="en-US" dirty="0"/>
@@ -6556,11 +6640,11 @@
                     <a:lstStyle/>
                     <a:p>
                       <a:r>
-                        <a:rPr lang="zh-CN" altLang="en-US" dirty="0" smtClean="0"/>
+                        <a:rPr lang="zh-CN" altLang="en-US" dirty="0"/>
                         <a:t>剩余牌数</a:t>
                       </a:r>
                       <a:r>
-                        <a:rPr lang="en-US" altLang="zh-CN" dirty="0" smtClean="0"/>
+                        <a:rPr lang="en-US" altLang="zh-CN" dirty="0"/>
                         <a:t>/72</a:t>
                       </a:r>
                       <a:endParaRPr lang="zh-CN" altLang="en-US" dirty="0"/>
@@ -6581,21 +6665,20 @@
                     <a:lstStyle/>
                     <a:p>
                       <a:r>
-                        <a:rPr lang="zh-CN" altLang="en-US" dirty="0" smtClean="0"/>
+                        <a:rPr lang="zh-CN" altLang="en-US" dirty="0"/>
                         <a:t>全局杠数</a:t>
                       </a:r>
-                      <a:endParaRPr lang="zh-CN" altLang="en-US" dirty="0"/>
-                    </a:p>
-                  </a:txBody>
-                  <a:tcPr/>
-                </a:tc>
-                <a:tc>
-                  <a:txBody>
-                    <a:bodyPr/>
-                    <a:lstStyle/>
-                    <a:p>
-                      <a:r>
-                        <a:rPr lang="en-US" altLang="zh-CN" dirty="0" smtClean="0"/>
+                    </a:p>
+                  </a:txBody>
+                  <a:tcPr/>
+                </a:tc>
+                <a:tc>
+                  <a:txBody>
+                    <a:bodyPr/>
+                    <a:lstStyle/>
+                    <a:p>
+                      <a:r>
+                        <a:rPr lang="en-US" altLang="zh-CN" dirty="0"/>
                         <a:t>1</a:t>
                       </a:r>
                       <a:endParaRPr lang="zh-CN" altLang="en-US" dirty="0"/>
@@ -6626,11 +6709,11 @@
                         <a:defRPr/>
                       </a:pPr>
                       <a:r>
-                        <a:rPr lang="zh-CN" altLang="en-US" dirty="0" smtClean="0"/>
+                        <a:rPr lang="zh-CN" altLang="en-US" dirty="0"/>
                         <a:t>杠数</a:t>
                       </a:r>
                       <a:r>
-                        <a:rPr lang="en-US" altLang="zh-CN" dirty="0" smtClean="0"/>
+                        <a:rPr lang="en-US" altLang="zh-CN" dirty="0"/>
                         <a:t>/4</a:t>
                       </a:r>
                       <a:endParaRPr lang="zh-CN" altLang="en-US" dirty="0"/>
@@ -6651,21 +6734,20 @@
                     <a:lstStyle/>
                     <a:p>
                       <a:r>
-                        <a:rPr lang="zh-CN" altLang="en-US" dirty="0" smtClean="0"/>
+                        <a:rPr lang="zh-CN" altLang="en-US" dirty="0"/>
                         <a:t>是否第一回合</a:t>
                       </a:r>
-                      <a:endParaRPr lang="zh-CN" altLang="en-US" dirty="0"/>
-                    </a:p>
-                  </a:txBody>
-                  <a:tcPr/>
-                </a:tc>
-                <a:tc>
-                  <a:txBody>
-                    <a:bodyPr/>
-                    <a:lstStyle/>
-                    <a:p>
-                      <a:r>
-                        <a:rPr lang="en-US" altLang="zh-CN" dirty="0" smtClean="0"/>
+                    </a:p>
+                  </a:txBody>
+                  <a:tcPr/>
+                </a:tc>
+                <a:tc>
+                  <a:txBody>
+                    <a:bodyPr/>
+                    <a:lstStyle/>
+                    <a:p>
+                      <a:r>
+                        <a:rPr lang="en-US" altLang="zh-CN" dirty="0"/>
                         <a:t>1</a:t>
                       </a:r>
                       <a:endParaRPr lang="zh-CN" altLang="en-US" dirty="0"/>
@@ -6679,7 +6761,7 @@
                     <a:lstStyle/>
                     <a:p>
                       <a:r>
-                        <a:rPr lang="en-US" altLang="zh-CN" dirty="0" smtClean="0"/>
+                        <a:rPr lang="en-US" altLang="zh-CN" dirty="0"/>
                         <a:t>0 or 1</a:t>
                       </a:r>
                       <a:endParaRPr lang="zh-CN" altLang="en-US" dirty="0"/>
@@ -6700,21 +6782,20 @@
                     <a:lstStyle/>
                     <a:p>
                       <a:r>
-                        <a:rPr lang="zh-CN" altLang="en-US" dirty="0" smtClean="0"/>
+                        <a:rPr lang="zh-CN" altLang="en-US" dirty="0"/>
                         <a:t>自己和了</a:t>
                       </a:r>
-                      <a:endParaRPr lang="zh-CN" altLang="en-US" dirty="0"/>
-                    </a:p>
-                  </a:txBody>
-                  <a:tcPr/>
-                </a:tc>
-                <a:tc>
-                  <a:txBody>
-                    <a:bodyPr/>
-                    <a:lstStyle/>
-                    <a:p>
-                      <a:r>
-                        <a:rPr lang="en-US" altLang="zh-CN" dirty="0" smtClean="0"/>
+                    </a:p>
+                  </a:txBody>
+                  <a:tcPr/>
+                </a:tc>
+                <a:tc>
+                  <a:txBody>
+                    <a:bodyPr/>
+                    <a:lstStyle/>
+                    <a:p>
+                      <a:r>
+                        <a:rPr lang="en-US" altLang="zh-CN" dirty="0"/>
                         <a:t>1</a:t>
                       </a:r>
                       <a:endParaRPr lang="zh-CN" altLang="en-US" dirty="0"/>
@@ -6728,7 +6809,7 @@
                     <a:lstStyle/>
                     <a:p>
                       <a:r>
-                        <a:rPr lang="en-US" altLang="zh-CN" dirty="0" smtClean="0"/>
+                        <a:rPr lang="en-US" altLang="zh-CN" dirty="0"/>
                         <a:t>0 or 1</a:t>
                       </a:r>
                       <a:endParaRPr lang="zh-CN" altLang="en-US" dirty="0"/>
@@ -6769,7 +6850,7 @@
           <a:lstStyle/>
           <a:p>
             <a:r>
-              <a:rPr lang="en-US" altLang="zh-CN" sz="2400" b="1" dirty="0" smtClean="0">
+              <a:rPr lang="en-US" altLang="zh-CN" sz="2400" b="1" dirty="0">
                 <a:solidFill>
                   <a:schemeClr val="accent5"/>
                 </a:solidFill>
@@ -6821,7 +6902,7 @@
           <a:p>
             <a:pPr algn="ctr"/>
             <a:r>
-              <a:rPr lang="en-US" altLang="zh-CN" sz="2400" b="1" dirty="0" smtClean="0"/>
+              <a:rPr lang="en-US" altLang="zh-CN" sz="2400" b="1" dirty="0"/>
               <a:t>Conv1D</a:t>
             </a:r>
             <a:endParaRPr lang="zh-CN" altLang="en-US" sz="2400" b="1" dirty="0"/>
@@ -6865,7 +6946,7 @@
           <a:p>
             <a:pPr algn="ctr"/>
             <a:r>
-              <a:rPr lang="en-US" altLang="zh-CN" sz="2000" dirty="0" smtClean="0"/>
+              <a:rPr lang="en-US" altLang="zh-CN" sz="2000" dirty="0"/>
               <a:t>Matrix Features</a:t>
             </a:r>
             <a:endParaRPr lang="zh-CN" altLang="en-US" sz="2000" dirty="0"/>
@@ -6994,7 +7075,7 @@
           <a:p>
             <a:pPr algn="ctr"/>
             <a:r>
-              <a:rPr lang="en-US" altLang="zh-CN" sz="2400" b="1" dirty="0" smtClean="0"/>
+              <a:rPr lang="en-US" altLang="zh-CN" sz="2400" b="1" dirty="0"/>
               <a:t>FC1</a:t>
             </a:r>
             <a:endParaRPr lang="zh-CN" altLang="en-US" sz="2400" b="1" dirty="0"/>
@@ -7038,7 +7119,7 @@
           <a:p>
             <a:pPr algn="ctr"/>
             <a:r>
-              <a:rPr lang="en-US" altLang="zh-CN" sz="2400" b="1" dirty="0" smtClean="0"/>
+              <a:rPr lang="en-US" altLang="zh-CN" sz="2400" b="1" dirty="0"/>
               <a:t>FC2</a:t>
             </a:r>
             <a:endParaRPr lang="zh-CN" altLang="en-US" sz="2400" b="1" dirty="0"/>
@@ -7082,7 +7163,7 @@
           <a:p>
             <a:pPr algn="ctr"/>
             <a:r>
-              <a:rPr lang="en-US" altLang="zh-CN" sz="2400" b="1" dirty="0" smtClean="0"/>
+              <a:rPr lang="en-US" altLang="zh-CN" sz="2400" b="1" dirty="0"/>
               <a:t>Conv1D</a:t>
             </a:r>
             <a:endParaRPr lang="zh-CN" altLang="en-US" sz="2400" b="1" dirty="0"/>
@@ -7331,7 +7412,7 @@
           <a:p>
             <a:pPr algn="ctr"/>
             <a:r>
-              <a:rPr lang="en-US" altLang="zh-CN" sz="2800" dirty="0" smtClean="0"/>
+              <a:rPr lang="en-US" altLang="zh-CN" sz="2800" dirty="0"/>
               <a:t>Value</a:t>
             </a:r>
             <a:endParaRPr lang="zh-CN" altLang="en-US" sz="2800" dirty="0"/>
@@ -7375,7 +7456,7 @@
           <a:p>
             <a:pPr algn="ctr"/>
             <a:r>
-              <a:rPr lang="en-US" altLang="zh-CN" sz="2400" b="1" dirty="0" smtClean="0"/>
+              <a:rPr lang="en-US" altLang="zh-CN" sz="2400" b="1" dirty="0"/>
               <a:t>Conv1D</a:t>
             </a:r>
             <a:endParaRPr lang="zh-CN" altLang="en-US" sz="2400" b="1" dirty="0"/>
@@ -7460,7 +7541,7 @@
           <a:p>
             <a:pPr algn="ctr"/>
             <a:r>
-              <a:rPr lang="en-US" altLang="zh-CN" sz="2400" b="1" dirty="0" smtClean="0"/>
+              <a:rPr lang="en-US" altLang="zh-CN" sz="2400" b="1" dirty="0"/>
               <a:t>FC3</a:t>
             </a:r>
             <a:endParaRPr lang="zh-CN" altLang="en-US" sz="2400" b="1" dirty="0"/>
@@ -7521,7 +7602,7 @@
 </p:sld>
 </file>
 
-<file path=ppt/slides/slide4.xml><?xml version="1.0" encoding="utf-8"?>
+<file path=ppt/slides/slide6.xml><?xml version="1.0" encoding="utf-8"?>
 <p:sld xmlns:a="http://schemas.openxmlformats.org/drawingml/2006/main" xmlns:r="http://schemas.openxmlformats.org/officeDocument/2006/relationships" xmlns:p="http://schemas.openxmlformats.org/presentationml/2006/main">
   <p:cSld>
     <p:spTree>
@@ -7554,7 +7635,7 @@
           <a:lstStyle/>
           <a:p>
             <a:r>
-              <a:rPr lang="en-US" altLang="zh-CN" dirty="0" smtClean="0"/>
+              <a:rPr lang="en-US" altLang="zh-CN" dirty="0"/>
               <a:t>Step Setting</a:t>
             </a:r>
             <a:endParaRPr lang="zh-CN" altLang="en-US" dirty="0"/>
@@ -7593,7 +7674,7 @@
 </p:sld>
 </file>
 
-<file path=ppt/slides/slide5.xml><?xml version="1.0" encoding="utf-8"?>
+<file path=ppt/slides/slide7.xml><?xml version="1.0" encoding="utf-8"?>
 <p:sld xmlns:a="http://schemas.openxmlformats.org/drawingml/2006/main" xmlns:r="http://schemas.openxmlformats.org/officeDocument/2006/relationships" xmlns:p="http://schemas.openxmlformats.org/presentationml/2006/main">
   <p:cSld>
     <p:spTree>
@@ -7647,14 +7728,13 @@
           <a:p>
             <a:pPr algn="ctr"/>
             <a:r>
-              <a:rPr lang="en-US" altLang="zh-CN" sz="2000" b="1" dirty="0" smtClean="0"/>
+              <a:rPr lang="en-US" altLang="zh-CN" sz="2000" b="1" dirty="0"/>
               <a:t>14 </a:t>
             </a:r>
             <a:r>
-              <a:rPr lang="zh-CN" altLang="en-US" sz="2000" b="1" dirty="0" smtClean="0"/>
+              <a:rPr lang="zh-CN" altLang="en-US" sz="2000" b="1" dirty="0"/>
               <a:t>张 自牌</a:t>
             </a:r>
-            <a:endParaRPr lang="zh-CN" altLang="en-US" sz="2000" b="1" dirty="0"/>
           </a:p>
         </p:txBody>
       </p:sp>
@@ -7790,7 +7870,7 @@
           <a:p>
             <a:pPr algn="ctr"/>
             <a:r>
-              <a:rPr lang="en-US" altLang="zh-CN" sz="1600" b="1" dirty="0" smtClean="0">
+              <a:rPr lang="en-US" altLang="zh-CN" sz="1600" b="1" dirty="0">
                 <a:solidFill>
                   <a:schemeClr val="accent1">
                     <a:lumMod val="50000"/>
@@ -7800,7 +7880,7 @@
               <a:t>13 </a:t>
             </a:r>
             <a:r>
-              <a:rPr lang="zh-CN" altLang="en-US" sz="1600" b="1" dirty="0" smtClean="0">
+              <a:rPr lang="zh-CN" altLang="en-US" sz="1600" b="1" dirty="0">
                 <a:solidFill>
                   <a:schemeClr val="accent1">
                     <a:lumMod val="50000"/>
@@ -7809,7 +7889,7 @@
               </a:rPr>
               <a:t>张 自牌</a:t>
             </a:r>
-            <a:endParaRPr lang="en-US" altLang="zh-CN" sz="1600" b="1" dirty="0" smtClean="0">
+            <a:endParaRPr lang="en-US" altLang="zh-CN" sz="1600" b="1" dirty="0">
               <a:solidFill>
                 <a:schemeClr val="accent1">
                   <a:lumMod val="50000"/>
@@ -7820,7 +7900,7 @@
           <a:p>
             <a:pPr algn="ctr"/>
             <a:r>
-              <a:rPr lang="en-US" altLang="zh-CN" sz="1600" b="1" dirty="0" smtClean="0">
+              <a:rPr lang="en-US" altLang="zh-CN" sz="1600" b="1" dirty="0">
                 <a:solidFill>
                   <a:schemeClr val="accent1">
                     <a:lumMod val="50000"/>
@@ -7830,7 +7910,7 @@
               <a:t>+1</a:t>
             </a:r>
             <a:r>
-              <a:rPr lang="zh-CN" altLang="en-US" sz="1600" b="1" dirty="0" smtClean="0">
+              <a:rPr lang="zh-CN" altLang="en-US" sz="1600" b="1" dirty="0">
                 <a:solidFill>
                   <a:schemeClr val="accent1">
                     <a:lumMod val="50000"/>
@@ -7839,13 +7919,6 @@
               </a:rPr>
               <a:t>悬牌</a:t>
             </a:r>
-            <a:endParaRPr lang="zh-CN" altLang="en-US" sz="1600" b="1" dirty="0">
-              <a:solidFill>
-                <a:schemeClr val="accent1">
-                  <a:lumMod val="50000"/>
-                </a:schemeClr>
-              </a:solidFill>
-            </a:endParaRPr>
           </a:p>
         </p:txBody>
       </p:sp>
@@ -8016,7 +8089,7 @@
           <a:lstStyle/>
           <a:p>
             <a:r>
-              <a:rPr lang="en-US" altLang="zh-CN" dirty="0" smtClean="0"/>
+              <a:rPr lang="en-US" altLang="zh-CN" dirty="0"/>
               <a:t>deterministic</a:t>
             </a:r>
             <a:endParaRPr lang="zh-CN" altLang="en-US" dirty="0"/>
@@ -8046,7 +8119,7 @@
           <a:lstStyle/>
           <a:p>
             <a:r>
-              <a:rPr lang="en-US" altLang="zh-CN" dirty="0" smtClean="0"/>
+              <a:rPr lang="en-US" altLang="zh-CN" dirty="0"/>
               <a:t>stochastic</a:t>
             </a:r>
             <a:endParaRPr lang="zh-CN" altLang="en-US" dirty="0"/>
@@ -8160,10 +8233,9 @@
           <a:lstStyle/>
           <a:p>
             <a:r>
-              <a:rPr lang="zh-CN" altLang="en-US" sz="3200" dirty="0" smtClean="0"/>
+              <a:rPr lang="zh-CN" altLang="en-US" sz="3200" dirty="0"/>
               <a:t>打牌</a:t>
             </a:r>
-            <a:endParaRPr lang="zh-CN" altLang="en-US" sz="3200" dirty="0"/>
           </a:p>
         </p:txBody>
       </p:sp>
@@ -8190,18 +8262,17 @@
           <a:lstStyle/>
           <a:p>
             <a:r>
-              <a:rPr lang="zh-CN" altLang="en-US" sz="3200" dirty="0" smtClean="0"/>
+              <a:rPr lang="zh-CN" altLang="en-US" sz="3200" dirty="0"/>
               <a:t>摸牌</a:t>
             </a:r>
             <a:r>
-              <a:rPr lang="en-US" altLang="zh-CN" sz="3200" dirty="0" smtClean="0"/>
+              <a:rPr lang="en-US" altLang="zh-CN" sz="3200" dirty="0"/>
               <a:t>/</a:t>
             </a:r>
             <a:r>
-              <a:rPr lang="zh-CN" altLang="en-US" sz="3200" dirty="0" smtClean="0"/>
+              <a:rPr lang="zh-CN" altLang="en-US" sz="3200" dirty="0"/>
               <a:t>杠</a:t>
             </a:r>
-            <a:endParaRPr lang="zh-CN" altLang="en-US" sz="3200" dirty="0"/>
           </a:p>
         </p:txBody>
       </p:sp>
@@ -8229,13 +8300,8 @@
           <a:p>
             <a:r>
               <a:rPr lang="zh-CN" altLang="en-US" sz="2400" dirty="0"/>
-              <a:t>其</a:t>
-            </a:r>
-            <a:r>
-              <a:rPr lang="zh-CN" altLang="en-US" sz="2400" dirty="0" smtClean="0"/>
-              <a:t>他玩家行动</a:t>
-            </a:r>
-            <a:endParaRPr lang="zh-CN" altLang="en-US" sz="2400" dirty="0"/>
+              <a:t>其他玩家行动</a:t>
+            </a:r>
           </a:p>
         </p:txBody>
       </p:sp>
@@ -8357,21 +8423,16 @@
           <a:p>
             <a:r>
               <a:rPr lang="zh-CN" altLang="en-US" sz="3200" dirty="0"/>
-              <a:t>荣</a:t>
-            </a:r>
-            <a:r>
-              <a:rPr lang="zh-CN" altLang="en-US" sz="3200" dirty="0" smtClean="0"/>
-              <a:t>和</a:t>
-            </a:r>
-            <a:r>
-              <a:rPr lang="en-US" altLang="zh-CN" sz="3200" dirty="0" smtClean="0"/>
+              <a:t>荣和</a:t>
+            </a:r>
+            <a:r>
+              <a:rPr lang="en-US" altLang="zh-CN" sz="3200" dirty="0"/>
               <a:t>/</a:t>
             </a:r>
             <a:r>
-              <a:rPr lang="zh-CN" altLang="en-US" sz="3200" dirty="0" smtClean="0"/>
+              <a:rPr lang="zh-CN" altLang="en-US" sz="3200" dirty="0"/>
               <a:t>抢（暗）杠</a:t>
             </a:r>
-            <a:endParaRPr lang="zh-CN" altLang="en-US" sz="3200" dirty="0"/>
           </a:p>
         </p:txBody>
       </p:sp>
@@ -8412,14 +8473,14 @@
           <a:p>
             <a:pPr algn="ctr"/>
             <a:r>
-              <a:rPr lang="en-US" altLang="zh-CN" sz="2000" b="1" dirty="0" smtClean="0"/>
+              <a:rPr lang="en-US" altLang="zh-CN" sz="2000" b="1" dirty="0"/>
               <a:t>14 </a:t>
             </a:r>
             <a:r>
-              <a:rPr lang="zh-CN" altLang="en-US" sz="2000" b="1" dirty="0" smtClean="0"/>
+              <a:rPr lang="zh-CN" altLang="en-US" sz="2000" b="1" dirty="0"/>
               <a:t>张 自牌</a:t>
             </a:r>
-            <a:endParaRPr lang="en-US" altLang="zh-CN" sz="2000" b="1" dirty="0" smtClean="0"/>
+            <a:endParaRPr lang="en-US" altLang="zh-CN" sz="2000" b="1" dirty="0"/>
           </a:p>
           <a:p>
             <a:pPr algn="ctr"/>
@@ -8453,10 +8514,9 @@
           <a:lstStyle/>
           <a:p>
             <a:r>
-              <a:rPr lang="zh-CN" altLang="en-US" sz="3200" dirty="0" smtClean="0"/>
+              <a:rPr lang="zh-CN" altLang="en-US" sz="3200" dirty="0"/>
               <a:t>自摸</a:t>
             </a:r>
-            <a:endParaRPr lang="zh-CN" altLang="en-US" sz="3200" dirty="0"/>
           </a:p>
         </p:txBody>
       </p:sp>
@@ -8483,10 +8543,9 @@
           <a:lstStyle/>
           <a:p>
             <a:r>
-              <a:rPr lang="zh-CN" altLang="en-US" sz="3200" dirty="0" smtClean="0"/>
+              <a:rPr lang="zh-CN" altLang="en-US" sz="3200" dirty="0"/>
               <a:t>吃碰</a:t>
             </a:r>
-            <a:endParaRPr lang="zh-CN" altLang="en-US" sz="3200" dirty="0"/>
           </a:p>
         </p:txBody>
       </p:sp>
@@ -8527,14 +8586,13 @@
           <a:p>
             <a:pPr algn="ctr"/>
             <a:r>
-              <a:rPr lang="en-US" altLang="zh-CN" sz="2000" b="1" dirty="0" smtClean="0"/>
+              <a:rPr lang="en-US" altLang="zh-CN" sz="2000" b="1" dirty="0"/>
               <a:t>13 </a:t>
             </a:r>
             <a:r>
-              <a:rPr lang="zh-CN" altLang="en-US" sz="2000" b="1" dirty="0" smtClean="0"/>
+              <a:rPr lang="zh-CN" altLang="en-US" sz="2000" b="1" dirty="0"/>
               <a:t>张 自牌</a:t>
             </a:r>
-            <a:endParaRPr lang="zh-CN" altLang="en-US" sz="2000" b="1" dirty="0"/>
           </a:p>
         </p:txBody>
       </p:sp>
@@ -8561,10 +8619,9 @@
           <a:lstStyle/>
           <a:p>
             <a:r>
-              <a:rPr lang="zh-CN" altLang="en-US" sz="3200" dirty="0" smtClean="0"/>
+              <a:rPr lang="zh-CN" altLang="en-US" sz="3200" dirty="0"/>
               <a:t>暗杠</a:t>
             </a:r>
-            <a:endParaRPr lang="zh-CN" altLang="en-US" sz="3200" dirty="0"/>
           </a:p>
         </p:txBody>
       </p:sp>
